--- a/Apresentacao_LPII_PE_MarcoRodrigues4652.pptx
+++ b/Apresentacao_LPII_PE_MarcoRodrigues4652.pptx
@@ -5,7 +5,7 @@
     <p:sldMasterId id="2147483660" r:id="rId1"/>
   </p:sldMasterIdLst>
   <p:notesMasterIdLst>
-    <p:notesMasterId r:id="rId31"/>
+    <p:notesMasterId r:id="rId27"/>
   </p:notesMasterIdLst>
   <p:sldIdLst>
     <p:sldId id="256" r:id="rId2"/>
@@ -19,24 +19,20 @@
     <p:sldId id="336" r:id="rId10"/>
     <p:sldId id="319" r:id="rId11"/>
     <p:sldId id="320" r:id="rId12"/>
-    <p:sldId id="322" r:id="rId13"/>
-    <p:sldId id="328" r:id="rId14"/>
-    <p:sldId id="329" r:id="rId15"/>
-    <p:sldId id="330" r:id="rId16"/>
-    <p:sldId id="331" r:id="rId17"/>
-    <p:sldId id="332" r:id="rId18"/>
-    <p:sldId id="333" r:id="rId19"/>
-    <p:sldId id="334" r:id="rId20"/>
-    <p:sldId id="323" r:id="rId21"/>
-    <p:sldId id="338" r:id="rId22"/>
-    <p:sldId id="340" r:id="rId23"/>
-    <p:sldId id="339" r:id="rId24"/>
-    <p:sldId id="341" r:id="rId25"/>
-    <p:sldId id="342" r:id="rId26"/>
-    <p:sldId id="343" r:id="rId27"/>
-    <p:sldId id="345" r:id="rId28"/>
-    <p:sldId id="346" r:id="rId29"/>
-    <p:sldId id="325" r:id="rId30"/>
+    <p:sldId id="331" r:id="rId13"/>
+    <p:sldId id="332" r:id="rId14"/>
+    <p:sldId id="333" r:id="rId15"/>
+    <p:sldId id="334" r:id="rId16"/>
+    <p:sldId id="323" r:id="rId17"/>
+    <p:sldId id="338" r:id="rId18"/>
+    <p:sldId id="340" r:id="rId19"/>
+    <p:sldId id="339" r:id="rId20"/>
+    <p:sldId id="341" r:id="rId21"/>
+    <p:sldId id="342" r:id="rId22"/>
+    <p:sldId id="343" r:id="rId23"/>
+    <p:sldId id="345" r:id="rId24"/>
+    <p:sldId id="346" r:id="rId25"/>
+    <p:sldId id="325" r:id="rId26"/>
   </p:sldIdLst>
   <p:sldSz cx="12192000" cy="6858000"/>
   <p:notesSz cx="6858000" cy="9144000"/>
@@ -384,7 +380,7 @@
           <a:p>
             <a:fld id="{3AAACB8F-4718-497B-9A35-224BBBB1AF80}" type="slidenum">
               <a:rPr lang="pt-PT" smtClean="0"/>
-              <a:t>‹nº›</a:t>
+              <a:t>‹#›</a:t>
             </a:fld>
             <a:endParaRPr lang="pt-PT"/>
           </a:p>
@@ -761,7 +757,7 @@
           <a:p>
             <a:fld id="{422D536B-584E-486B-9435-086987A3D916}" type="slidenum">
               <a:rPr lang="pt-PT" smtClean="0"/>
-              <a:t>‹nº›</a:t>
+              <a:t>‹#›</a:t>
             </a:fld>
             <a:endParaRPr lang="pt-PT"/>
           </a:p>
@@ -969,7 +965,7 @@
           <a:p>
             <a:fld id="{422D536B-584E-486B-9435-086987A3D916}" type="slidenum">
               <a:rPr lang="pt-PT" smtClean="0"/>
-              <a:t>‹nº›</a:t>
+              <a:t>‹#›</a:t>
             </a:fld>
             <a:endParaRPr lang="pt-PT"/>
           </a:p>
@@ -1225,7 +1221,7 @@
           <a:p>
             <a:fld id="{422D536B-584E-486B-9435-086987A3D916}" type="slidenum">
               <a:rPr lang="pt-PT" smtClean="0"/>
-              <a:t>‹nº›</a:t>
+              <a:t>‹#›</a:t>
             </a:fld>
             <a:endParaRPr lang="pt-PT"/>
           </a:p>
@@ -1399,7 +1395,7 @@
           <a:p>
             <a:fld id="{422D536B-584E-486B-9435-086987A3D916}" type="slidenum">
               <a:rPr lang="pt-PT" smtClean="0"/>
-              <a:t>‹nº›</a:t>
+              <a:t>‹#›</a:t>
             </a:fld>
             <a:endParaRPr lang="pt-PT"/>
           </a:p>
@@ -1742,7 +1738,7 @@
           <a:p>
             <a:fld id="{422D536B-584E-486B-9435-086987A3D916}" type="slidenum">
               <a:rPr lang="pt-PT" smtClean="0"/>
-              <a:t>‹nº›</a:t>
+              <a:t>‹#›</a:t>
             </a:fld>
             <a:endParaRPr lang="pt-PT"/>
           </a:p>
@@ -2017,7 +2013,7 @@
           <a:p>
             <a:fld id="{422D536B-584E-486B-9435-086987A3D916}" type="slidenum">
               <a:rPr lang="pt-PT" smtClean="0"/>
-              <a:t>‹nº›</a:t>
+              <a:t>‹#›</a:t>
             </a:fld>
             <a:endParaRPr lang="pt-PT"/>
           </a:p>
@@ -2396,7 +2392,7 @@
           <a:p>
             <a:fld id="{422D536B-584E-486B-9435-086987A3D916}" type="slidenum">
               <a:rPr lang="pt-PT" smtClean="0"/>
-              <a:t>‹nº›</a:t>
+              <a:t>‹#›</a:t>
             </a:fld>
             <a:endParaRPr lang="pt-PT"/>
           </a:p>
@@ -2514,7 +2510,7 @@
           <a:p>
             <a:fld id="{422D536B-584E-486B-9435-086987A3D916}" type="slidenum">
               <a:rPr lang="pt-PT" smtClean="0"/>
-              <a:t>‹nº›</a:t>
+              <a:t>‹#›</a:t>
             </a:fld>
             <a:endParaRPr lang="pt-PT"/>
           </a:p>
@@ -2693,7 +2689,7 @@
           <a:p>
             <a:fld id="{422D536B-584E-486B-9435-086987A3D916}" type="slidenum">
               <a:rPr lang="pt-PT" smtClean="0"/>
-              <a:t>‹nº›</a:t>
+              <a:t>‹#›</a:t>
             </a:fld>
             <a:endParaRPr lang="pt-PT"/>
           </a:p>
@@ -3060,7 +3056,7 @@
           <a:p>
             <a:fld id="{422D536B-584E-486B-9435-086987A3D916}" type="slidenum">
               <a:rPr lang="pt-PT" smtClean="0"/>
-              <a:t>‹nº›</a:t>
+              <a:t>‹#›</a:t>
             </a:fld>
             <a:endParaRPr lang="pt-PT"/>
           </a:p>
@@ -3421,7 +3417,7 @@
           <a:p>
             <a:fld id="{422D536B-584E-486B-9435-086987A3D916}" type="slidenum">
               <a:rPr lang="pt-PT" smtClean="0"/>
-              <a:t>‹nº›</a:t>
+              <a:t>‹#›</a:t>
             </a:fld>
             <a:endParaRPr lang="pt-PT"/>
           </a:p>
@@ -3740,7 +3736,7 @@
           <a:p>
             <a:fld id="{422D536B-584E-486B-9435-086987A3D916}" type="slidenum">
               <a:rPr lang="pt-PT" smtClean="0"/>
-              <a:t>‹nº›</a:t>
+              <a:t>‹#›</a:t>
             </a:fld>
             <a:endParaRPr lang="pt-PT"/>
           </a:p>
@@ -4298,11 +4294,7 @@
           <a:p>
             <a:r>
               <a:rPr lang="pt-PT" sz="6000" dirty="0" smtClean="0"/>
-              <a:t>IHM </a:t>
-            </a:r>
-            <a:r>
-              <a:rPr lang="pt-PT" sz="6000" dirty="0" smtClean="0"/>
-              <a:t>para Fabrico Aditivo</a:t>
+              <a:t>IHM para Fabrico Aditivo</a:t>
             </a:r>
             <a:endParaRPr lang="pt-PT" sz="6000" dirty="0"/>
           </a:p>
@@ -4525,7 +4517,7 @@
         <p:spPr>
           <a:xfrm>
             <a:off x="7128163" y="3616881"/>
-            <a:ext cx="4084320" cy="2636256"/>
+            <a:ext cx="4811288" cy="2636256"/>
           </a:xfrm>
           <a:prstGeom prst="rect">
             <a:avLst/>
@@ -4533,7 +4525,7 @@
         </p:spPr>
         <p:txBody>
           <a:bodyPr vert="horz" lIns="91440" tIns="45720" rIns="91440" bIns="45720" rtlCol="0">
-            <a:normAutofit fontScale="92500" lnSpcReduction="10000"/>
+            <a:normAutofit fontScale="85000" lnSpcReduction="10000"/>
           </a:bodyPr>
           <a:lstStyle>
             <a:lvl1pPr marL="0" indent="0" algn="l" defTabSz="914400" rtl="0" eaLnBrk="1" latinLnBrk="0" hangingPunct="1">
@@ -4802,8 +4794,13 @@
           <a:p>
             <a:r>
               <a:rPr lang="pt-PT" dirty="0" smtClean="0"/>
-              <a:t>Eng.º João Paulo pereira</a:t>
-            </a:r>
+              <a:t>Eng.º João Paulo </a:t>
+            </a:r>
+            <a:r>
+              <a:rPr lang="pt-PT" dirty="0" smtClean="0"/>
+              <a:t>pereira (INEGI)</a:t>
+            </a:r>
+            <a:endParaRPr lang="pt-PT" dirty="0" smtClean="0"/>
           </a:p>
           <a:p>
             <a:endParaRPr lang="pt-PT" dirty="0" smtClean="0"/>
@@ -5136,6 +5133,13 @@
   <p:clrMapOvr>
     <a:masterClrMapping/>
   </p:clrMapOvr>
+  <p:timing>
+    <p:tnLst>
+      <p:par>
+        <p:cTn id="1" dur="indefinite" restart="never" nodeType="tmRoot"/>
+      </p:par>
+    </p:tnLst>
+  </p:timing>
 </p:sld>
 </file>
 
@@ -5230,11 +5234,7 @@
             </a:r>
             <a:r>
               <a:rPr lang="pt-PT" sz="2400" dirty="0"/>
-              <a:t>(Canas &amp; Pires, 2014, p. </a:t>
-            </a:r>
-            <a:r>
-              <a:rPr lang="pt-PT" sz="2400" dirty="0"/>
-              <a:t>10)</a:t>
+              <a:t>(Canas &amp; Pires, 2014, p. 10)</a:t>
             </a:r>
           </a:p>
           <a:p>
@@ -5251,52 +5251,44 @@
             </a:pPr>
             <a:r>
               <a:rPr lang="pt-PT" sz="2400" dirty="0" smtClean="0"/>
-              <a:t>Construção </a:t>
-            </a:r>
+              <a:t>Construção de peças camada a camada</a:t>
+            </a:r>
+          </a:p>
+          <a:p>
+            <a:endParaRPr lang="pt-PT" sz="2400" dirty="0"/>
+          </a:p>
+          <a:p>
+            <a:pPr marL="342900" indent="-342900">
+              <a:buFont typeface="Arial" panose="020B0604020202020204" pitchFamily="34" charset="0"/>
+              <a:buChar char="•"/>
+            </a:pPr>
+            <a:endParaRPr lang="pt-PT" sz="2400" dirty="0" smtClean="0"/>
+          </a:p>
+          <a:p>
+            <a:pPr marL="342900" indent="-342900">
+              <a:buFont typeface="Arial" panose="020B0604020202020204" pitchFamily="34" charset="0"/>
+              <a:buChar char="•"/>
+            </a:pPr>
+            <a:endParaRPr lang="pt-PT" sz="2400" dirty="0"/>
+          </a:p>
+          <a:p>
+            <a:pPr marL="342900" indent="-342900">
+              <a:buFont typeface="Arial" panose="020B0604020202020204" pitchFamily="34" charset="0"/>
+              <a:buChar char="•"/>
+            </a:pPr>
+            <a:endParaRPr lang="pt-PT" sz="2400" dirty="0" smtClean="0"/>
+          </a:p>
+          <a:p>
+            <a:endParaRPr lang="pt-PT" sz="2400" dirty="0"/>
+          </a:p>
+          <a:p>
+            <a:pPr marL="342900" indent="-342900">
+              <a:buFont typeface="Arial" panose="020B0604020202020204" pitchFamily="34" charset="0"/>
+              <a:buChar char="•"/>
+            </a:pPr>
             <a:r>
               <a:rPr lang="pt-PT" sz="2400" dirty="0" smtClean="0"/>
-              <a:t>de peças camada a camada</a:t>
-            </a:r>
-          </a:p>
-          <a:p>
-            <a:endParaRPr lang="pt-PT" sz="2400" dirty="0"/>
-          </a:p>
-          <a:p>
-            <a:pPr marL="342900" indent="-342900">
-              <a:buFont typeface="Arial" panose="020B0604020202020204" pitchFamily="34" charset="0"/>
-              <a:buChar char="•"/>
-            </a:pPr>
-            <a:endParaRPr lang="pt-PT" sz="2400" dirty="0" smtClean="0"/>
-          </a:p>
-          <a:p>
-            <a:pPr marL="342900" indent="-342900">
-              <a:buFont typeface="Arial" panose="020B0604020202020204" pitchFamily="34" charset="0"/>
-              <a:buChar char="•"/>
-            </a:pPr>
-            <a:endParaRPr lang="pt-PT" sz="2400" dirty="0"/>
-          </a:p>
-          <a:p>
-            <a:pPr marL="342900" indent="-342900">
-              <a:buFont typeface="Arial" panose="020B0604020202020204" pitchFamily="34" charset="0"/>
-              <a:buChar char="•"/>
-            </a:pPr>
-            <a:endParaRPr lang="pt-PT" sz="2400" dirty="0" smtClean="0"/>
-          </a:p>
-          <a:p>
-            <a:endParaRPr lang="pt-PT" sz="2400" dirty="0"/>
-          </a:p>
-          <a:p>
-            <a:pPr marL="342900" indent="-342900">
-              <a:buFont typeface="Arial" panose="020B0604020202020204" pitchFamily="34" charset="0"/>
-              <a:buChar char="•"/>
-            </a:pPr>
-            <a:r>
-              <a:rPr lang="pt-PT" sz="2400" dirty="0" smtClean="0"/>
-              <a:t>Pode </a:t>
-            </a:r>
-            <a:r>
-              <a:rPr lang="pt-PT" sz="2400" dirty="0" smtClean="0"/>
-              <a:t>ser uma das próximas forças motoras na indústria</a:t>
+              <a:t>Pode ser uma das próximas forças motoras na indústria</a:t>
             </a:r>
           </a:p>
           <a:p>
@@ -5722,11 +5714,7 @@
             <a:pPr algn="ctr"/>
             <a:r>
               <a:rPr lang="pt-PT" sz="1600" b="1" dirty="0" smtClean="0"/>
-              <a:t>IHM </a:t>
-            </a:r>
-            <a:r>
-              <a:rPr lang="pt-PT" sz="1600" b="1" dirty="0" smtClean="0"/>
-              <a:t>para Fabrico Aditivo – Estado da Arte</a:t>
+              <a:t>IHM para Fabrico Aditivo – Estado da Arte</a:t>
             </a:r>
             <a:endParaRPr lang="pt-PT" sz="1600" b="1" dirty="0"/>
           </a:p>
@@ -5742,6 +5730,13 @@
   <p:clrMapOvr>
     <a:masterClrMapping/>
   </p:clrMapOvr>
+  <p:timing>
+    <p:tnLst>
+      <p:par>
+        <p:cTn id="1" dur="indefinite" restart="never" nodeType="tmRoot"/>
+      </p:par>
+    </p:tnLst>
+  </p:timing>
 </p:sld>
 </file>
 
@@ -5821,15 +5816,7 @@
             </a:pPr>
             <a:r>
               <a:rPr lang="pt-PT" sz="2400" dirty="0" smtClean="0"/>
-              <a:t>Integração com </a:t>
-            </a:r>
-            <a:r>
-              <a:rPr lang="pt-PT" sz="2400" dirty="0" smtClean="0"/>
-              <a:t>processos de outras </a:t>
-            </a:r>
-            <a:r>
-              <a:rPr lang="pt-PT" sz="2400" dirty="0" smtClean="0"/>
-              <a:t>áreas</a:t>
+              <a:t>Integração com processos de outras áreas</a:t>
             </a:r>
           </a:p>
           <a:p>
@@ -6279,11 +6266,7 @@
             <a:pPr algn="ctr"/>
             <a:r>
               <a:rPr lang="pt-PT" sz="1600" b="1" dirty="0" smtClean="0"/>
-              <a:t>IHM </a:t>
-            </a:r>
-            <a:r>
-              <a:rPr lang="pt-PT" sz="1600" b="1" dirty="0" smtClean="0"/>
-              <a:t>para Fabrico Aditivo – Estado da Arte</a:t>
+              <a:t>IHM para Fabrico Aditivo – Estado da Arte</a:t>
             </a:r>
             <a:endParaRPr lang="pt-PT" sz="1600" b="1" dirty="0"/>
           </a:p>
@@ -6329,6 +6312,13 @@
   <p:clrMapOvr>
     <a:masterClrMapping/>
   </p:clrMapOvr>
+  <p:timing>
+    <p:tnLst>
+      <p:par>
+        <p:cTn id="1" dur="indefinite" restart="never" nodeType="tmRoot"/>
+      </p:par>
+    </p:tnLst>
+  </p:timing>
 </p:sld>
 </file>
 
@@ -6358,7 +6348,7 @@
         <p:spPr>
           <a:xfrm>
             <a:off x="445000" y="166025"/>
-            <a:ext cx="11747000" cy="9818072"/>
+            <a:ext cx="11747000" cy="10556736"/>
           </a:xfrm>
           <a:prstGeom prst="rect">
             <a:avLst/>
@@ -6393,47 +6383,57 @@
           </a:p>
           <a:p>
             <a:r>
-              <a:rPr lang="en-US" sz="2400" b="1" u="sng" dirty="0" err="1" smtClean="0"/>
+              <a:rPr lang="en-US" sz="2400" b="1" u="sng" dirty="0" err="1"/>
               <a:t>Caso</a:t>
             </a:r>
             <a:r>
+              <a:rPr lang="en-US" sz="2400" b="1" u="sng" dirty="0"/>
+              <a:t> </a:t>
+            </a:r>
+            <a:r>
               <a:rPr lang="en-US" sz="2400" b="1" u="sng" dirty="0" smtClean="0"/>
-              <a:t> 1</a:t>
-            </a:r>
-            <a:endParaRPr lang="en-US" sz="2400" b="1" u="sng" dirty="0" smtClean="0"/>
+              <a:t>1</a:t>
+            </a:r>
+            <a:endParaRPr lang="en-US" sz="2400" b="1" u="sng" dirty="0"/>
           </a:p>
           <a:p>
             <a:r>
               <a:rPr lang="en-US" sz="2400" dirty="0" smtClean="0"/>
-              <a:t>Utilization </a:t>
+              <a:t>Developing </a:t>
             </a:r>
             <a:r>
               <a:rPr lang="en-US" sz="2400" dirty="0"/>
-              <a:t>of the </a:t>
+              <a:t>web &amp; </a:t>
+            </a:r>
+            <a:r>
+              <a:rPr lang="en-US" sz="2400" dirty="0" err="1"/>
+              <a:t>TwinCAT</a:t>
+            </a:r>
+            <a:r>
+              <a:rPr lang="en-US" sz="2400" dirty="0"/>
+              <a:t> PLC-based remote Control laboratories</a:t>
+            </a:r>
+          </a:p>
+          <a:p>
+            <a:r>
+              <a:rPr lang="en-US" sz="2400" dirty="0"/>
+              <a:t>for modern web-browsers or mobile </a:t>
             </a:r>
             <a:r>
               <a:rPr lang="en-US" sz="2400" dirty="0" smtClean="0"/>
-              <a:t>PLC as </a:t>
-            </a:r>
-            <a:r>
-              <a:rPr lang="en-US" sz="2400" dirty="0"/>
-              <a:t>a Web Server for </a:t>
-            </a:r>
-            <a:r>
-              <a:rPr lang="en-US" sz="2400" dirty="0" smtClean="0"/>
-              <a:t>Remote Monitoring </a:t>
-            </a:r>
-            <a:r>
-              <a:rPr lang="en-US" sz="2400" dirty="0"/>
-              <a:t>of the Technological Process</a:t>
-            </a:r>
-            <a:r>
-              <a:rPr lang="pt-PT" sz="2400" dirty="0"/>
+              <a:t>devices</a:t>
+            </a:r>
+            <a:r>
+              <a:rPr lang="pt-PT" sz="2400" dirty="0" smtClean="0"/>
               <a:t>(</a:t>
             </a:r>
             <a:r>
-              <a:rPr lang="pt-PT" sz="2400" dirty="0" err="1"/>
-              <a:t>Kacur</a:t>
+              <a:rPr lang="pt-PT" sz="2400" dirty="0" err="1" smtClean="0"/>
+              <a:t>Bermudez</a:t>
+            </a:r>
+            <a:r>
+              <a:rPr lang="pt-PT" sz="2400" dirty="0" smtClean="0"/>
+              <a:t>-Ortega</a:t>
             </a:r>
             <a:r>
               <a:rPr lang="pt-PT" sz="2400" dirty="0"/>
@@ -6441,27 +6441,35 @@
             </a:r>
             <a:r>
               <a:rPr lang="pt-PT" sz="2400" dirty="0" err="1"/>
-              <a:t>Durdan</a:t>
+              <a:t>Besada</a:t>
             </a:r>
             <a:r>
               <a:rPr lang="pt-PT" sz="2400" dirty="0"/>
-              <a:t>, &amp; </a:t>
+              <a:t>-Portas, </a:t>
             </a:r>
             <a:r>
               <a:rPr lang="pt-PT" sz="2400" dirty="0" err="1"/>
-              <a:t>Laciak</a:t>
+              <a:t>Lopez-Orozco</a:t>
             </a:r>
             <a:r>
               <a:rPr lang="pt-PT" sz="2400" dirty="0"/>
-              <a:t>, 2013)</a:t>
-            </a:r>
-          </a:p>
-          <a:p>
-            <a:pPr marL="342900" indent="-342900">
-              <a:buFont typeface="Arial" panose="020B0604020202020204" pitchFamily="34" charset="0"/>
-              <a:buChar char="•"/>
-            </a:pPr>
-            <a:endParaRPr lang="pt-PT" sz="2400" dirty="0" smtClean="0"/>
+              <a:t>, </a:t>
+            </a:r>
+            <a:r>
+              <a:rPr lang="pt-PT" sz="2400" dirty="0" err="1"/>
+              <a:t>Chacon</a:t>
+            </a:r>
+            <a:r>
+              <a:rPr lang="pt-PT" sz="2400" dirty="0"/>
+              <a:t>, &amp; de la Cruz, 2016)</a:t>
+            </a:r>
+          </a:p>
+          <a:p>
+            <a:pPr marL="342900" indent="-342900">
+              <a:buFont typeface="Arial" panose="020B0604020202020204" pitchFamily="34" charset="0"/>
+              <a:buChar char="•"/>
+            </a:pPr>
+            <a:endParaRPr lang="pt-PT" sz="2400" dirty="0"/>
           </a:p>
           <a:p>
             <a:pPr marL="342900" indent="-342900">
@@ -6470,15 +6478,36 @@
             </a:pPr>
             <a:r>
               <a:rPr lang="pt-PT" sz="2400" dirty="0" smtClean="0"/>
-              <a:t>Casos de estudo: medições de parâmetros (temperatura, pressão, </a:t>
-            </a:r>
+              <a:t>Aceder a experiências de controlo em laboratórios remotamente</a:t>
+            </a:r>
+          </a:p>
+          <a:p>
+            <a:pPr marL="342900" indent="-342900">
+              <a:buFont typeface="Arial" panose="020B0604020202020204" pitchFamily="34" charset="0"/>
+              <a:buChar char="•"/>
+            </a:pPr>
+            <a:endParaRPr lang="pt-PT" sz="2400" dirty="0"/>
+          </a:p>
+          <a:p>
+            <a:pPr marL="342900" indent="-342900">
+              <a:buFont typeface="Arial" panose="020B0604020202020204" pitchFamily="34" charset="0"/>
+              <a:buChar char="•"/>
+            </a:pPr>
             <a:r>
               <a:rPr lang="pt-PT" sz="2400" dirty="0" err="1" smtClean="0"/>
-              <a:t>etc</a:t>
+              <a:t>PLCs</a:t>
             </a:r>
             <a:r>
               <a:rPr lang="pt-PT" sz="2400" dirty="0" smtClean="0"/>
-              <a:t>) no enrolamento de bobinas de aço e na gaseificação do carvão</a:t>
+              <a:t> </a:t>
+            </a:r>
+            <a:r>
+              <a:rPr lang="pt-PT" sz="2400" dirty="0" err="1" smtClean="0"/>
+              <a:t>Twincat</a:t>
+            </a:r>
+            <a:r>
+              <a:rPr lang="pt-PT" sz="2400" dirty="0" smtClean="0"/>
+              <a:t>, página web, Node.js para servidor web no laboratório</a:t>
             </a:r>
           </a:p>
           <a:p>
@@ -6495,15 +6524,15 @@
             </a:pPr>
             <a:r>
               <a:rPr lang="pt-PT" sz="2400" dirty="0" smtClean="0"/>
-              <a:t>PLC (controlador usado na indústria) a fazer de servidor web</a:t>
-            </a:r>
-          </a:p>
-          <a:p>
-            <a:pPr marL="342900" indent="-342900">
-              <a:buFont typeface="Arial" panose="020B0604020202020204" pitchFamily="34" charset="0"/>
-              <a:buChar char="•"/>
-            </a:pPr>
-            <a:endParaRPr lang="pt-PT" sz="2400" dirty="0"/>
+              <a:t>Monitorização de dados em tempo real</a:t>
+            </a:r>
+          </a:p>
+          <a:p>
+            <a:pPr marL="342900" indent="-342900">
+              <a:buFont typeface="Arial" panose="020B0604020202020204" pitchFamily="34" charset="0"/>
+              <a:buChar char="•"/>
+            </a:pPr>
+            <a:endParaRPr lang="pt-PT" sz="2400" dirty="0" smtClean="0"/>
           </a:p>
           <a:p>
             <a:pPr marL="342900" indent="-342900">
@@ -6512,7 +6541,7 @@
             </a:pPr>
             <a:r>
               <a:rPr lang="pt-PT" sz="2400" dirty="0" smtClean="0"/>
-              <a:t>Página web para monitorizar e controlar variáveis do processo remotamente</a:t>
+              <a:t>Monitorização visual em tempo real através de câmara</a:t>
             </a:r>
           </a:p>
           <a:p>
@@ -6898,11 +6927,7 @@
             <a:pPr algn="ctr"/>
             <a:r>
               <a:rPr lang="pt-PT" sz="1600" b="1" dirty="0" smtClean="0"/>
-              <a:t>IHM </a:t>
-            </a:r>
-            <a:r>
-              <a:rPr lang="pt-PT" sz="1600" b="1" dirty="0" smtClean="0"/>
-              <a:t>para Fabrico Aditivo – Estado da Arte</a:t>
+              <a:t>IHM para Fabrico Aditivo – Estado da Arte</a:t>
             </a:r>
             <a:endParaRPr lang="pt-PT" sz="1600" b="1" dirty="0"/>
           </a:p>
@@ -6911,13 +6936,20 @@
     </p:spTree>
     <p:extLst>
       <p:ext uri="{BB962C8B-B14F-4D97-AF65-F5344CB8AC3E}">
-        <p14:creationId xmlns:p14="http://schemas.microsoft.com/office/powerpoint/2010/main" val="3964441751"/>
+        <p14:creationId xmlns:p14="http://schemas.microsoft.com/office/powerpoint/2010/main" val="108266854"/>
       </p:ext>
     </p:extLst>
   </p:cSld>
   <p:clrMapOvr>
     <a:masterClrMapping/>
   </p:clrMapOvr>
+  <p:timing>
+    <p:tnLst>
+      <p:par>
+        <p:cTn id="1" dur="indefinite" restart="never" nodeType="tmRoot"/>
+      </p:par>
+    </p:tnLst>
+  </p:timing>
 </p:sld>
 </file>
 
@@ -6947,7 +6979,7 @@
         <p:spPr>
           <a:xfrm>
             <a:off x="445000" y="166025"/>
-            <a:ext cx="11747000" cy="6863417"/>
+            <a:ext cx="11747000" cy="6494085"/>
           </a:xfrm>
           <a:prstGeom prst="rect">
             <a:avLst/>
@@ -6974,28 +7006,26 @@
             </a:r>
           </a:p>
           <a:p>
-            <a:endParaRPr lang="en-US" sz="2400" b="1" u="sng" dirty="0" smtClean="0"/>
-          </a:p>
-          <a:p>
-            <a:r>
-              <a:rPr lang="en-US" sz="2400" b="1" u="sng" dirty="0" err="1" smtClean="0"/>
+            <a:pPr marL="342900" indent="-342900">
+              <a:buFont typeface="Arial" panose="020B0604020202020204" pitchFamily="34" charset="0"/>
+              <a:buChar char="•"/>
+            </a:pPr>
+            <a:endParaRPr lang="pt-PT" sz="2400" dirty="0" smtClean="0"/>
+          </a:p>
+          <a:p>
+            <a:r>
+              <a:rPr lang="en-US" sz="2400" b="1" u="sng" dirty="0" err="1"/>
               <a:t>Caso</a:t>
             </a:r>
             <a:r>
+              <a:rPr lang="en-US" sz="2400" b="1" u="sng" dirty="0"/>
+              <a:t> </a:t>
+            </a:r>
+            <a:r>
               <a:rPr lang="en-US" sz="2400" b="1" u="sng" dirty="0" smtClean="0"/>
-              <a:t> </a:t>
-            </a:r>
-            <a:r>
-              <a:rPr lang="en-US" sz="2400" b="1" u="sng" dirty="0"/>
               <a:t>1</a:t>
             </a:r>
-          </a:p>
-          <a:p>
-            <a:pPr marL="342900" indent="-342900">
-              <a:buFont typeface="Arial" panose="020B0604020202020204" pitchFamily="34" charset="0"/>
-              <a:buChar char="•"/>
-            </a:pPr>
-            <a:endParaRPr lang="pt-PT" sz="2400" dirty="0" smtClean="0"/>
+            <a:endParaRPr lang="en-US" sz="2400" b="1" u="sng" dirty="0"/>
           </a:p>
           <a:p>
             <a:pPr marL="342900" indent="-342900">
@@ -7005,10 +7035,6 @@
             <a:endParaRPr lang="en-US" sz="2400" dirty="0" smtClean="0"/>
           </a:p>
           <a:p>
-            <a:pPr marL="342900" indent="-342900">
-              <a:buFont typeface="Arial" panose="020B0604020202020204" pitchFamily="34" charset="0"/>
-              <a:buChar char="•"/>
-            </a:pPr>
             <a:endParaRPr lang="pt-PT" sz="2400" dirty="0"/>
           </a:p>
           <a:p>
@@ -7387,11 +7413,7 @@
             <a:pPr algn="ctr"/>
             <a:r>
               <a:rPr lang="pt-PT" sz="1600" b="1" dirty="0" smtClean="0"/>
-              <a:t>IHM </a:t>
-            </a:r>
-            <a:r>
-              <a:rPr lang="pt-PT" sz="1600" b="1" dirty="0" smtClean="0"/>
-              <a:t>para Fabrico Aditivo – Estado da Arte</a:t>
+              <a:t>IHM para Fabrico Aditivo – Estado da Arte</a:t>
             </a:r>
             <a:endParaRPr lang="pt-PT" sz="1600" b="1" dirty="0"/>
           </a:p>
@@ -7419,8 +7441,8 @@
         </p:blipFill>
         <p:spPr>
           <a:xfrm>
-            <a:off x="1787434" y="962136"/>
-            <a:ext cx="7939273" cy="4787644"/>
+            <a:off x="2476205" y="1052580"/>
+            <a:ext cx="8080265" cy="4575711"/>
           </a:xfrm>
           <a:prstGeom prst="rect">
             <a:avLst/>
@@ -7430,13 +7452,20 @@
     </p:spTree>
     <p:extLst>
       <p:ext uri="{BB962C8B-B14F-4D97-AF65-F5344CB8AC3E}">
-        <p14:creationId xmlns:p14="http://schemas.microsoft.com/office/powerpoint/2010/main" val="1338703574"/>
+        <p14:creationId xmlns:p14="http://schemas.microsoft.com/office/powerpoint/2010/main" val="3051048526"/>
       </p:ext>
     </p:extLst>
   </p:cSld>
   <p:clrMapOvr>
     <a:masterClrMapping/>
   </p:clrMapOvr>
+  <p:timing>
+    <p:tnLst>
+      <p:par>
+        <p:cTn id="1" dur="indefinite" restart="never" nodeType="tmRoot"/>
+      </p:par>
+    </p:tnLst>
+  </p:timing>
 </p:sld>
 </file>
 
@@ -7466,7 +7495,7 @@
         <p:spPr>
           <a:xfrm>
             <a:off x="445000" y="166025"/>
-            <a:ext cx="11747000" cy="6863417"/>
+            <a:ext cx="11747000" cy="6494085"/>
           </a:xfrm>
           <a:prstGeom prst="rect">
             <a:avLst/>
@@ -7493,28 +7522,26 @@
             </a:r>
           </a:p>
           <a:p>
-            <a:endParaRPr lang="en-US" sz="2400" b="1" u="sng" dirty="0" smtClean="0"/>
-          </a:p>
-          <a:p>
-            <a:r>
-              <a:rPr lang="en-US" sz="2400" b="1" u="sng" dirty="0" err="1" smtClean="0"/>
+            <a:pPr marL="342900" indent="-342900">
+              <a:buFont typeface="Arial" panose="020B0604020202020204" pitchFamily="34" charset="0"/>
+              <a:buChar char="•"/>
+            </a:pPr>
+            <a:endParaRPr lang="pt-PT" sz="2400" dirty="0" smtClean="0"/>
+          </a:p>
+          <a:p>
+            <a:r>
+              <a:rPr lang="en-US" sz="2400" b="1" u="sng" dirty="0" err="1"/>
               <a:t>Caso</a:t>
             </a:r>
             <a:r>
+              <a:rPr lang="en-US" sz="2400" b="1" u="sng" dirty="0"/>
+              <a:t> </a:t>
+            </a:r>
+            <a:r>
               <a:rPr lang="en-US" sz="2400" b="1" u="sng" dirty="0" smtClean="0"/>
-              <a:t> </a:t>
-            </a:r>
-            <a:r>
-              <a:rPr lang="en-US" sz="2400" b="1" u="sng" dirty="0"/>
               <a:t>1</a:t>
             </a:r>
-          </a:p>
-          <a:p>
-            <a:pPr marL="342900" indent="-342900">
-              <a:buFont typeface="Arial" panose="020B0604020202020204" pitchFamily="34" charset="0"/>
-              <a:buChar char="•"/>
-            </a:pPr>
-            <a:endParaRPr lang="pt-PT" sz="2400" dirty="0" smtClean="0"/>
+            <a:endParaRPr lang="en-US" sz="2400" b="1" u="sng" dirty="0"/>
           </a:p>
           <a:p>
             <a:pPr marL="342900" indent="-342900">
@@ -7524,10 +7551,6 @@
             <a:endParaRPr lang="en-US" sz="2400" dirty="0" smtClean="0"/>
           </a:p>
           <a:p>
-            <a:pPr marL="342900" indent="-342900">
-              <a:buFont typeface="Arial" panose="020B0604020202020204" pitchFamily="34" charset="0"/>
-              <a:buChar char="•"/>
-            </a:pPr>
             <a:endParaRPr lang="pt-PT" sz="2400" dirty="0"/>
           </a:p>
           <a:p>
@@ -7906,11 +7929,7 @@
             <a:pPr algn="ctr"/>
             <a:r>
               <a:rPr lang="pt-PT" sz="1600" b="1" dirty="0" smtClean="0"/>
-              <a:t>IHM </a:t>
-            </a:r>
-            <a:r>
-              <a:rPr lang="pt-PT" sz="1600" b="1" dirty="0" smtClean="0"/>
-              <a:t>para Fabrico Aditivo – Estado da Arte</a:t>
+              <a:t>IHM para Fabrico Aditivo – Estado da Arte</a:t>
             </a:r>
             <a:endParaRPr lang="pt-PT" sz="1600" b="1" dirty="0"/>
           </a:p>
@@ -7938,8 +7957,8 @@
         </p:blipFill>
         <p:spPr>
           <a:xfrm>
-            <a:off x="2628356" y="758951"/>
-            <a:ext cx="6425997" cy="5328876"/>
+            <a:off x="2214384" y="1036815"/>
+            <a:ext cx="8208231" cy="4749130"/>
           </a:xfrm>
           <a:prstGeom prst="rect">
             <a:avLst/>
@@ -7949,13 +7968,20 @@
     </p:spTree>
     <p:extLst>
       <p:ext uri="{BB962C8B-B14F-4D97-AF65-F5344CB8AC3E}">
-        <p14:creationId xmlns:p14="http://schemas.microsoft.com/office/powerpoint/2010/main" val="1039491615"/>
+        <p14:creationId xmlns:p14="http://schemas.microsoft.com/office/powerpoint/2010/main" val="2246701774"/>
       </p:ext>
     </p:extLst>
   </p:cSld>
   <p:clrMapOvr>
     <a:masterClrMapping/>
   </p:clrMapOvr>
+  <p:timing>
+    <p:tnLst>
+      <p:par>
+        <p:cTn id="1" dur="indefinite" restart="never" nodeType="tmRoot"/>
+      </p:par>
+    </p:tnLst>
+  </p:timing>
 </p:sld>
 </file>
 
@@ -8012,26 +8038,39 @@
             </a:r>
           </a:p>
           <a:p>
-            <a:endParaRPr lang="en-US" sz="2400" b="1" u="sng" dirty="0" smtClean="0"/>
-          </a:p>
-          <a:p>
-            <a:r>
-              <a:rPr lang="en-US" sz="2400" b="1" u="sng" dirty="0" err="1" smtClean="0"/>
+            <a:pPr marL="342900" indent="-342900">
+              <a:buFont typeface="Arial" panose="020B0604020202020204" pitchFamily="34" charset="0"/>
+              <a:buChar char="•"/>
+            </a:pPr>
+            <a:endParaRPr lang="pt-PT" sz="2400" dirty="0" smtClean="0"/>
+          </a:p>
+          <a:p>
+            <a:r>
+              <a:rPr lang="en-US" sz="2400" b="1" u="sng" dirty="0" err="1"/>
               <a:t>Caso</a:t>
             </a:r>
             <a:r>
-              <a:rPr lang="en-US" sz="2400" b="1" u="sng" dirty="0" smtClean="0"/>
+              <a:rPr lang="en-US" sz="2400" b="1" u="sng" dirty="0"/>
               <a:t> </a:t>
             </a:r>
             <a:r>
               <a:rPr lang="en-US" sz="2400" b="1" u="sng" dirty="0"/>
               <a:t>1</a:t>
             </a:r>
-          </a:p>
-          <a:p>
-            <a:endParaRPr lang="pt-PT" sz="2400" dirty="0"/>
-          </a:p>
-          <a:p>
+            <a:endParaRPr lang="en-US" sz="2400" b="1" u="sng" dirty="0"/>
+          </a:p>
+          <a:p>
+            <a:pPr marL="342900" indent="-342900">
+              <a:buFont typeface="Arial" panose="020B0604020202020204" pitchFamily="34" charset="0"/>
+              <a:buChar char="•"/>
+            </a:pPr>
+            <a:endParaRPr lang="en-US" sz="2400" dirty="0" smtClean="0"/>
+          </a:p>
+          <a:p>
+            <a:pPr marL="342900" indent="-342900">
+              <a:buFont typeface="Arial" panose="020B0604020202020204" pitchFamily="34" charset="0"/>
+              <a:buChar char="•"/>
+            </a:pPr>
             <a:endParaRPr lang="pt-PT" sz="2400" dirty="0" smtClean="0"/>
           </a:p>
           <a:p>
@@ -8058,7 +8097,11 @@
             </a:pPr>
             <a:r>
               <a:rPr lang="pt-PT" sz="2400" dirty="0" smtClean="0"/>
-              <a:t>Integradas tecnologias web com o PLC com sucesso e que esta arquitetura pode ser estendida á monitorização de outros processos físicos</a:t>
+              <a:t>Sucesso na disponibilização de experiências de controlo </a:t>
+            </a:r>
+            <a:r>
+              <a:rPr lang="pt-PT" sz="2400" dirty="0" smtClean="0"/>
+              <a:t>remotamente, que significa que esta arquitetura pode ser estendida a outras experiências de controlo</a:t>
             </a:r>
             <a:endParaRPr lang="pt-PT" sz="2400" dirty="0"/>
           </a:p>
@@ -8441,11 +8484,7 @@
             <a:pPr algn="ctr"/>
             <a:r>
               <a:rPr lang="pt-PT" sz="1600" b="1" dirty="0" smtClean="0"/>
-              <a:t>IHM </a:t>
-            </a:r>
-            <a:r>
-              <a:rPr lang="pt-PT" sz="1600" b="1" dirty="0" smtClean="0"/>
-              <a:t>para Fabrico Aditivo – Estado da Arte</a:t>
+              <a:t>IHM para Fabrico Aditivo – Estado da Arte</a:t>
             </a:r>
             <a:endParaRPr lang="pt-PT" sz="1600" b="1" dirty="0"/>
           </a:p>
@@ -8454,13 +8493,20 @@
     </p:spTree>
     <p:extLst>
       <p:ext uri="{BB962C8B-B14F-4D97-AF65-F5344CB8AC3E}">
-        <p14:creationId xmlns:p14="http://schemas.microsoft.com/office/powerpoint/2010/main" val="1287134299"/>
+        <p14:creationId xmlns:p14="http://schemas.microsoft.com/office/powerpoint/2010/main" val="32972464"/>
       </p:ext>
     </p:extLst>
   </p:cSld>
   <p:clrMapOvr>
     <a:masterClrMapping/>
   </p:clrMapOvr>
+  <p:timing>
+    <p:tnLst>
+      <p:par>
+        <p:cTn id="1" dur="indefinite" restart="never" nodeType="tmRoot"/>
+      </p:par>
+    </p:tnLst>
+  </p:timing>
 </p:sld>
 </file>
 
@@ -8490,7 +8536,7 @@
         <p:spPr>
           <a:xfrm>
             <a:off x="445000" y="166025"/>
-            <a:ext cx="11747000" cy="10556736"/>
+            <a:ext cx="11747000" cy="8586966"/>
           </a:xfrm>
           <a:prstGeom prst="rect">
             <a:avLst/>
@@ -8504,24 +8550,20 @@
           <a:lstStyle/>
           <a:p>
             <a:r>
-              <a:rPr lang="pt-PT" sz="3200" b="1" dirty="0" smtClean="0"/>
+              <a:rPr lang="pt-PT" sz="3200" b="1" dirty="0"/>
               <a:t>Sistemas Web-</a:t>
             </a:r>
             <a:r>
-              <a:rPr lang="pt-PT" sz="3200" b="1" dirty="0" err="1" smtClean="0"/>
+              <a:rPr lang="pt-PT" sz="3200" b="1" dirty="0" err="1"/>
               <a:t>Based</a:t>
             </a:r>
             <a:r>
-              <a:rPr lang="pt-PT" sz="3200" b="1" dirty="0" smtClean="0"/>
+              <a:rPr lang="pt-PT" sz="3200" b="1" dirty="0"/>
               <a:t> para Controlo e Automação</a:t>
             </a:r>
           </a:p>
           <a:p>
-            <a:pPr marL="342900" indent="-342900">
-              <a:buFont typeface="Arial" panose="020B0604020202020204" pitchFamily="34" charset="0"/>
-              <a:buChar char="•"/>
-            </a:pPr>
-            <a:endParaRPr lang="pt-PT" sz="2400" dirty="0" smtClean="0"/>
+            <a:endParaRPr lang="pt-PT" sz="3200" b="1" dirty="0" smtClean="0"/>
           </a:p>
           <a:p>
             <a:r>
@@ -8539,194 +8581,100 @@
             <a:endParaRPr lang="en-US" sz="2400" b="1" u="sng" dirty="0"/>
           </a:p>
           <a:p>
-            <a:r>
-              <a:rPr lang="en-US" sz="2400" dirty="0" smtClean="0"/>
-              <a:t>Developing </a:t>
-            </a:r>
-            <a:r>
-              <a:rPr lang="en-US" sz="2400" dirty="0"/>
-              <a:t>web &amp; </a:t>
-            </a:r>
-            <a:r>
-              <a:rPr lang="en-US" sz="2400" dirty="0" err="1"/>
-              <a:t>TwinCAT</a:t>
-            </a:r>
-            <a:r>
-              <a:rPr lang="en-US" sz="2400" dirty="0"/>
-              <a:t> PLC-based remote Control laboratories</a:t>
-            </a:r>
-          </a:p>
-          <a:p>
-            <a:r>
-              <a:rPr lang="en-US" sz="2400" dirty="0"/>
-              <a:t>for modern web-browsers or mobile </a:t>
-            </a:r>
-            <a:r>
-              <a:rPr lang="en-US" sz="2400" dirty="0" smtClean="0"/>
-              <a:t>devices</a:t>
-            </a:r>
+            <a:endParaRPr lang="pt-PT" sz="2400" dirty="0" smtClean="0"/>
+          </a:p>
+          <a:p>
+            <a:pPr marL="342900" indent="-342900">
+              <a:buFont typeface="Arial" panose="020B0604020202020204" pitchFamily="34" charset="0"/>
+              <a:buChar char="•"/>
+            </a:pPr>
             <a:r>
               <a:rPr lang="pt-PT" sz="2400" dirty="0" smtClean="0"/>
-              <a:t>(</a:t>
-            </a:r>
-            <a:r>
-              <a:rPr lang="pt-PT" sz="2400" dirty="0" err="1" smtClean="0"/>
-              <a:t>Bermudez</a:t>
+              <a:t>Caso Real -&gt; </a:t>
             </a:r>
             <a:r>
               <a:rPr lang="pt-PT" sz="2400" dirty="0" smtClean="0"/>
-              <a:t>-Ortega</a:t>
-            </a:r>
-            <a:r>
-              <a:rPr lang="pt-PT" sz="2400" dirty="0"/>
-              <a:t>, </a:t>
-            </a:r>
-            <a:r>
-              <a:rPr lang="pt-PT" sz="2400" dirty="0" err="1"/>
-              <a:t>Besada</a:t>
-            </a:r>
-            <a:r>
-              <a:rPr lang="pt-PT" sz="2400" dirty="0"/>
-              <a:t>-Portas, </a:t>
-            </a:r>
-            <a:r>
-              <a:rPr lang="pt-PT" sz="2400" dirty="0" err="1"/>
-              <a:t>Lopez-Orozco</a:t>
-            </a:r>
-            <a:r>
-              <a:rPr lang="pt-PT" sz="2400" dirty="0"/>
-              <a:t>, </a:t>
-            </a:r>
-            <a:r>
-              <a:rPr lang="pt-PT" sz="2400" dirty="0" err="1"/>
-              <a:t>Chacon</a:t>
-            </a:r>
-            <a:r>
-              <a:rPr lang="pt-PT" sz="2400" dirty="0"/>
-              <a:t>, &amp; de la Cruz, 2016)</a:t>
-            </a:r>
-          </a:p>
-          <a:p>
-            <a:pPr marL="342900" indent="-342900">
-              <a:buFont typeface="Arial" panose="020B0604020202020204" pitchFamily="34" charset="0"/>
-              <a:buChar char="•"/>
-            </a:pPr>
-            <a:endParaRPr lang="pt-PT" sz="2400" dirty="0"/>
-          </a:p>
-          <a:p>
-            <a:pPr marL="342900" indent="-342900">
-              <a:buFont typeface="Arial" panose="020B0604020202020204" pitchFamily="34" charset="0"/>
-              <a:buChar char="•"/>
-            </a:pPr>
+              <a:t>Markforged</a:t>
+            </a:r>
             <a:r>
               <a:rPr lang="pt-PT" sz="2400" dirty="0" smtClean="0"/>
-              <a:t>Aceder </a:t>
-            </a:r>
+              <a:t>: Marca de impressoras 3D</a:t>
+            </a:r>
+          </a:p>
+          <a:p>
+            <a:endParaRPr lang="pt-PT" sz="2400" dirty="0" smtClean="0"/>
+          </a:p>
+          <a:p>
+            <a:pPr marL="342900" indent="-342900">
+              <a:buFont typeface="Arial" panose="020B0604020202020204" pitchFamily="34" charset="0"/>
+              <a:buChar char="•"/>
+            </a:pPr>
             <a:r>
               <a:rPr lang="pt-PT" sz="2400" dirty="0" smtClean="0"/>
-              <a:t>a experiências de controlo em laboratórios remotamente</a:t>
-            </a:r>
-          </a:p>
-          <a:p>
-            <a:pPr marL="342900" indent="-342900">
-              <a:buFont typeface="Arial" panose="020B0604020202020204" pitchFamily="34" charset="0"/>
-              <a:buChar char="•"/>
-            </a:pPr>
-            <a:endParaRPr lang="pt-PT" sz="2400" dirty="0"/>
-          </a:p>
-          <a:p>
-            <a:pPr marL="342900" indent="-342900">
-              <a:buFont typeface="Arial" panose="020B0604020202020204" pitchFamily="34" charset="0"/>
-              <a:buChar char="•"/>
-            </a:pPr>
-            <a:r>
-              <a:rPr lang="pt-PT" sz="2400" dirty="0" err="1" smtClean="0"/>
-              <a:t>PLCs</a:t>
-            </a:r>
+              <a:t>Possui software web-based que permite:</a:t>
+            </a:r>
+          </a:p>
+          <a:p>
+            <a:pPr marL="800100" lvl="1" indent="-342900">
+              <a:buFont typeface="Arial" panose="020B0604020202020204" pitchFamily="34" charset="0"/>
+              <a:buChar char="•"/>
+            </a:pPr>
             <a:r>
               <a:rPr lang="pt-PT" sz="2400" dirty="0" smtClean="0"/>
-              <a:t> </a:t>
-            </a:r>
-            <a:r>
-              <a:rPr lang="pt-PT" sz="2400" dirty="0" err="1" smtClean="0"/>
-              <a:t>Twincat</a:t>
-            </a:r>
+              <a:t>Enviar ficheiros de peças para serem impressas</a:t>
+            </a:r>
+          </a:p>
+          <a:p>
+            <a:pPr marL="800100" lvl="1" indent="-342900">
+              <a:buFont typeface="Arial" panose="020B0604020202020204" pitchFamily="34" charset="0"/>
+              <a:buChar char="•"/>
+            </a:pPr>
             <a:r>
               <a:rPr lang="pt-PT" sz="2400" dirty="0" smtClean="0"/>
-              <a:t>, página </a:t>
-            </a:r>
+              <a:t>Alterar peça: dimensões, posicionamento, material, etc</a:t>
+            </a:r>
+          </a:p>
+          <a:p>
+            <a:pPr marL="800100" lvl="1" indent="-342900">
+              <a:buFont typeface="Arial" panose="020B0604020202020204" pitchFamily="34" charset="0"/>
+              <a:buChar char="•"/>
+            </a:pPr>
             <a:r>
               <a:rPr lang="pt-PT" sz="2400" dirty="0" smtClean="0"/>
-              <a:t>web, Node.js </a:t>
-            </a:r>
+              <a:t>Monitorizar parâmetros de impressão em tempo real</a:t>
+            </a:r>
+          </a:p>
+          <a:p>
+            <a:pPr marL="800100" lvl="1" indent="-342900">
+              <a:buFont typeface="Arial" panose="020B0604020202020204" pitchFamily="34" charset="0"/>
+              <a:buChar char="•"/>
+            </a:pPr>
             <a:r>
               <a:rPr lang="pt-PT" sz="2400" dirty="0" smtClean="0"/>
-              <a:t>para servidor web no laboratório</a:t>
-            </a:r>
-          </a:p>
-          <a:p>
-            <a:pPr marL="342900" indent="-342900">
-              <a:buFont typeface="Arial" panose="020B0604020202020204" pitchFamily="34" charset="0"/>
-              <a:buChar char="•"/>
-            </a:pPr>
-            <a:endParaRPr lang="pt-PT" sz="2400" dirty="0"/>
-          </a:p>
-          <a:p>
-            <a:pPr marL="342900" indent="-342900">
+              <a:t>Armazenamento e gestão das peças que já foram impressas</a:t>
+            </a:r>
+          </a:p>
+          <a:p>
+            <a:pPr marL="800100" lvl="1" indent="-342900">
               <a:buFont typeface="Arial" panose="020B0604020202020204" pitchFamily="34" charset="0"/>
               <a:buChar char="•"/>
             </a:pPr>
             <a:r>
               <a:rPr lang="pt-PT" sz="2400" dirty="0" smtClean="0"/>
-              <a:t>Monitorização de dados em tempo real</a:t>
-            </a:r>
-          </a:p>
-          <a:p>
-            <a:pPr marL="342900" indent="-342900">
-              <a:buFont typeface="Arial" panose="020B0604020202020204" pitchFamily="34" charset="0"/>
-              <a:buChar char="•"/>
-            </a:pPr>
-            <a:endParaRPr lang="pt-PT" sz="2400" dirty="0" smtClean="0"/>
-          </a:p>
-          <a:p>
-            <a:pPr marL="342900" indent="-342900">
+              <a:t>Visualizar uma peça em 2D e 3D</a:t>
+            </a:r>
+          </a:p>
+          <a:p>
+            <a:pPr marL="800100" lvl="1" indent="-342900">
               <a:buFont typeface="Arial" panose="020B0604020202020204" pitchFamily="34" charset="0"/>
               <a:buChar char="•"/>
             </a:pPr>
             <a:r>
               <a:rPr lang="pt-PT" sz="2400" dirty="0" smtClean="0"/>
-              <a:t>Monitorização visual em tempo real através de câmara</a:t>
-            </a:r>
-          </a:p>
-          <a:p>
-            <a:pPr marL="342900" indent="-342900">
-              <a:buFont typeface="Arial" panose="020B0604020202020204" pitchFamily="34" charset="0"/>
-              <a:buChar char="•"/>
-            </a:pPr>
-            <a:endParaRPr lang="pt-PT" sz="2400" dirty="0"/>
-          </a:p>
-          <a:p>
-            <a:pPr marL="342900" indent="-342900">
-              <a:buFont typeface="Arial" panose="020B0604020202020204" pitchFamily="34" charset="0"/>
-              <a:buChar char="•"/>
-            </a:pPr>
-            <a:endParaRPr lang="pt-PT" sz="2400" dirty="0" smtClean="0"/>
-          </a:p>
-          <a:p>
-            <a:pPr marL="342900" indent="-342900">
-              <a:buFont typeface="Arial" panose="020B0604020202020204" pitchFamily="34" charset="0"/>
-              <a:buChar char="•"/>
-            </a:pPr>
-            <a:endParaRPr lang="pt-PT" sz="2400" dirty="0" smtClean="0"/>
-          </a:p>
-          <a:p>
-            <a:endParaRPr lang="pt-PT" sz="2400" dirty="0" smtClean="0"/>
-          </a:p>
-          <a:p>
-            <a:pPr marL="342900" indent="-342900">
-              <a:buFont typeface="Arial" panose="020B0604020202020204" pitchFamily="34" charset="0"/>
-              <a:buChar char="•"/>
-            </a:pPr>
+              <a:t>Visualizar camadas de impressão</a:t>
+            </a:r>
+          </a:p>
+          <a:p>
             <a:endParaRPr lang="pt-PT" sz="2400" dirty="0" smtClean="0"/>
           </a:p>
           <a:p>
@@ -9081,26 +9029,59 @@
             <a:pPr algn="ctr"/>
             <a:r>
               <a:rPr lang="pt-PT" sz="1600" b="1" dirty="0" smtClean="0"/>
-              <a:t>IHM </a:t>
-            </a:r>
-            <a:r>
-              <a:rPr lang="pt-PT" sz="1600" b="1" dirty="0" smtClean="0"/>
-              <a:t>para Fabrico Aditivo – Estado da Arte</a:t>
+              <a:t>IHM para Fabrico Aditivo – Estado da Arte</a:t>
             </a:r>
             <a:endParaRPr lang="pt-PT" sz="1600" b="1" dirty="0"/>
           </a:p>
         </p:txBody>
       </p:sp>
+      <p:pic>
+        <p:nvPicPr>
+          <p:cNvPr id="3" name="Picture 2"/>
+          <p:cNvPicPr>
+            <a:picLocks noChangeAspect="1"/>
+          </p:cNvPicPr>
+          <p:nvPr/>
+        </p:nvPicPr>
+        <p:blipFill>
+          <a:blip r:embed="rId3" cstate="print">
+            <a:extLst>
+              <a:ext uri="{28A0092B-C50C-407E-A947-70E740481C1C}">
+                <a14:useLocalDpi xmlns:a14="http://schemas.microsoft.com/office/drawing/2010/main" val="0"/>
+              </a:ext>
+            </a:extLst>
+          </a:blip>
+          <a:stretch>
+            <a:fillRect/>
+          </a:stretch>
+        </p:blipFill>
+        <p:spPr>
+          <a:xfrm>
+            <a:off x="7282706" y="1217407"/>
+            <a:ext cx="2617752" cy="1671299"/>
+          </a:xfrm>
+          <a:prstGeom prst="rect">
+            <a:avLst/>
+          </a:prstGeom>
+        </p:spPr>
+      </p:pic>
     </p:spTree>
     <p:extLst>
       <p:ext uri="{BB962C8B-B14F-4D97-AF65-F5344CB8AC3E}">
-        <p14:creationId xmlns:p14="http://schemas.microsoft.com/office/powerpoint/2010/main" val="108266854"/>
+        <p14:creationId xmlns:p14="http://schemas.microsoft.com/office/powerpoint/2010/main" val="1796285942"/>
       </p:ext>
     </p:extLst>
   </p:cSld>
   <p:clrMapOvr>
     <a:masterClrMapping/>
   </p:clrMapOvr>
+  <p:timing>
+    <p:tnLst>
+      <p:par>
+        <p:cTn id="1" dur="indefinite" restart="never" nodeType="tmRoot"/>
+      </p:par>
+    </p:tnLst>
+  </p:timing>
 </p:sld>
 </file>
 
@@ -9130,7 +9111,7 @@
         <p:spPr>
           <a:xfrm>
             <a:off x="445000" y="166025"/>
-            <a:ext cx="11747000" cy="6494085"/>
+            <a:ext cx="11747000" cy="5139869"/>
           </a:xfrm>
           <a:prstGeom prst="rect">
             <a:avLst/>
@@ -9144,24 +9125,20 @@
           <a:lstStyle/>
           <a:p>
             <a:r>
-              <a:rPr lang="pt-PT" sz="3200" b="1" dirty="0" smtClean="0"/>
+              <a:rPr lang="pt-PT" sz="3200" b="1" dirty="0"/>
               <a:t>Sistemas Web-</a:t>
             </a:r>
             <a:r>
-              <a:rPr lang="pt-PT" sz="3200" b="1" dirty="0" err="1" smtClean="0"/>
+              <a:rPr lang="pt-PT" sz="3200" b="1" dirty="0" err="1"/>
               <a:t>Based</a:t>
             </a:r>
             <a:r>
-              <a:rPr lang="pt-PT" sz="3200" b="1" dirty="0" smtClean="0"/>
+              <a:rPr lang="pt-PT" sz="3200" b="1" dirty="0"/>
               <a:t> para Controlo e Automação</a:t>
             </a:r>
           </a:p>
           <a:p>
-            <a:pPr marL="342900" indent="-342900">
-              <a:buFont typeface="Arial" panose="020B0604020202020204" pitchFamily="34" charset="0"/>
-              <a:buChar char="•"/>
-            </a:pPr>
-            <a:endParaRPr lang="pt-PT" sz="2400" dirty="0" smtClean="0"/>
+            <a:endParaRPr lang="pt-PT" sz="3200" b="1" dirty="0" smtClean="0"/>
           </a:p>
           <a:p>
             <a:r>
@@ -9170,41 +9147,18 @@
             </a:r>
             <a:r>
               <a:rPr lang="en-US" sz="2400" b="1" u="sng" dirty="0"/>
-              <a:t> 2</a:t>
-            </a:r>
-          </a:p>
-          <a:p>
-            <a:pPr marL="342900" indent="-342900">
-              <a:buFont typeface="Arial" panose="020B0604020202020204" pitchFamily="34" charset="0"/>
-              <a:buChar char="•"/>
-            </a:pPr>
-            <a:endParaRPr lang="en-US" sz="2400" dirty="0" smtClean="0"/>
+              <a:t> </a:t>
+            </a:r>
+            <a:r>
+              <a:rPr lang="en-US" sz="2400" b="1" u="sng" dirty="0" smtClean="0"/>
+              <a:t>2</a:t>
+            </a:r>
+            <a:endParaRPr lang="en-US" sz="2400" b="1" u="sng" dirty="0"/>
           </a:p>
           <a:p>
             <a:endParaRPr lang="pt-PT" sz="2400" dirty="0"/>
           </a:p>
           <a:p>
-            <a:pPr marL="342900" indent="-342900">
-              <a:buFont typeface="Arial" panose="020B0604020202020204" pitchFamily="34" charset="0"/>
-              <a:buChar char="•"/>
-            </a:pPr>
-            <a:endParaRPr lang="pt-PT" sz="2400" dirty="0" smtClean="0"/>
-          </a:p>
-          <a:p>
-            <a:pPr marL="342900" indent="-342900">
-              <a:buFont typeface="Arial" panose="020B0604020202020204" pitchFamily="34" charset="0"/>
-              <a:buChar char="•"/>
-            </a:pPr>
-            <a:endParaRPr lang="pt-PT" sz="2400" dirty="0" smtClean="0"/>
-          </a:p>
-          <a:p>
-            <a:endParaRPr lang="pt-PT" sz="2400" dirty="0" smtClean="0"/>
-          </a:p>
-          <a:p>
-            <a:pPr marL="342900" indent="-342900">
-              <a:buFont typeface="Arial" panose="020B0604020202020204" pitchFamily="34" charset="0"/>
-              <a:buChar char="•"/>
-            </a:pPr>
             <a:endParaRPr lang="pt-PT" sz="2400" dirty="0" smtClean="0"/>
           </a:p>
           <a:p>
@@ -9559,11 +9513,7 @@
             <a:pPr algn="ctr"/>
             <a:r>
               <a:rPr lang="pt-PT" sz="1600" b="1" dirty="0" smtClean="0"/>
-              <a:t>IHM </a:t>
-            </a:r>
-            <a:r>
-              <a:rPr lang="pt-PT" sz="1600" b="1" dirty="0" smtClean="0"/>
-              <a:t>para Fabrico Aditivo – Estado da Arte</a:t>
+              <a:t>IHM para Fabrico Aditivo – Estado da Arte</a:t>
             </a:r>
             <a:endParaRPr lang="pt-PT" sz="1600" b="1" dirty="0"/>
           </a:p>
@@ -9571,7 +9521,7 @@
       </p:sp>
       <p:pic>
         <p:nvPicPr>
-          <p:cNvPr id="3" name="Imagem 2"/>
+          <p:cNvPr id="4" name="Imagem 3"/>
           <p:cNvPicPr>
             <a:picLocks noChangeAspect="1"/>
           </p:cNvPicPr>
@@ -9591,8 +9541,8 @@
         </p:blipFill>
         <p:spPr>
           <a:xfrm>
-            <a:off x="2476205" y="1052580"/>
-            <a:ext cx="8080265" cy="4575711"/>
+            <a:off x="1579465" y="795173"/>
+            <a:ext cx="8715418" cy="5346157"/>
           </a:xfrm>
           <a:prstGeom prst="rect">
             <a:avLst/>
@@ -9602,13 +9552,20 @@
     </p:spTree>
     <p:extLst>
       <p:ext uri="{BB962C8B-B14F-4D97-AF65-F5344CB8AC3E}">
-        <p14:creationId xmlns:p14="http://schemas.microsoft.com/office/powerpoint/2010/main" val="3051048526"/>
+        <p14:creationId xmlns:p14="http://schemas.microsoft.com/office/powerpoint/2010/main" val="1570402696"/>
       </p:ext>
     </p:extLst>
   </p:cSld>
   <p:clrMapOvr>
     <a:masterClrMapping/>
   </p:clrMapOvr>
+  <p:timing>
+    <p:tnLst>
+      <p:par>
+        <p:cTn id="1" dur="indefinite" restart="never" nodeType="tmRoot"/>
+      </p:par>
+    </p:tnLst>
+  </p:timing>
 </p:sld>
 </file>
 
@@ -9638,7 +9595,7 @@
         <p:spPr>
           <a:xfrm>
             <a:off x="445000" y="166025"/>
-            <a:ext cx="11747000" cy="6494085"/>
+            <a:ext cx="11747000" cy="4770537"/>
           </a:xfrm>
           <a:prstGeom prst="rect">
             <a:avLst/>
@@ -9652,67 +9609,25 @@
           <a:lstStyle/>
           <a:p>
             <a:r>
-              <a:rPr lang="pt-PT" sz="3200" b="1" dirty="0" smtClean="0"/>
+              <a:rPr lang="pt-PT" sz="3200" b="1" dirty="0"/>
               <a:t>Sistemas Web-</a:t>
             </a:r>
             <a:r>
-              <a:rPr lang="pt-PT" sz="3200" b="1" dirty="0" err="1" smtClean="0"/>
+              <a:rPr lang="pt-PT" sz="3200" b="1" dirty="0" err="1"/>
               <a:t>Based</a:t>
             </a:r>
             <a:r>
-              <a:rPr lang="pt-PT" sz="3200" b="1" dirty="0" smtClean="0"/>
+              <a:rPr lang="pt-PT" sz="3200" b="1" dirty="0"/>
               <a:t> para Controlo e Automação</a:t>
             </a:r>
           </a:p>
           <a:p>
-            <a:pPr marL="342900" indent="-342900">
-              <a:buFont typeface="Arial" panose="020B0604020202020204" pitchFamily="34" charset="0"/>
-              <a:buChar char="•"/>
-            </a:pPr>
-            <a:endParaRPr lang="pt-PT" sz="2400" dirty="0" smtClean="0"/>
-          </a:p>
-          <a:p>
-            <a:r>
-              <a:rPr lang="en-US" sz="2400" b="1" u="sng" dirty="0" err="1"/>
-              <a:t>Caso</a:t>
-            </a:r>
-            <a:r>
-              <a:rPr lang="en-US" sz="2400" b="1" u="sng" dirty="0"/>
-              <a:t> 2</a:t>
-            </a:r>
-          </a:p>
-          <a:p>
-            <a:pPr marL="342900" indent="-342900">
-              <a:buFont typeface="Arial" panose="020B0604020202020204" pitchFamily="34" charset="0"/>
-              <a:buChar char="•"/>
-            </a:pPr>
-            <a:endParaRPr lang="en-US" sz="2400" dirty="0" smtClean="0"/>
+            <a:endParaRPr lang="pt-PT" sz="3200" b="1" dirty="0" smtClean="0"/>
           </a:p>
           <a:p>
             <a:endParaRPr lang="pt-PT" sz="2400" dirty="0"/>
           </a:p>
           <a:p>
-            <a:pPr marL="342900" indent="-342900">
-              <a:buFont typeface="Arial" panose="020B0604020202020204" pitchFamily="34" charset="0"/>
-              <a:buChar char="•"/>
-            </a:pPr>
-            <a:endParaRPr lang="pt-PT" sz="2400" dirty="0" smtClean="0"/>
-          </a:p>
-          <a:p>
-            <a:pPr marL="342900" indent="-342900">
-              <a:buFont typeface="Arial" panose="020B0604020202020204" pitchFamily="34" charset="0"/>
-              <a:buChar char="•"/>
-            </a:pPr>
-            <a:endParaRPr lang="pt-PT" sz="2400" dirty="0" smtClean="0"/>
-          </a:p>
-          <a:p>
-            <a:endParaRPr lang="pt-PT" sz="2400" dirty="0" smtClean="0"/>
-          </a:p>
-          <a:p>
-            <a:pPr marL="342900" indent="-342900">
-              <a:buFont typeface="Arial" panose="020B0604020202020204" pitchFamily="34" charset="0"/>
-              <a:buChar char="•"/>
-            </a:pPr>
             <a:endParaRPr lang="pt-PT" sz="2400" dirty="0" smtClean="0"/>
           </a:p>
           <a:p>
@@ -10067,11 +9982,7 @@
             <a:pPr algn="ctr"/>
             <a:r>
               <a:rPr lang="pt-PT" sz="1600" b="1" dirty="0" smtClean="0"/>
-              <a:t>IHM </a:t>
-            </a:r>
-            <a:r>
-              <a:rPr lang="pt-PT" sz="1600" b="1" dirty="0" smtClean="0"/>
-              <a:t>para Fabrico Aditivo – Estado da Arte</a:t>
+              <a:t>IHI para Fabrico Aditivo – Estado da Arte</a:t>
             </a:r>
             <a:endParaRPr lang="pt-PT" sz="1600" b="1" dirty="0"/>
           </a:p>
@@ -10079,10 +9990,8 @@
       </p:sp>
       <p:pic>
         <p:nvPicPr>
-          <p:cNvPr id="3" name="Imagem 2"/>
-          <p:cNvPicPr>
-            <a:picLocks noChangeAspect="1"/>
-          </p:cNvPicPr>
+          <p:cNvPr id="8" name="Imagem 7"/>
+          <p:cNvPicPr/>
           <p:nvPr/>
         </p:nvPicPr>
         <p:blipFill>
@@ -10099,8 +10008,8 @@
         </p:blipFill>
         <p:spPr>
           <a:xfrm>
-            <a:off x="2214384" y="1036815"/>
-            <a:ext cx="8208231" cy="4749130"/>
+            <a:off x="1808794" y="758951"/>
+            <a:ext cx="8310565" cy="5422298"/>
           </a:xfrm>
           <a:prstGeom prst="rect">
             <a:avLst/>
@@ -10110,13 +10019,20 @@
     </p:spTree>
     <p:extLst>
       <p:ext uri="{BB962C8B-B14F-4D97-AF65-F5344CB8AC3E}">
-        <p14:creationId xmlns:p14="http://schemas.microsoft.com/office/powerpoint/2010/main" val="2246701774"/>
+        <p14:creationId xmlns:p14="http://schemas.microsoft.com/office/powerpoint/2010/main" val="3924770669"/>
       </p:ext>
     </p:extLst>
   </p:cSld>
   <p:clrMapOvr>
     <a:masterClrMapping/>
   </p:clrMapOvr>
+  <p:timing>
+    <p:tnLst>
+      <p:par>
+        <p:cTn id="1" dur="indefinite" restart="never" nodeType="tmRoot"/>
+      </p:par>
+    </p:tnLst>
+  </p:timing>
 </p:sld>
 </file>
 
@@ -10145,8 +10061,8 @@
         </p:nvSpPr>
         <p:spPr>
           <a:xfrm>
-            <a:off x="445000" y="166025"/>
-            <a:ext cx="11271871" cy="7971413"/>
+            <a:off x="0" y="134494"/>
+            <a:ext cx="12192000" cy="8956298"/>
           </a:xfrm>
           <a:prstGeom prst="rect">
             <a:avLst/>
@@ -10159,156 +10075,122 @@
           </a:bodyPr>
           <a:lstStyle/>
           <a:p>
-            <a:r>
-              <a:rPr lang="pt-PT" sz="3200" b="1" dirty="0" smtClean="0"/>
-              <a:t>Sistemas Web-</a:t>
-            </a:r>
-            <a:r>
-              <a:rPr lang="pt-PT" sz="3200" b="1" dirty="0" err="1" smtClean="0"/>
-              <a:t>Based</a:t>
-            </a:r>
-            <a:r>
-              <a:rPr lang="pt-PT" sz="3200" b="1" dirty="0" smtClean="0"/>
-              <a:t> para Controlo e Automação</a:t>
-            </a:r>
-          </a:p>
-          <a:p>
-            <a:pPr marL="342900" indent="-342900">
-              <a:buFont typeface="Arial" panose="020B0604020202020204" pitchFamily="34" charset="0"/>
-              <a:buChar char="•"/>
-            </a:pPr>
-            <a:endParaRPr lang="pt-PT" sz="2400" dirty="0" smtClean="0"/>
-          </a:p>
-          <a:p>
-            <a:r>
-              <a:rPr lang="en-US" sz="2400" b="1" u="sng" dirty="0" err="1"/>
-              <a:t>Caso</a:t>
-            </a:r>
-            <a:r>
-              <a:rPr lang="en-US" sz="2400" b="1" u="sng" dirty="0"/>
-              <a:t> 2</a:t>
-            </a:r>
-          </a:p>
-          <a:p>
-            <a:pPr marL="342900" indent="-342900">
-              <a:buFont typeface="Arial" panose="020B0604020202020204" pitchFamily="34" charset="0"/>
-              <a:buChar char="•"/>
-            </a:pPr>
-            <a:endParaRPr lang="en-US" sz="2400" dirty="0" smtClean="0"/>
-          </a:p>
-          <a:p>
-            <a:pPr marL="342900" indent="-342900">
-              <a:buFont typeface="Arial" panose="020B0604020202020204" pitchFamily="34" charset="0"/>
-              <a:buChar char="•"/>
-            </a:pPr>
-            <a:endParaRPr lang="pt-PT" sz="2400" dirty="0" smtClean="0"/>
-          </a:p>
-          <a:p>
-            <a:pPr marL="342900" indent="-342900">
+            <a:pPr algn="ctr"/>
+            <a:endParaRPr lang="pt-PT" sz="3600" b="1" dirty="0" smtClean="0"/>
+          </a:p>
+          <a:p>
+            <a:pPr algn="ctr"/>
+            <a:endParaRPr lang="pt-PT" sz="3600" b="1" dirty="0"/>
+          </a:p>
+          <a:p>
+            <a:pPr algn="ctr"/>
+            <a:endParaRPr lang="pt-PT" sz="4800" b="1" dirty="0" smtClean="0"/>
+          </a:p>
+          <a:p>
+            <a:pPr algn="ctr"/>
+            <a:endParaRPr lang="pt-PT" sz="4800" b="1" dirty="0" smtClean="0"/>
+          </a:p>
+          <a:p>
+            <a:pPr algn="ctr"/>
+            <a:r>
+              <a:rPr lang="pt-PT" sz="4800" b="1" dirty="0" smtClean="0"/>
+              <a:t>Sistema Desenvolvido</a:t>
+            </a:r>
+          </a:p>
+          <a:p>
+            <a:pPr marL="342900" indent="-342900" algn="ctr">
+              <a:buFont typeface="Arial" panose="020B0604020202020204" pitchFamily="34" charset="0"/>
+              <a:buChar char="•"/>
+            </a:pPr>
+            <a:endParaRPr lang="pt-PT" sz="2400" dirty="0" smtClean="0"/>
+          </a:p>
+          <a:p>
+            <a:pPr marL="342900" indent="-342900" algn="ctr">
               <a:buFont typeface="Arial" panose="020B0604020202020204" pitchFamily="34" charset="0"/>
               <a:buChar char="•"/>
             </a:pPr>
             <a:endParaRPr lang="pt-PT" sz="2400" dirty="0"/>
           </a:p>
           <a:p>
-            <a:r>
-              <a:rPr lang="pt-PT" sz="2400" b="1" dirty="0" smtClean="0"/>
-              <a:t>Conclusão</a:t>
-            </a:r>
-            <a:r>
-              <a:rPr lang="pt-PT" sz="2400" dirty="0" smtClean="0"/>
-              <a:t>: </a:t>
-            </a:r>
-          </a:p>
-          <a:p>
-            <a:pPr marL="800100" lvl="1" indent="-342900">
-              <a:buFont typeface="Arial" panose="020B0604020202020204" pitchFamily="34" charset="0"/>
-              <a:buChar char="•"/>
-            </a:pPr>
-            <a:r>
-              <a:rPr lang="pt-PT" sz="2400" dirty="0" smtClean="0"/>
-              <a:t>Sucesso na disponibilização de experiências de controlo remotamente</a:t>
-            </a:r>
+            <a:pPr marL="342900" indent="-342900" algn="ctr">
+              <a:buFont typeface="Arial" panose="020B0604020202020204" pitchFamily="34" charset="0"/>
+              <a:buChar char="•"/>
+            </a:pPr>
+            <a:endParaRPr lang="pt-PT" sz="2400" dirty="0" smtClean="0"/>
+          </a:p>
+          <a:p>
+            <a:pPr marL="342900" indent="-342900" algn="ctr">
+              <a:buFont typeface="Arial" panose="020B0604020202020204" pitchFamily="34" charset="0"/>
+              <a:buChar char="•"/>
+            </a:pPr>
+            <a:endParaRPr lang="pt-PT" sz="2400" dirty="0" smtClean="0"/>
+          </a:p>
+          <a:p>
+            <a:pPr lvl="1" algn="ctr"/>
+            <a:endParaRPr lang="pt-PT" sz="2400" dirty="0" smtClean="0"/>
+          </a:p>
+          <a:p>
+            <a:pPr algn="ctr"/>
+            <a:endParaRPr lang="pt-PT" sz="2400" dirty="0" smtClean="0"/>
+          </a:p>
+          <a:p>
+            <a:pPr marL="342900" indent="-342900" algn="ctr">
+              <a:buFont typeface="Arial" panose="020B0604020202020204" pitchFamily="34" charset="0"/>
+              <a:buChar char="•"/>
+            </a:pPr>
+            <a:endParaRPr lang="pt-PT" sz="2400" dirty="0" smtClean="0"/>
+          </a:p>
+          <a:p>
+            <a:pPr marL="342900" indent="-342900" algn="ctr">
+              <a:buFont typeface="Arial" panose="020B0604020202020204" pitchFamily="34" charset="0"/>
+              <a:buChar char="•"/>
+            </a:pPr>
+            <a:endParaRPr lang="pt-PT" sz="2400" dirty="0" smtClean="0"/>
+          </a:p>
+          <a:p>
+            <a:pPr marL="342900" indent="-342900" algn="ctr">
+              <a:buFont typeface="Arial" panose="020B0604020202020204" pitchFamily="34" charset="0"/>
+              <a:buChar char="•"/>
+            </a:pPr>
             <a:endParaRPr lang="pt-PT" sz="2400" dirty="0"/>
           </a:p>
           <a:p>
+            <a:pPr marL="342900" indent="-342900" algn="ctr">
+              <a:buFont typeface="Arial" panose="020B0604020202020204" pitchFamily="34" charset="0"/>
+              <a:buChar char="•"/>
+            </a:pPr>
+            <a:endParaRPr lang="pt-PT" sz="2400" dirty="0" smtClean="0"/>
+          </a:p>
+          <a:p>
+            <a:pPr marL="342900" indent="-342900" algn="ctr">
+              <a:buFont typeface="Arial" panose="020B0604020202020204" pitchFamily="34" charset="0"/>
+              <a:buChar char="•"/>
+            </a:pPr>
+            <a:endParaRPr lang="pt-PT" sz="2400" dirty="0" smtClean="0"/>
+          </a:p>
+          <a:p>
+            <a:pPr marL="342900" indent="-342900" algn="ctr">
+              <a:buFont typeface="Arial" panose="020B0604020202020204" pitchFamily="34" charset="0"/>
+              <a:buChar char="•"/>
+            </a:pPr>
+            <a:endParaRPr lang="pt-PT" sz="2400" dirty="0" smtClean="0"/>
+          </a:p>
+          <a:p>
+            <a:pPr marL="342900" indent="-342900" algn="ctr">
+              <a:buFont typeface="Arial" panose="020B0604020202020204" pitchFamily="34" charset="0"/>
+              <a:buChar char="•"/>
+            </a:pPr>
+            <a:endParaRPr lang="pt-PT" sz="2400" dirty="0" smtClean="0"/>
+          </a:p>
+          <a:p>
+            <a:pPr marL="342900" indent="-342900" algn="ctr">
+              <a:buFont typeface="Arial" panose="020B0604020202020204" pitchFamily="34" charset="0"/>
+              <a:buChar char="•"/>
+            </a:pPr>
             <a:endParaRPr lang="pt-PT" sz="2400" dirty="0"/>
           </a:p>
           <a:p>
-            <a:pPr marL="342900" indent="-342900">
-              <a:buFont typeface="Arial" panose="020B0604020202020204" pitchFamily="34" charset="0"/>
-              <a:buChar char="•"/>
-            </a:pPr>
-            <a:endParaRPr lang="pt-PT" sz="2400" dirty="0" smtClean="0"/>
-          </a:p>
-          <a:p>
-            <a:pPr marL="342900" indent="-342900">
-              <a:buFont typeface="Arial" panose="020B0604020202020204" pitchFamily="34" charset="0"/>
-              <a:buChar char="•"/>
-            </a:pPr>
-            <a:endParaRPr lang="pt-PT" sz="2400" dirty="0" smtClean="0"/>
-          </a:p>
-          <a:p>
-            <a:endParaRPr lang="pt-PT" sz="2400" dirty="0" smtClean="0"/>
-          </a:p>
-          <a:p>
-            <a:pPr marL="342900" indent="-342900">
-              <a:buFont typeface="Arial" panose="020B0604020202020204" pitchFamily="34" charset="0"/>
-              <a:buChar char="•"/>
-            </a:pPr>
-            <a:endParaRPr lang="pt-PT" sz="2400" dirty="0" smtClean="0"/>
-          </a:p>
-          <a:p>
-            <a:pPr marL="342900" indent="-342900">
-              <a:buFont typeface="Arial" panose="020B0604020202020204" pitchFamily="34" charset="0"/>
-              <a:buChar char="•"/>
-            </a:pPr>
-            <a:endParaRPr lang="pt-PT" sz="2400" dirty="0" smtClean="0"/>
-          </a:p>
-          <a:p>
-            <a:pPr marL="342900" indent="-342900">
-              <a:buFont typeface="Arial" panose="020B0604020202020204" pitchFamily="34" charset="0"/>
-              <a:buChar char="•"/>
-            </a:pPr>
-            <a:endParaRPr lang="pt-PT" sz="2400" dirty="0"/>
-          </a:p>
-          <a:p>
-            <a:pPr marL="342900" indent="-342900">
-              <a:buFont typeface="Arial" panose="020B0604020202020204" pitchFamily="34" charset="0"/>
-              <a:buChar char="•"/>
-            </a:pPr>
-            <a:endParaRPr lang="pt-PT" sz="2400" dirty="0" smtClean="0"/>
-          </a:p>
-          <a:p>
-            <a:pPr marL="342900" indent="-342900">
-              <a:buFont typeface="Arial" panose="020B0604020202020204" pitchFamily="34" charset="0"/>
-              <a:buChar char="•"/>
-            </a:pPr>
-            <a:endParaRPr lang="pt-PT" sz="2400" dirty="0" smtClean="0"/>
-          </a:p>
-          <a:p>
-            <a:pPr marL="342900" indent="-342900">
-              <a:buFont typeface="Arial" panose="020B0604020202020204" pitchFamily="34" charset="0"/>
-              <a:buChar char="•"/>
-            </a:pPr>
-            <a:endParaRPr lang="pt-PT" sz="2400" dirty="0" smtClean="0"/>
-          </a:p>
-          <a:p>
-            <a:pPr marL="342900" indent="-342900">
-              <a:buFont typeface="Arial" panose="020B0604020202020204" pitchFamily="34" charset="0"/>
-              <a:buChar char="•"/>
-            </a:pPr>
-            <a:endParaRPr lang="pt-PT" sz="2400" dirty="0" smtClean="0"/>
-          </a:p>
-          <a:p>
-            <a:pPr marL="342900" indent="-342900">
-              <a:buFont typeface="Arial" panose="020B0604020202020204" pitchFamily="34" charset="0"/>
-              <a:buChar char="•"/>
-            </a:pPr>
-            <a:endParaRPr lang="pt-PT" sz="2400" dirty="0"/>
-          </a:p>
-          <a:p>
-            <a:pPr marL="342900" indent="-342900">
+            <a:pPr marL="342900" indent="-342900" algn="ctr">
               <a:buFont typeface="Arial" panose="020B0604020202020204" pitchFamily="34" charset="0"/>
               <a:buChar char="•"/>
             </a:pPr>
@@ -10610,11 +10492,7 @@
             <a:pPr algn="ctr"/>
             <a:r>
               <a:rPr lang="pt-PT" sz="1600" b="1" dirty="0" smtClean="0"/>
-              <a:t>IHM </a:t>
-            </a:r>
-            <a:r>
-              <a:rPr lang="pt-PT" sz="1600" b="1" dirty="0" smtClean="0"/>
-              <a:t>para Fabrico Aditivo – Estado da Arte</a:t>
+              <a:t>IHM para Fabrico Aditivo – Sistema Desenvolvido</a:t>
             </a:r>
             <a:endParaRPr lang="pt-PT" sz="1600" b="1" dirty="0"/>
           </a:p>
@@ -10623,13 +10501,20 @@
     </p:spTree>
     <p:extLst>
       <p:ext uri="{BB962C8B-B14F-4D97-AF65-F5344CB8AC3E}">
-        <p14:creationId xmlns:p14="http://schemas.microsoft.com/office/powerpoint/2010/main" val="32972464"/>
+        <p14:creationId xmlns:p14="http://schemas.microsoft.com/office/powerpoint/2010/main" val="3390442020"/>
       </p:ext>
     </p:extLst>
   </p:cSld>
   <p:clrMapOvr>
     <a:masterClrMapping/>
   </p:clrMapOvr>
+  <p:timing>
+    <p:tnLst>
+      <p:par>
+        <p:cTn id="1" dur="indefinite" restart="never" nodeType="tmRoot"/>
+      </p:par>
+    </p:tnLst>
+  </p:timing>
 </p:sld>
 </file>
 
@@ -11117,11 +11002,7 @@
             <a:pPr algn="ctr"/>
             <a:r>
               <a:rPr lang="pt-PT" sz="1600" b="1" dirty="0" smtClean="0"/>
-              <a:t>IHM </a:t>
-            </a:r>
-            <a:r>
-              <a:rPr lang="pt-PT" sz="1600" b="1" dirty="0" smtClean="0"/>
-              <a:t>para Fabrico Aditivo</a:t>
+              <a:t>IHM para Fabrico Aditivo</a:t>
             </a:r>
             <a:endParaRPr lang="pt-PT" sz="1600" b="1" dirty="0"/>
           </a:p>
@@ -11137,6 +11018,13 @@
   <p:clrMapOvr>
     <a:masterClrMapping/>
   </p:clrMapOvr>
+  <p:timing>
+    <p:tnLst>
+      <p:par>
+        <p:cTn id="1" dur="indefinite" restart="never" nodeType="tmRoot"/>
+      </p:par>
+    </p:tnLst>
+  </p:timing>
 </p:sld>
 </file>
 
@@ -11157,223 +11045,6 @@
           <a:chExt cx="0" cy="0"/>
         </a:xfrm>
       </p:grpSpPr>
-      <p:sp>
-        <p:nvSpPr>
-          <p:cNvPr id="7" name="TextBox 6"/>
-          <p:cNvSpPr txBox="1"/>
-          <p:nvPr/>
-        </p:nvSpPr>
-        <p:spPr>
-          <a:xfrm>
-            <a:off x="445000" y="166025"/>
-            <a:ext cx="11747000" cy="8586966"/>
-          </a:xfrm>
-          <a:prstGeom prst="rect">
-            <a:avLst/>
-          </a:prstGeom>
-          <a:noFill/>
-        </p:spPr>
-        <p:txBody>
-          <a:bodyPr wrap="square" rtlCol="0">
-            <a:spAutoFit/>
-          </a:bodyPr>
-          <a:lstStyle/>
-          <a:p>
-            <a:r>
-              <a:rPr lang="pt-PT" sz="3200" b="1" dirty="0"/>
-              <a:t>Sistemas Web-</a:t>
-            </a:r>
-            <a:r>
-              <a:rPr lang="pt-PT" sz="3200" b="1" dirty="0" err="1"/>
-              <a:t>Based</a:t>
-            </a:r>
-            <a:r>
-              <a:rPr lang="pt-PT" sz="3200" b="1" dirty="0"/>
-              <a:t> para Controlo e Automação</a:t>
-            </a:r>
-          </a:p>
-          <a:p>
-            <a:endParaRPr lang="pt-PT" sz="3200" b="1" dirty="0" smtClean="0"/>
-          </a:p>
-          <a:p>
-            <a:r>
-              <a:rPr lang="en-US" sz="2400" b="1" u="sng" dirty="0" err="1"/>
-              <a:t>Caso</a:t>
-            </a:r>
-            <a:r>
-              <a:rPr lang="en-US" sz="2400" b="1" u="sng" dirty="0"/>
-              <a:t> </a:t>
-            </a:r>
-            <a:r>
-              <a:rPr lang="en-US" sz="2400" b="1" u="sng" dirty="0"/>
-              <a:t>3</a:t>
-            </a:r>
-            <a:endParaRPr lang="en-US" sz="2400" b="1" u="sng" dirty="0"/>
-          </a:p>
-          <a:p>
-            <a:endParaRPr lang="pt-PT" sz="2400" dirty="0" smtClean="0"/>
-          </a:p>
-          <a:p>
-            <a:pPr marL="342900" indent="-342900">
-              <a:buFont typeface="Arial" panose="020B0604020202020204" pitchFamily="34" charset="0"/>
-              <a:buChar char="•"/>
-            </a:pPr>
-            <a:r>
-              <a:rPr lang="pt-PT" sz="2400" dirty="0" smtClean="0"/>
-              <a:t>Caso Real -&gt; </a:t>
-            </a:r>
-            <a:r>
-              <a:rPr lang="pt-PT" sz="2400" dirty="0" err="1" smtClean="0"/>
-              <a:t>Marforged</a:t>
-            </a:r>
-            <a:r>
-              <a:rPr lang="pt-PT" sz="2400" dirty="0" smtClean="0"/>
-              <a:t>: Marca </a:t>
-            </a:r>
-            <a:r>
-              <a:rPr lang="pt-PT" sz="2400" dirty="0" smtClean="0"/>
-              <a:t>de impressoras </a:t>
-            </a:r>
-            <a:r>
-              <a:rPr lang="pt-PT" sz="2400" dirty="0" smtClean="0"/>
-              <a:t>3D</a:t>
-            </a:r>
-            <a:endParaRPr lang="pt-PT" sz="2400" dirty="0" smtClean="0"/>
-          </a:p>
-          <a:p>
-            <a:endParaRPr lang="pt-PT" sz="2400" dirty="0" smtClean="0"/>
-          </a:p>
-          <a:p>
-            <a:pPr marL="342900" indent="-342900">
-              <a:buFont typeface="Arial" panose="020B0604020202020204" pitchFamily="34" charset="0"/>
-              <a:buChar char="•"/>
-            </a:pPr>
-            <a:r>
-              <a:rPr lang="pt-PT" sz="2400" dirty="0" smtClean="0"/>
-              <a:t>Possui software web-based que permite:</a:t>
-            </a:r>
-          </a:p>
-          <a:p>
-            <a:pPr marL="800100" lvl="1" indent="-342900">
-              <a:buFont typeface="Arial" panose="020B0604020202020204" pitchFamily="34" charset="0"/>
-              <a:buChar char="•"/>
-            </a:pPr>
-            <a:r>
-              <a:rPr lang="pt-PT" sz="2400" dirty="0" smtClean="0"/>
-              <a:t>Enviar ficheiros de peças para serem impressas</a:t>
-            </a:r>
-          </a:p>
-          <a:p>
-            <a:pPr marL="800100" lvl="1" indent="-342900">
-              <a:buFont typeface="Arial" panose="020B0604020202020204" pitchFamily="34" charset="0"/>
-              <a:buChar char="•"/>
-            </a:pPr>
-            <a:r>
-              <a:rPr lang="pt-PT" sz="2400" dirty="0" smtClean="0"/>
-              <a:t>Alterar peça: dimensões, posicionamento, material, etc</a:t>
-            </a:r>
-          </a:p>
-          <a:p>
-            <a:pPr marL="800100" lvl="1" indent="-342900">
-              <a:buFont typeface="Arial" panose="020B0604020202020204" pitchFamily="34" charset="0"/>
-              <a:buChar char="•"/>
-            </a:pPr>
-            <a:r>
-              <a:rPr lang="pt-PT" sz="2400" dirty="0" smtClean="0"/>
-              <a:t>Monitorizar parâmetros de impressão em tempo real</a:t>
-            </a:r>
-          </a:p>
-          <a:p>
-            <a:pPr marL="800100" lvl="1" indent="-342900">
-              <a:buFont typeface="Arial" panose="020B0604020202020204" pitchFamily="34" charset="0"/>
-              <a:buChar char="•"/>
-            </a:pPr>
-            <a:r>
-              <a:rPr lang="pt-PT" sz="2400" dirty="0" smtClean="0"/>
-              <a:t>Armazenamento e gestão das peças que já foram impressas</a:t>
-            </a:r>
-          </a:p>
-          <a:p>
-            <a:pPr marL="800100" lvl="1" indent="-342900">
-              <a:buFont typeface="Arial" panose="020B0604020202020204" pitchFamily="34" charset="0"/>
-              <a:buChar char="•"/>
-            </a:pPr>
-            <a:r>
-              <a:rPr lang="pt-PT" sz="2400" dirty="0" smtClean="0"/>
-              <a:t>Visualizar uma peça em 2D e 3D</a:t>
-            </a:r>
-          </a:p>
-          <a:p>
-            <a:pPr marL="800100" lvl="1" indent="-342900">
-              <a:buFont typeface="Arial" panose="020B0604020202020204" pitchFamily="34" charset="0"/>
-              <a:buChar char="•"/>
-            </a:pPr>
-            <a:r>
-              <a:rPr lang="pt-PT" sz="2400" dirty="0" smtClean="0"/>
-              <a:t>Visualizar camadas de impressão</a:t>
-            </a:r>
-          </a:p>
-          <a:p>
-            <a:endParaRPr lang="pt-PT" sz="2400" dirty="0" smtClean="0"/>
-          </a:p>
-          <a:p>
-            <a:pPr marL="342900" indent="-342900">
-              <a:buFont typeface="Arial" panose="020B0604020202020204" pitchFamily="34" charset="0"/>
-              <a:buChar char="•"/>
-            </a:pPr>
-            <a:endParaRPr lang="pt-PT" sz="2400" dirty="0" smtClean="0"/>
-          </a:p>
-          <a:p>
-            <a:pPr marL="342900" indent="-342900">
-              <a:buFont typeface="Arial" panose="020B0604020202020204" pitchFamily="34" charset="0"/>
-              <a:buChar char="•"/>
-            </a:pPr>
-            <a:endParaRPr lang="pt-PT" sz="2400" dirty="0"/>
-          </a:p>
-          <a:p>
-            <a:pPr marL="342900" indent="-342900">
-              <a:buFont typeface="Arial" panose="020B0604020202020204" pitchFamily="34" charset="0"/>
-              <a:buChar char="•"/>
-            </a:pPr>
-            <a:endParaRPr lang="pt-PT" sz="2400" dirty="0" smtClean="0"/>
-          </a:p>
-          <a:p>
-            <a:pPr marL="342900" indent="-342900">
-              <a:buFont typeface="Arial" panose="020B0604020202020204" pitchFamily="34" charset="0"/>
-              <a:buChar char="•"/>
-            </a:pPr>
-            <a:endParaRPr lang="pt-PT" sz="2400" dirty="0" smtClean="0"/>
-          </a:p>
-          <a:p>
-            <a:pPr marL="342900" indent="-342900">
-              <a:buFont typeface="Arial" panose="020B0604020202020204" pitchFamily="34" charset="0"/>
-              <a:buChar char="•"/>
-            </a:pPr>
-            <a:endParaRPr lang="pt-PT" sz="2400" dirty="0" smtClean="0"/>
-          </a:p>
-          <a:p>
-            <a:pPr marL="342900" indent="-342900">
-              <a:buFont typeface="Arial" panose="020B0604020202020204" pitchFamily="34" charset="0"/>
-              <a:buChar char="•"/>
-            </a:pPr>
-            <a:endParaRPr lang="pt-PT" sz="2400" dirty="0" smtClean="0"/>
-          </a:p>
-          <a:p>
-            <a:pPr marL="342900" indent="-342900">
-              <a:buFont typeface="Arial" panose="020B0604020202020204" pitchFamily="34" charset="0"/>
-              <a:buChar char="•"/>
-            </a:pPr>
-            <a:endParaRPr lang="pt-PT" sz="2400" dirty="0"/>
-          </a:p>
-          <a:p>
-            <a:pPr marL="342900" indent="-342900">
-              <a:buFont typeface="Arial" panose="020B0604020202020204" pitchFamily="34" charset="0"/>
-              <a:buChar char="•"/>
-            </a:pPr>
-            <a:endParaRPr lang="pt-PT" sz="2400" dirty="0" smtClean="0"/>
-          </a:p>
-        </p:txBody>
-      </p:sp>
       <p:sp>
         <p:nvSpPr>
           <p:cNvPr id="2" name="Slide Number Placeholder 1"/>
@@ -11668,26 +11339,129 @@
             <a:pPr algn="ctr"/>
             <a:r>
               <a:rPr lang="pt-PT" sz="1600" b="1" dirty="0" smtClean="0"/>
-              <a:t>IHM </a:t>
-            </a:r>
-            <a:r>
-              <a:rPr lang="pt-PT" sz="1600" b="1" dirty="0" smtClean="0"/>
-              <a:t>para Fabrico Aditivo – Estado da Arte</a:t>
+              <a:t>IHM para Fabrico Aditivo – Sistema Desenvolvido</a:t>
             </a:r>
             <a:endParaRPr lang="pt-PT" sz="1600" b="1" dirty="0"/>
+          </a:p>
+        </p:txBody>
+      </p:sp>
+      <p:sp>
+        <p:nvSpPr>
+          <p:cNvPr id="8" name="TextBox 6"/>
+          <p:cNvSpPr txBox="1"/>
+          <p:nvPr/>
+        </p:nvSpPr>
+        <p:spPr>
+          <a:xfrm>
+            <a:off x="252980" y="300496"/>
+            <a:ext cx="11747000" cy="4524315"/>
+          </a:xfrm>
+          <a:prstGeom prst="rect">
+            <a:avLst/>
+          </a:prstGeom>
+          <a:noFill/>
+        </p:spPr>
+        <p:txBody>
+          <a:bodyPr wrap="square" rtlCol="0">
+            <a:spAutoFit/>
+          </a:bodyPr>
+          <a:lstStyle/>
+          <a:p>
+            <a:pPr marL="342900" indent="-342900">
+              <a:buFont typeface="Arial" panose="020B0604020202020204" pitchFamily="34" charset="0"/>
+              <a:buChar char="•"/>
+            </a:pPr>
+            <a:endParaRPr lang="pt-PT" sz="2400" dirty="0" smtClean="0"/>
+          </a:p>
+          <a:p>
+            <a:pPr marL="342900" indent="-342900">
+              <a:buFont typeface="Arial" panose="020B0604020202020204" pitchFamily="34" charset="0"/>
+              <a:buChar char="•"/>
+            </a:pPr>
+            <a:r>
+              <a:rPr lang="pt-PT" sz="2400" dirty="0" smtClean="0"/>
+              <a:t>HMI Web-</a:t>
+            </a:r>
+            <a:r>
+              <a:rPr lang="pt-PT" sz="2400" dirty="0" err="1" smtClean="0"/>
+              <a:t>Based</a:t>
+            </a:r>
+            <a:endParaRPr lang="pt-PT" sz="2400" dirty="0" smtClean="0"/>
+          </a:p>
+          <a:p>
+            <a:pPr marL="342900" indent="-342900">
+              <a:buFont typeface="Arial" panose="020B0604020202020204" pitchFamily="34" charset="0"/>
+              <a:buChar char="•"/>
+            </a:pPr>
+            <a:endParaRPr lang="pt-PT" sz="2400" dirty="0" smtClean="0"/>
+          </a:p>
+          <a:p>
+            <a:pPr marL="342900" indent="-342900">
+              <a:buFont typeface="Arial" panose="020B0604020202020204" pitchFamily="34" charset="0"/>
+              <a:buChar char="•"/>
+            </a:pPr>
+            <a:r>
+              <a:rPr lang="pt-PT" sz="2400" dirty="0" smtClean="0"/>
+              <a:t>Monitorizar e Controlar equipamento de Fabrico Aditivo</a:t>
+            </a:r>
+          </a:p>
+          <a:p>
+            <a:pPr marL="342900" indent="-342900">
+              <a:buFont typeface="Arial" panose="020B0604020202020204" pitchFamily="34" charset="0"/>
+              <a:buChar char="•"/>
+            </a:pPr>
+            <a:endParaRPr lang="pt-PT" sz="2400" dirty="0"/>
+          </a:p>
+          <a:p>
+            <a:pPr marL="342900" indent="-342900">
+              <a:buFont typeface="Arial" panose="020B0604020202020204" pitchFamily="34" charset="0"/>
+              <a:buChar char="•"/>
+            </a:pPr>
+            <a:r>
+              <a:rPr lang="pt-PT" sz="2400" dirty="0" smtClean="0"/>
+              <a:t>Arquitetura:</a:t>
+            </a:r>
+          </a:p>
+          <a:p>
+            <a:endParaRPr lang="pt-PT" sz="2400" dirty="0" smtClean="0"/>
+          </a:p>
+          <a:p>
+            <a:endParaRPr lang="pt-PT" sz="2400" dirty="0"/>
+          </a:p>
+          <a:p>
+            <a:pPr marL="342900" indent="-342900">
+              <a:buFont typeface="Arial" panose="020B0604020202020204" pitchFamily="34" charset="0"/>
+              <a:buChar char="•"/>
+            </a:pPr>
+            <a:endParaRPr lang="pt-PT" sz="2400" dirty="0" smtClean="0"/>
+          </a:p>
+          <a:p>
+            <a:pPr marL="342900" indent="-342900">
+              <a:buFont typeface="Arial" panose="020B0604020202020204" pitchFamily="34" charset="0"/>
+              <a:buChar char="•"/>
+            </a:pPr>
+            <a:endParaRPr lang="pt-PT" sz="2400" dirty="0" smtClean="0"/>
+          </a:p>
+          <a:p>
+            <a:endParaRPr lang="pt-PT" sz="2400" dirty="0" smtClean="0"/>
+          </a:p>
+          <a:p>
+            <a:pPr marL="342900" indent="-342900">
+              <a:buFont typeface="Arial" panose="020B0604020202020204" pitchFamily="34" charset="0"/>
+              <a:buChar char="•"/>
+            </a:pPr>
+            <a:endParaRPr lang="pt-PT" sz="2400" dirty="0" smtClean="0"/>
           </a:p>
         </p:txBody>
       </p:sp>
       <p:pic>
         <p:nvPicPr>
-          <p:cNvPr id="3" name="Picture 2"/>
-          <p:cNvPicPr>
-            <a:picLocks noChangeAspect="1"/>
-          </p:cNvPicPr>
+          <p:cNvPr id="11" name="Picture 19"/>
+          <p:cNvPicPr/>
           <p:nvPr/>
         </p:nvPicPr>
         <p:blipFill>
-          <a:blip r:embed="rId3" cstate="print">
+          <a:blip r:embed="rId3">
             <a:extLst>
               <a:ext uri="{28A0092B-C50C-407E-A947-70E740481C1C}">
                 <a14:useLocalDpi xmlns:a14="http://schemas.microsoft.com/office/drawing/2010/main" val="0"/>
@@ -11700,8 +11474,8 @@
         </p:blipFill>
         <p:spPr>
           <a:xfrm>
-            <a:off x="7282706" y="1217407"/>
-            <a:ext cx="2617752" cy="1671299"/>
+            <a:off x="2387687" y="1849491"/>
+            <a:ext cx="9247265" cy="4330591"/>
           </a:xfrm>
           <a:prstGeom prst="rect">
             <a:avLst/>
@@ -11711,13 +11485,20 @@
     </p:spTree>
     <p:extLst>
       <p:ext uri="{BB962C8B-B14F-4D97-AF65-F5344CB8AC3E}">
-        <p14:creationId xmlns:p14="http://schemas.microsoft.com/office/powerpoint/2010/main" val="1796285942"/>
+        <p14:creationId xmlns:p14="http://schemas.microsoft.com/office/powerpoint/2010/main" val="1300417560"/>
       </p:ext>
     </p:extLst>
   </p:cSld>
   <p:clrMapOvr>
     <a:masterClrMapping/>
   </p:clrMapOvr>
+  <p:timing>
+    <p:tnLst>
+      <p:par>
+        <p:cTn id="1" dur="indefinite" restart="never" nodeType="tmRoot"/>
+      </p:par>
+    </p:tnLst>
+  </p:timing>
 </p:sld>
 </file>
 
@@ -11738,123 +11519,6 @@
           <a:chExt cx="0" cy="0"/>
         </a:xfrm>
       </p:grpSpPr>
-      <p:sp>
-        <p:nvSpPr>
-          <p:cNvPr id="7" name="TextBox 6"/>
-          <p:cNvSpPr txBox="1"/>
-          <p:nvPr/>
-        </p:nvSpPr>
-        <p:spPr>
-          <a:xfrm>
-            <a:off x="445000" y="166025"/>
-            <a:ext cx="11747000" cy="5139869"/>
-          </a:xfrm>
-          <a:prstGeom prst="rect">
-            <a:avLst/>
-          </a:prstGeom>
-          <a:noFill/>
-        </p:spPr>
-        <p:txBody>
-          <a:bodyPr wrap="square" rtlCol="0">
-            <a:spAutoFit/>
-          </a:bodyPr>
-          <a:lstStyle/>
-          <a:p>
-            <a:r>
-              <a:rPr lang="pt-PT" sz="3200" b="1" dirty="0"/>
-              <a:t>Sistemas Web-</a:t>
-            </a:r>
-            <a:r>
-              <a:rPr lang="pt-PT" sz="3200" b="1" dirty="0" err="1"/>
-              <a:t>Based</a:t>
-            </a:r>
-            <a:r>
-              <a:rPr lang="pt-PT" sz="3200" b="1" dirty="0"/>
-              <a:t> para Controlo e Automação</a:t>
-            </a:r>
-          </a:p>
-          <a:p>
-            <a:endParaRPr lang="pt-PT" sz="3200" b="1" dirty="0" smtClean="0"/>
-          </a:p>
-          <a:p>
-            <a:r>
-              <a:rPr lang="en-US" sz="2400" b="1" u="sng" dirty="0" err="1"/>
-              <a:t>Caso</a:t>
-            </a:r>
-            <a:r>
-              <a:rPr lang="en-US" sz="2400" b="1" u="sng" dirty="0"/>
-              <a:t> </a:t>
-            </a:r>
-            <a:r>
-              <a:rPr lang="en-US" sz="2400" b="1" u="sng" dirty="0"/>
-              <a:t>3</a:t>
-            </a:r>
-            <a:endParaRPr lang="en-US" sz="2400" b="1" u="sng" dirty="0"/>
-          </a:p>
-          <a:p>
-            <a:endParaRPr lang="pt-PT" sz="2400" dirty="0"/>
-          </a:p>
-          <a:p>
-            <a:endParaRPr lang="pt-PT" sz="2400" dirty="0" smtClean="0"/>
-          </a:p>
-          <a:p>
-            <a:pPr marL="342900" indent="-342900">
-              <a:buFont typeface="Arial" panose="020B0604020202020204" pitchFamily="34" charset="0"/>
-              <a:buChar char="•"/>
-            </a:pPr>
-            <a:endParaRPr lang="pt-PT" sz="2400" dirty="0" smtClean="0"/>
-          </a:p>
-          <a:p>
-            <a:pPr marL="342900" indent="-342900">
-              <a:buFont typeface="Arial" panose="020B0604020202020204" pitchFamily="34" charset="0"/>
-              <a:buChar char="•"/>
-            </a:pPr>
-            <a:endParaRPr lang="pt-PT" sz="2400" dirty="0"/>
-          </a:p>
-          <a:p>
-            <a:pPr marL="342900" indent="-342900">
-              <a:buFont typeface="Arial" panose="020B0604020202020204" pitchFamily="34" charset="0"/>
-              <a:buChar char="•"/>
-            </a:pPr>
-            <a:endParaRPr lang="pt-PT" sz="2400" dirty="0" smtClean="0"/>
-          </a:p>
-          <a:p>
-            <a:pPr marL="342900" indent="-342900">
-              <a:buFont typeface="Arial" panose="020B0604020202020204" pitchFamily="34" charset="0"/>
-              <a:buChar char="•"/>
-            </a:pPr>
-            <a:endParaRPr lang="pt-PT" sz="2400" dirty="0" smtClean="0"/>
-          </a:p>
-          <a:p>
-            <a:pPr marL="342900" indent="-342900">
-              <a:buFont typeface="Arial" panose="020B0604020202020204" pitchFamily="34" charset="0"/>
-              <a:buChar char="•"/>
-            </a:pPr>
-            <a:endParaRPr lang="pt-PT" sz="2400" dirty="0" smtClean="0"/>
-          </a:p>
-          <a:p>
-            <a:pPr marL="342900" indent="-342900">
-              <a:buFont typeface="Arial" panose="020B0604020202020204" pitchFamily="34" charset="0"/>
-              <a:buChar char="•"/>
-            </a:pPr>
-            <a:endParaRPr lang="pt-PT" sz="2400" dirty="0" smtClean="0"/>
-          </a:p>
-          <a:p>
-            <a:pPr marL="342900" indent="-342900">
-              <a:buFont typeface="Arial" panose="020B0604020202020204" pitchFamily="34" charset="0"/>
-              <a:buChar char="•"/>
-            </a:pPr>
-            <a:endParaRPr lang="pt-PT" sz="2400" dirty="0"/>
-          </a:p>
-          <a:p>
-            <a:pPr marL="342900" indent="-342900">
-              <a:buFont typeface="Arial" panose="020B0604020202020204" pitchFamily="34" charset="0"/>
-              <a:buChar char="•"/>
-            </a:pPr>
-            <a:endParaRPr lang="pt-PT" sz="2400" dirty="0" smtClean="0"/>
-          </a:p>
-        </p:txBody>
-      </p:sp>
       <p:sp>
         <p:nvSpPr>
           <p:cNvPr id="2" name="Slide Number Placeholder 1"/>
@@ -12149,56 +11813,215 @@
             <a:pPr algn="ctr"/>
             <a:r>
               <a:rPr lang="pt-PT" sz="1600" b="1" dirty="0" smtClean="0"/>
-              <a:t>IHM </a:t>
-            </a:r>
-            <a:r>
-              <a:rPr lang="pt-PT" sz="1600" b="1" dirty="0" smtClean="0"/>
-              <a:t>para Fabrico Aditivo – Estado da Arte</a:t>
+              <a:t>IHM para Fabrico Aditivo – Sistema Desenvolvido</a:t>
             </a:r>
             <a:endParaRPr lang="pt-PT" sz="1600" b="1" dirty="0"/>
           </a:p>
         </p:txBody>
       </p:sp>
-      <p:pic>
-        <p:nvPicPr>
-          <p:cNvPr id="4" name="Imagem 3"/>
-          <p:cNvPicPr>
-            <a:picLocks noChangeAspect="1"/>
-          </p:cNvPicPr>
+      <p:sp>
+        <p:nvSpPr>
+          <p:cNvPr id="8" name="TextBox 6"/>
+          <p:cNvSpPr txBox="1"/>
           <p:nvPr/>
-        </p:nvPicPr>
-        <p:blipFill>
-          <a:blip r:embed="rId3">
-            <a:extLst>
-              <a:ext uri="{28A0092B-C50C-407E-A947-70E740481C1C}">
-                <a14:useLocalDpi xmlns:a14="http://schemas.microsoft.com/office/drawing/2010/main" val="0"/>
-              </a:ext>
-            </a:extLst>
-          </a:blip>
-          <a:stretch>
-            <a:fillRect/>
-          </a:stretch>
-        </p:blipFill>
+        </p:nvSpPr>
         <p:spPr>
           <a:xfrm>
-            <a:off x="1579465" y="795173"/>
-            <a:ext cx="8715418" cy="5346157"/>
+            <a:off x="252980" y="300496"/>
+            <a:ext cx="11747000" cy="7478970"/>
           </a:xfrm>
           <a:prstGeom prst="rect">
             <a:avLst/>
           </a:prstGeom>
+          <a:noFill/>
         </p:spPr>
-      </p:pic>
+        <p:txBody>
+          <a:bodyPr wrap="square" rtlCol="0">
+            <a:spAutoFit/>
+          </a:bodyPr>
+          <a:lstStyle/>
+          <a:p>
+            <a:pPr marL="342900" indent="-342900">
+              <a:buFont typeface="Arial" panose="020B0604020202020204" pitchFamily="34" charset="0"/>
+              <a:buChar char="•"/>
+            </a:pPr>
+            <a:endParaRPr lang="pt-PT" sz="2400" dirty="0" smtClean="0"/>
+          </a:p>
+          <a:p>
+            <a:pPr marL="342900" indent="-342900">
+              <a:buFont typeface="Arial" panose="020B0604020202020204" pitchFamily="34" charset="0"/>
+              <a:buChar char="•"/>
+            </a:pPr>
+            <a:r>
+              <a:rPr lang="pt-PT" sz="2400" dirty="0" smtClean="0"/>
+              <a:t>1ª versão desenvolvida valida a arquitetura e as tecnologias utili</a:t>
+            </a:r>
+            <a:r>
+              <a:rPr lang="pt-PT" sz="2400" dirty="0"/>
+              <a:t>z</a:t>
+            </a:r>
+            <a:r>
+              <a:rPr lang="pt-PT" sz="2400" dirty="0" smtClean="0"/>
+              <a:t>adas</a:t>
+            </a:r>
+            <a:endParaRPr lang="pt-PT" sz="2400" dirty="0"/>
+          </a:p>
+          <a:p>
+            <a:endParaRPr lang="pt-PT" sz="2400" b="1" u="sng" dirty="0"/>
+          </a:p>
+          <a:p>
+            <a:r>
+              <a:rPr lang="pt-PT" sz="2400" b="1" u="sng" dirty="0" smtClean="0"/>
+              <a:t>Funcionalidades</a:t>
+            </a:r>
+          </a:p>
+          <a:p>
+            <a:pPr marL="342900" indent="-342900">
+              <a:buFont typeface="Arial" panose="020B0604020202020204" pitchFamily="34" charset="0"/>
+              <a:buChar char="•"/>
+            </a:pPr>
+            <a:endParaRPr lang="pt-PT" sz="2400" dirty="0" smtClean="0"/>
+          </a:p>
+          <a:p>
+            <a:pPr marL="342900" indent="-342900">
+              <a:buFont typeface="Arial" panose="020B0604020202020204" pitchFamily="34" charset="0"/>
+              <a:buChar char="•"/>
+            </a:pPr>
+            <a:r>
+              <a:rPr lang="pt-PT" sz="2400" dirty="0" smtClean="0"/>
+              <a:t>Controlo básico do equipamento: ligar, desligar, pausar, parar, monitorizar eixos e estado geral do equipamento</a:t>
+            </a:r>
+          </a:p>
+          <a:p>
+            <a:pPr marL="342900" indent="-342900">
+              <a:buFont typeface="Arial" panose="020B0604020202020204" pitchFamily="34" charset="0"/>
+              <a:buChar char="•"/>
+            </a:pPr>
+            <a:r>
+              <a:rPr lang="pt-PT" sz="2400" dirty="0" smtClean="0"/>
+              <a:t>Modos de Operação: manual e automático</a:t>
+            </a:r>
+          </a:p>
+          <a:p>
+            <a:pPr marL="342900" indent="-342900">
+              <a:buFont typeface="Arial" panose="020B0604020202020204" pitchFamily="34" charset="0"/>
+              <a:buChar char="•"/>
+            </a:pPr>
+            <a:r>
+              <a:rPr lang="pt-PT" sz="2400" dirty="0" smtClean="0"/>
+              <a:t>Monitorização de parâmetros em tempo real</a:t>
+            </a:r>
+          </a:p>
+          <a:p>
+            <a:pPr marL="342900" indent="-342900">
+              <a:buFont typeface="Arial" panose="020B0604020202020204" pitchFamily="34" charset="0"/>
+              <a:buChar char="•"/>
+            </a:pPr>
+            <a:r>
+              <a:rPr lang="pt-PT" sz="2400" dirty="0" smtClean="0"/>
+              <a:t>Monitorização do progresso da impressão</a:t>
+            </a:r>
+          </a:p>
+          <a:p>
+            <a:pPr marL="342900" indent="-342900">
+              <a:buFont typeface="Arial" panose="020B0604020202020204" pitchFamily="34" charset="0"/>
+              <a:buChar char="•"/>
+            </a:pPr>
+            <a:r>
+              <a:rPr lang="pt-PT" sz="2400" dirty="0" smtClean="0"/>
+              <a:t>Importar remotamente e executar </a:t>
+            </a:r>
+            <a:r>
+              <a:rPr lang="pt-PT" sz="2400" dirty="0" err="1" smtClean="0"/>
+              <a:t>Gcode</a:t>
+            </a:r>
+            <a:endParaRPr lang="pt-PT" sz="2400" dirty="0" smtClean="0"/>
+          </a:p>
+          <a:p>
+            <a:pPr marL="342900" indent="-342900">
+              <a:buFont typeface="Arial" panose="020B0604020202020204" pitchFamily="34" charset="0"/>
+              <a:buChar char="•"/>
+            </a:pPr>
+            <a:r>
+              <a:rPr lang="pt-PT" sz="2400" dirty="0" smtClean="0"/>
+              <a:t>Visualizar </a:t>
+            </a:r>
+            <a:r>
+              <a:rPr lang="pt-PT" sz="2400" dirty="0" err="1" smtClean="0"/>
+              <a:t>Gcode</a:t>
+            </a:r>
+            <a:r>
+              <a:rPr lang="pt-PT" sz="2400" dirty="0" smtClean="0"/>
+              <a:t> a ser executado em tempo real</a:t>
+            </a:r>
+          </a:p>
+          <a:p>
+            <a:pPr marL="342900" indent="-342900">
+              <a:buFont typeface="Arial" panose="020B0604020202020204" pitchFamily="34" charset="0"/>
+              <a:buChar char="•"/>
+            </a:pPr>
+            <a:r>
+              <a:rPr lang="pt-PT" sz="2400" dirty="0" smtClean="0"/>
+              <a:t>Visualizar a peça em 2D e 3D através do </a:t>
+            </a:r>
+            <a:r>
+              <a:rPr lang="pt-PT" sz="2400" dirty="0" err="1" smtClean="0"/>
+              <a:t>Gcode</a:t>
+            </a:r>
+            <a:endParaRPr lang="pt-PT" sz="2400" dirty="0" smtClean="0"/>
+          </a:p>
+          <a:p>
+            <a:endParaRPr lang="pt-PT" sz="2400" dirty="0" smtClean="0"/>
+          </a:p>
+          <a:p>
+            <a:endParaRPr lang="pt-PT" sz="2400" dirty="0" smtClean="0"/>
+          </a:p>
+          <a:p>
+            <a:endParaRPr lang="pt-PT" sz="2400" dirty="0"/>
+          </a:p>
+          <a:p>
+            <a:pPr marL="342900" indent="-342900">
+              <a:buFont typeface="Arial" panose="020B0604020202020204" pitchFamily="34" charset="0"/>
+              <a:buChar char="•"/>
+            </a:pPr>
+            <a:endParaRPr lang="pt-PT" sz="2400" dirty="0" smtClean="0"/>
+          </a:p>
+          <a:p>
+            <a:pPr marL="342900" indent="-342900">
+              <a:buFont typeface="Arial" panose="020B0604020202020204" pitchFamily="34" charset="0"/>
+              <a:buChar char="•"/>
+            </a:pPr>
+            <a:endParaRPr lang="pt-PT" sz="2400" dirty="0" smtClean="0"/>
+          </a:p>
+          <a:p>
+            <a:endParaRPr lang="pt-PT" sz="2400" dirty="0" smtClean="0"/>
+          </a:p>
+          <a:p>
+            <a:pPr marL="342900" indent="-342900">
+              <a:buFont typeface="Arial" panose="020B0604020202020204" pitchFamily="34" charset="0"/>
+              <a:buChar char="•"/>
+            </a:pPr>
+            <a:endParaRPr lang="pt-PT" sz="2400" dirty="0" smtClean="0"/>
+          </a:p>
+        </p:txBody>
+      </p:sp>
     </p:spTree>
     <p:extLst>
       <p:ext uri="{BB962C8B-B14F-4D97-AF65-F5344CB8AC3E}">
-        <p14:creationId xmlns:p14="http://schemas.microsoft.com/office/powerpoint/2010/main" val="1570402696"/>
+        <p14:creationId xmlns:p14="http://schemas.microsoft.com/office/powerpoint/2010/main" val="1686037235"/>
       </p:ext>
     </p:extLst>
   </p:cSld>
   <p:clrMapOvr>
     <a:masterClrMapping/>
   </p:clrMapOvr>
+  <p:timing>
+    <p:tnLst>
+      <p:par>
+        <p:cTn id="1" dur="indefinite" restart="never" nodeType="tmRoot"/>
+      </p:par>
+    </p:tnLst>
+  </p:timing>
 </p:sld>
 </file>
 
@@ -12227,8 +12050,8 @@
         </p:nvSpPr>
         <p:spPr>
           <a:xfrm>
-            <a:off x="445000" y="166025"/>
-            <a:ext cx="11747000" cy="4770537"/>
+            <a:off x="0" y="134494"/>
+            <a:ext cx="12192000" cy="8956298"/>
           </a:xfrm>
           <a:prstGeom prst="rect">
             <a:avLst/>
@@ -12241,79 +12064,122 @@
           </a:bodyPr>
           <a:lstStyle/>
           <a:p>
-            <a:r>
-              <a:rPr lang="pt-PT" sz="3200" b="1" dirty="0"/>
-              <a:t>Sistemas Web-</a:t>
-            </a:r>
-            <a:r>
-              <a:rPr lang="pt-PT" sz="3200" b="1" dirty="0" err="1"/>
-              <a:t>Based</a:t>
-            </a:r>
-            <a:r>
-              <a:rPr lang="pt-PT" sz="3200" b="1" dirty="0"/>
-              <a:t> para Controlo e Automação</a:t>
-            </a:r>
-          </a:p>
-          <a:p>
-            <a:endParaRPr lang="pt-PT" sz="3200" b="1" dirty="0" smtClean="0"/>
-          </a:p>
-          <a:p>
+            <a:pPr algn="ctr"/>
+            <a:endParaRPr lang="pt-PT" sz="3600" b="1" dirty="0" smtClean="0"/>
+          </a:p>
+          <a:p>
+            <a:pPr algn="ctr"/>
+            <a:endParaRPr lang="pt-PT" sz="3600" b="1" dirty="0"/>
+          </a:p>
+          <a:p>
+            <a:pPr algn="ctr"/>
+            <a:endParaRPr lang="pt-PT" sz="4800" b="1" dirty="0" smtClean="0"/>
+          </a:p>
+          <a:p>
+            <a:pPr algn="ctr"/>
+            <a:endParaRPr lang="pt-PT" sz="4800" b="1" dirty="0" smtClean="0"/>
+          </a:p>
+          <a:p>
+            <a:pPr algn="ctr"/>
+            <a:r>
+              <a:rPr lang="pt-PT" sz="4800" b="1" dirty="0" smtClean="0"/>
+              <a:t>Vídeo</a:t>
+            </a:r>
+          </a:p>
+          <a:p>
+            <a:pPr marL="342900" indent="-342900" algn="ctr">
+              <a:buFont typeface="Arial" panose="020B0604020202020204" pitchFamily="34" charset="0"/>
+              <a:buChar char="•"/>
+            </a:pPr>
+            <a:endParaRPr lang="pt-PT" sz="2400" dirty="0" smtClean="0"/>
+          </a:p>
+          <a:p>
+            <a:pPr marL="342900" indent="-342900" algn="ctr">
+              <a:buFont typeface="Arial" panose="020B0604020202020204" pitchFamily="34" charset="0"/>
+              <a:buChar char="•"/>
+            </a:pPr>
             <a:endParaRPr lang="pt-PT" sz="2400" dirty="0"/>
           </a:p>
           <a:p>
-            <a:endParaRPr lang="pt-PT" sz="2400" dirty="0" smtClean="0"/>
-          </a:p>
-          <a:p>
-            <a:pPr marL="342900" indent="-342900">
-              <a:buFont typeface="Arial" panose="020B0604020202020204" pitchFamily="34" charset="0"/>
-              <a:buChar char="•"/>
-            </a:pPr>
-            <a:endParaRPr lang="pt-PT" sz="2400" dirty="0" smtClean="0"/>
-          </a:p>
-          <a:p>
-            <a:pPr marL="342900" indent="-342900">
+            <a:pPr marL="342900" indent="-342900" algn="ctr">
+              <a:buFont typeface="Arial" panose="020B0604020202020204" pitchFamily="34" charset="0"/>
+              <a:buChar char="•"/>
+            </a:pPr>
+            <a:endParaRPr lang="pt-PT" sz="2400" dirty="0" smtClean="0"/>
+          </a:p>
+          <a:p>
+            <a:pPr marL="342900" indent="-342900" algn="ctr">
+              <a:buFont typeface="Arial" panose="020B0604020202020204" pitchFamily="34" charset="0"/>
+              <a:buChar char="•"/>
+            </a:pPr>
+            <a:endParaRPr lang="pt-PT" sz="2400" dirty="0" smtClean="0"/>
+          </a:p>
+          <a:p>
+            <a:pPr lvl="1" algn="ctr"/>
+            <a:endParaRPr lang="pt-PT" sz="2400" dirty="0" smtClean="0"/>
+          </a:p>
+          <a:p>
+            <a:pPr algn="ctr"/>
+            <a:endParaRPr lang="pt-PT" sz="2400" dirty="0" smtClean="0"/>
+          </a:p>
+          <a:p>
+            <a:pPr marL="342900" indent="-342900" algn="ctr">
+              <a:buFont typeface="Arial" panose="020B0604020202020204" pitchFamily="34" charset="0"/>
+              <a:buChar char="•"/>
+            </a:pPr>
+            <a:endParaRPr lang="pt-PT" sz="2400" dirty="0" smtClean="0"/>
+          </a:p>
+          <a:p>
+            <a:pPr marL="342900" indent="-342900" algn="ctr">
+              <a:buFont typeface="Arial" panose="020B0604020202020204" pitchFamily="34" charset="0"/>
+              <a:buChar char="•"/>
+            </a:pPr>
+            <a:endParaRPr lang="pt-PT" sz="2400" dirty="0" smtClean="0"/>
+          </a:p>
+          <a:p>
+            <a:pPr marL="342900" indent="-342900" algn="ctr">
               <a:buFont typeface="Arial" panose="020B0604020202020204" pitchFamily="34" charset="0"/>
               <a:buChar char="•"/>
             </a:pPr>
             <a:endParaRPr lang="pt-PT" sz="2400" dirty="0"/>
           </a:p>
           <a:p>
-            <a:pPr marL="342900" indent="-342900">
-              <a:buFont typeface="Arial" panose="020B0604020202020204" pitchFamily="34" charset="0"/>
-              <a:buChar char="•"/>
-            </a:pPr>
-            <a:endParaRPr lang="pt-PT" sz="2400" dirty="0" smtClean="0"/>
-          </a:p>
-          <a:p>
-            <a:pPr marL="342900" indent="-342900">
-              <a:buFont typeface="Arial" panose="020B0604020202020204" pitchFamily="34" charset="0"/>
-              <a:buChar char="•"/>
-            </a:pPr>
-            <a:endParaRPr lang="pt-PT" sz="2400" dirty="0" smtClean="0"/>
-          </a:p>
-          <a:p>
-            <a:pPr marL="342900" indent="-342900">
-              <a:buFont typeface="Arial" panose="020B0604020202020204" pitchFamily="34" charset="0"/>
-              <a:buChar char="•"/>
-            </a:pPr>
-            <a:endParaRPr lang="pt-PT" sz="2400" dirty="0" smtClean="0"/>
-          </a:p>
-          <a:p>
-            <a:pPr marL="342900" indent="-342900">
-              <a:buFont typeface="Arial" panose="020B0604020202020204" pitchFamily="34" charset="0"/>
-              <a:buChar char="•"/>
-            </a:pPr>
-            <a:endParaRPr lang="pt-PT" sz="2400" dirty="0" smtClean="0"/>
-          </a:p>
-          <a:p>
-            <a:pPr marL="342900" indent="-342900">
+            <a:pPr marL="342900" indent="-342900" algn="ctr">
+              <a:buFont typeface="Arial" panose="020B0604020202020204" pitchFamily="34" charset="0"/>
+              <a:buChar char="•"/>
+            </a:pPr>
+            <a:endParaRPr lang="pt-PT" sz="2400" dirty="0" smtClean="0"/>
+          </a:p>
+          <a:p>
+            <a:pPr marL="342900" indent="-342900" algn="ctr">
+              <a:buFont typeface="Arial" panose="020B0604020202020204" pitchFamily="34" charset="0"/>
+              <a:buChar char="•"/>
+            </a:pPr>
+            <a:endParaRPr lang="pt-PT" sz="2400" dirty="0" smtClean="0"/>
+          </a:p>
+          <a:p>
+            <a:pPr marL="342900" indent="-342900" algn="ctr">
+              <a:buFont typeface="Arial" panose="020B0604020202020204" pitchFamily="34" charset="0"/>
+              <a:buChar char="•"/>
+            </a:pPr>
+            <a:endParaRPr lang="pt-PT" sz="2400" dirty="0" smtClean="0"/>
+          </a:p>
+          <a:p>
+            <a:pPr marL="342900" indent="-342900" algn="ctr">
+              <a:buFont typeface="Arial" panose="020B0604020202020204" pitchFamily="34" charset="0"/>
+              <a:buChar char="•"/>
+            </a:pPr>
+            <a:endParaRPr lang="pt-PT" sz="2400" dirty="0" smtClean="0"/>
+          </a:p>
+          <a:p>
+            <a:pPr marL="342900" indent="-342900" algn="ctr">
               <a:buFont typeface="Arial" panose="020B0604020202020204" pitchFamily="34" charset="0"/>
               <a:buChar char="•"/>
             </a:pPr>
             <a:endParaRPr lang="pt-PT" sz="2400" dirty="0"/>
           </a:p>
           <a:p>
-            <a:pPr marL="342900" indent="-342900">
+            <a:pPr marL="342900" indent="-342900" algn="ctr">
               <a:buFont typeface="Arial" panose="020B0604020202020204" pitchFamily="34" charset="0"/>
               <a:buChar char="•"/>
             </a:pPr>
@@ -12615,54 +12481,29 @@
             <a:pPr algn="ctr"/>
             <a:r>
               <a:rPr lang="pt-PT" sz="1600" b="1" dirty="0" smtClean="0"/>
-              <a:t>IHI </a:t>
-            </a:r>
-            <a:r>
-              <a:rPr lang="pt-PT" sz="1600" b="1" dirty="0" smtClean="0"/>
-              <a:t>para Fabrico Aditivo – Estado da Arte</a:t>
+              <a:t>IHM para Fabrico Aditivo – Sistema Desenvolvido</a:t>
             </a:r>
             <a:endParaRPr lang="pt-PT" sz="1600" b="1" dirty="0"/>
           </a:p>
         </p:txBody>
       </p:sp>
-      <p:pic>
-        <p:nvPicPr>
-          <p:cNvPr id="8" name="Imagem 7"/>
-          <p:cNvPicPr/>
-          <p:nvPr/>
-        </p:nvPicPr>
-        <p:blipFill>
-          <a:blip r:embed="rId3">
-            <a:extLst>
-              <a:ext uri="{28A0092B-C50C-407E-A947-70E740481C1C}">
-                <a14:useLocalDpi xmlns:a14="http://schemas.microsoft.com/office/drawing/2010/main" val="0"/>
-              </a:ext>
-            </a:extLst>
-          </a:blip>
-          <a:stretch>
-            <a:fillRect/>
-          </a:stretch>
-        </p:blipFill>
-        <p:spPr>
-          <a:xfrm>
-            <a:off x="1808794" y="758951"/>
-            <a:ext cx="8310565" cy="5422298"/>
-          </a:xfrm>
-          <a:prstGeom prst="rect">
-            <a:avLst/>
-          </a:prstGeom>
-        </p:spPr>
-      </p:pic>
     </p:spTree>
     <p:extLst>
       <p:ext uri="{BB962C8B-B14F-4D97-AF65-F5344CB8AC3E}">
-        <p14:creationId xmlns:p14="http://schemas.microsoft.com/office/powerpoint/2010/main" val="3924770669"/>
+        <p14:creationId xmlns:p14="http://schemas.microsoft.com/office/powerpoint/2010/main" val="3287543768"/>
       </p:ext>
     </p:extLst>
   </p:cSld>
   <p:clrMapOvr>
     <a:masterClrMapping/>
   </p:clrMapOvr>
+  <p:timing>
+    <p:tnLst>
+      <p:par>
+        <p:cTn id="1" dur="indefinite" restart="never" nodeType="tmRoot"/>
+      </p:par>
+    </p:tnLst>
+  </p:timing>
 </p:sld>
 </file>
 
@@ -12683,152 +12524,6 @@
           <a:chExt cx="0" cy="0"/>
         </a:xfrm>
       </p:grpSpPr>
-      <p:sp>
-        <p:nvSpPr>
-          <p:cNvPr id="7" name="TextBox 6"/>
-          <p:cNvSpPr txBox="1"/>
-          <p:nvPr/>
-        </p:nvSpPr>
-        <p:spPr>
-          <a:xfrm>
-            <a:off x="0" y="134494"/>
-            <a:ext cx="12192000" cy="8956298"/>
-          </a:xfrm>
-          <a:prstGeom prst="rect">
-            <a:avLst/>
-          </a:prstGeom>
-          <a:noFill/>
-        </p:spPr>
-        <p:txBody>
-          <a:bodyPr wrap="square" rtlCol="0">
-            <a:spAutoFit/>
-          </a:bodyPr>
-          <a:lstStyle/>
-          <a:p>
-            <a:pPr algn="ctr"/>
-            <a:endParaRPr lang="pt-PT" sz="3600" b="1" dirty="0" smtClean="0"/>
-          </a:p>
-          <a:p>
-            <a:pPr algn="ctr"/>
-            <a:endParaRPr lang="pt-PT" sz="3600" b="1" dirty="0"/>
-          </a:p>
-          <a:p>
-            <a:pPr algn="ctr"/>
-            <a:endParaRPr lang="pt-PT" sz="4800" b="1" dirty="0" smtClean="0"/>
-          </a:p>
-          <a:p>
-            <a:pPr algn="ctr"/>
-            <a:endParaRPr lang="pt-PT" sz="4800" b="1" dirty="0" smtClean="0"/>
-          </a:p>
-          <a:p>
-            <a:pPr algn="ctr"/>
-            <a:r>
-              <a:rPr lang="pt-PT" sz="4800" b="1" dirty="0" smtClean="0"/>
-              <a:t>Sistema Desenvolvido</a:t>
-            </a:r>
-            <a:endParaRPr lang="pt-PT" sz="4800" b="1" dirty="0" smtClean="0"/>
-          </a:p>
-          <a:p>
-            <a:pPr marL="342900" indent="-342900" algn="ctr">
-              <a:buFont typeface="Arial" panose="020B0604020202020204" pitchFamily="34" charset="0"/>
-              <a:buChar char="•"/>
-            </a:pPr>
-            <a:endParaRPr lang="pt-PT" sz="2400" dirty="0" smtClean="0"/>
-          </a:p>
-          <a:p>
-            <a:pPr marL="342900" indent="-342900" algn="ctr">
-              <a:buFont typeface="Arial" panose="020B0604020202020204" pitchFamily="34" charset="0"/>
-              <a:buChar char="•"/>
-            </a:pPr>
-            <a:endParaRPr lang="pt-PT" sz="2400" dirty="0"/>
-          </a:p>
-          <a:p>
-            <a:pPr marL="342900" indent="-342900" algn="ctr">
-              <a:buFont typeface="Arial" panose="020B0604020202020204" pitchFamily="34" charset="0"/>
-              <a:buChar char="•"/>
-            </a:pPr>
-            <a:endParaRPr lang="pt-PT" sz="2400" dirty="0" smtClean="0"/>
-          </a:p>
-          <a:p>
-            <a:pPr marL="342900" indent="-342900" algn="ctr">
-              <a:buFont typeface="Arial" panose="020B0604020202020204" pitchFamily="34" charset="0"/>
-              <a:buChar char="•"/>
-            </a:pPr>
-            <a:endParaRPr lang="pt-PT" sz="2400" dirty="0" smtClean="0"/>
-          </a:p>
-          <a:p>
-            <a:pPr lvl="1" algn="ctr"/>
-            <a:endParaRPr lang="pt-PT" sz="2400" dirty="0" smtClean="0"/>
-          </a:p>
-          <a:p>
-            <a:pPr algn="ctr"/>
-            <a:endParaRPr lang="pt-PT" sz="2400" dirty="0" smtClean="0"/>
-          </a:p>
-          <a:p>
-            <a:pPr marL="342900" indent="-342900" algn="ctr">
-              <a:buFont typeface="Arial" panose="020B0604020202020204" pitchFamily="34" charset="0"/>
-              <a:buChar char="•"/>
-            </a:pPr>
-            <a:endParaRPr lang="pt-PT" sz="2400" dirty="0" smtClean="0"/>
-          </a:p>
-          <a:p>
-            <a:pPr marL="342900" indent="-342900" algn="ctr">
-              <a:buFont typeface="Arial" panose="020B0604020202020204" pitchFamily="34" charset="0"/>
-              <a:buChar char="•"/>
-            </a:pPr>
-            <a:endParaRPr lang="pt-PT" sz="2400" dirty="0" smtClean="0"/>
-          </a:p>
-          <a:p>
-            <a:pPr marL="342900" indent="-342900" algn="ctr">
-              <a:buFont typeface="Arial" panose="020B0604020202020204" pitchFamily="34" charset="0"/>
-              <a:buChar char="•"/>
-            </a:pPr>
-            <a:endParaRPr lang="pt-PT" sz="2400" dirty="0"/>
-          </a:p>
-          <a:p>
-            <a:pPr marL="342900" indent="-342900" algn="ctr">
-              <a:buFont typeface="Arial" panose="020B0604020202020204" pitchFamily="34" charset="0"/>
-              <a:buChar char="•"/>
-            </a:pPr>
-            <a:endParaRPr lang="pt-PT" sz="2400" dirty="0" smtClean="0"/>
-          </a:p>
-          <a:p>
-            <a:pPr marL="342900" indent="-342900" algn="ctr">
-              <a:buFont typeface="Arial" panose="020B0604020202020204" pitchFamily="34" charset="0"/>
-              <a:buChar char="•"/>
-            </a:pPr>
-            <a:endParaRPr lang="pt-PT" sz="2400" dirty="0" smtClean="0"/>
-          </a:p>
-          <a:p>
-            <a:pPr marL="342900" indent="-342900" algn="ctr">
-              <a:buFont typeface="Arial" panose="020B0604020202020204" pitchFamily="34" charset="0"/>
-              <a:buChar char="•"/>
-            </a:pPr>
-            <a:endParaRPr lang="pt-PT" sz="2400" dirty="0" smtClean="0"/>
-          </a:p>
-          <a:p>
-            <a:pPr marL="342900" indent="-342900" algn="ctr">
-              <a:buFont typeface="Arial" panose="020B0604020202020204" pitchFamily="34" charset="0"/>
-              <a:buChar char="•"/>
-            </a:pPr>
-            <a:endParaRPr lang="pt-PT" sz="2400" dirty="0" smtClean="0"/>
-          </a:p>
-          <a:p>
-            <a:pPr marL="342900" indent="-342900" algn="ctr">
-              <a:buFont typeface="Arial" panose="020B0604020202020204" pitchFamily="34" charset="0"/>
-              <a:buChar char="•"/>
-            </a:pPr>
-            <a:endParaRPr lang="pt-PT" sz="2400" dirty="0"/>
-          </a:p>
-          <a:p>
-            <a:pPr marL="342900" indent="-342900" algn="ctr">
-              <a:buFont typeface="Arial" panose="020B0604020202020204" pitchFamily="34" charset="0"/>
-              <a:buChar char="•"/>
-            </a:pPr>
-            <a:endParaRPr lang="pt-PT" sz="2400" dirty="0" smtClean="0"/>
-          </a:p>
-        </p:txBody>
-      </p:sp>
       <p:sp>
         <p:nvSpPr>
           <p:cNvPr id="2" name="Slide Number Placeholder 1"/>
@@ -13123,30 +12818,202 @@
             <a:pPr algn="ctr"/>
             <a:r>
               <a:rPr lang="pt-PT" sz="1600" b="1" dirty="0" smtClean="0"/>
-              <a:t>IHM </a:t>
-            </a:r>
-            <a:r>
-              <a:rPr lang="pt-PT" sz="1600" b="1" dirty="0" smtClean="0"/>
-              <a:t>para Fabrico Aditivo </a:t>
-            </a:r>
-            <a:r>
-              <a:rPr lang="pt-PT" sz="1600" b="1" dirty="0" smtClean="0"/>
-              <a:t>– Sistema Desenvolvido</a:t>
+              <a:t>IHM para Fabrico Aditivo – Trabalho Futuro</a:t>
             </a:r>
             <a:endParaRPr lang="pt-PT" sz="1600" b="1" dirty="0"/>
+          </a:p>
+        </p:txBody>
+      </p:sp>
+      <p:sp>
+        <p:nvSpPr>
+          <p:cNvPr id="8" name="TextBox 6"/>
+          <p:cNvSpPr txBox="1"/>
+          <p:nvPr/>
+        </p:nvSpPr>
+        <p:spPr>
+          <a:xfrm>
+            <a:off x="252980" y="300496"/>
+            <a:ext cx="11747000" cy="6740307"/>
+          </a:xfrm>
+          <a:prstGeom prst="rect">
+            <a:avLst/>
+          </a:prstGeom>
+          <a:noFill/>
+        </p:spPr>
+        <p:txBody>
+          <a:bodyPr wrap="square" rtlCol="0">
+            <a:spAutoFit/>
+          </a:bodyPr>
+          <a:lstStyle/>
+          <a:p>
+            <a:r>
+              <a:rPr lang="pt-PT" sz="2400" b="1" u="sng" dirty="0" smtClean="0"/>
+              <a:t>Trabalho Futuro</a:t>
+            </a:r>
+            <a:endParaRPr lang="pt-PT" sz="2400" b="1" u="sng" dirty="0"/>
+          </a:p>
+          <a:p>
+            <a:pPr marL="342900" indent="-342900">
+              <a:buFont typeface="Arial" panose="020B0604020202020204" pitchFamily="34" charset="0"/>
+              <a:buChar char="•"/>
+            </a:pPr>
+            <a:endParaRPr lang="pt-PT" sz="2400" dirty="0" smtClean="0"/>
+          </a:p>
+          <a:p>
+            <a:pPr marL="342900" indent="-342900">
+              <a:buFont typeface="Arial" panose="020B0604020202020204" pitchFamily="34" charset="0"/>
+              <a:buChar char="•"/>
+            </a:pPr>
+            <a:r>
+              <a:rPr lang="pt-PT" sz="2400" dirty="0" smtClean="0"/>
+              <a:t>Levantar requisitos para novo equipamento</a:t>
+            </a:r>
+          </a:p>
+          <a:p>
+            <a:pPr marL="342900" indent="-342900">
+              <a:buFont typeface="Arial" panose="020B0604020202020204" pitchFamily="34" charset="0"/>
+              <a:buChar char="•"/>
+            </a:pPr>
+            <a:endParaRPr lang="pt-PT" sz="2400" dirty="0" smtClean="0"/>
+          </a:p>
+          <a:p>
+            <a:pPr marL="342900" indent="-342900">
+              <a:buFont typeface="Arial" panose="020B0604020202020204" pitchFamily="34" charset="0"/>
+              <a:buChar char="•"/>
+            </a:pPr>
+            <a:r>
+              <a:rPr lang="pt-PT" sz="2400" dirty="0" smtClean="0"/>
+              <a:t>Readaptar sistema ao novo equipamento</a:t>
+            </a:r>
+          </a:p>
+          <a:p>
+            <a:pPr marL="342900" indent="-342900">
+              <a:buFont typeface="Arial" panose="020B0604020202020204" pitchFamily="34" charset="0"/>
+              <a:buChar char="•"/>
+            </a:pPr>
+            <a:endParaRPr lang="pt-PT" sz="2400" dirty="0" smtClean="0"/>
+          </a:p>
+          <a:p>
+            <a:pPr marL="342900" indent="-342900">
+              <a:buFont typeface="Arial" panose="020B0604020202020204" pitchFamily="34" charset="0"/>
+              <a:buChar char="•"/>
+            </a:pPr>
+            <a:r>
+              <a:rPr lang="pt-PT" sz="2400" dirty="0" smtClean="0"/>
+              <a:t>Desenvolver funcionalidades e módulos identificados em falta:</a:t>
+            </a:r>
+          </a:p>
+          <a:p>
+            <a:pPr marL="800100" lvl="1" indent="-342900">
+              <a:buFont typeface="Arial" panose="020B0604020202020204" pitchFamily="34" charset="0"/>
+              <a:buChar char="•"/>
+            </a:pPr>
+            <a:r>
+              <a:rPr lang="pt-PT" sz="2400" dirty="0" smtClean="0"/>
+              <a:t>Monitorizar parâmetros do equipamento e do processo em tempo real (pontos de medição de temperatura, </a:t>
+            </a:r>
+            <a:r>
+              <a:rPr lang="pt-PT" sz="2400" dirty="0" err="1" smtClean="0"/>
+              <a:t>etc</a:t>
+            </a:r>
+            <a:r>
+              <a:rPr lang="pt-PT" sz="2400" dirty="0" smtClean="0"/>
+              <a:t>)</a:t>
+            </a:r>
+          </a:p>
+          <a:p>
+            <a:pPr marL="800100" lvl="1" indent="-342900">
+              <a:buFont typeface="Arial" panose="020B0604020202020204" pitchFamily="34" charset="0"/>
+              <a:buChar char="•"/>
+            </a:pPr>
+            <a:r>
+              <a:rPr lang="pt-PT" sz="2400" dirty="0" smtClean="0"/>
+              <a:t>Recolha e armazenamento de dados das impressões</a:t>
+            </a:r>
+          </a:p>
+          <a:p>
+            <a:pPr marL="800100" lvl="1" indent="-342900">
+              <a:buFont typeface="Arial" panose="020B0604020202020204" pitchFamily="34" charset="0"/>
+              <a:buChar char="•"/>
+            </a:pPr>
+            <a:r>
+              <a:rPr lang="pt-PT" sz="2400" dirty="0" smtClean="0"/>
+              <a:t>Visualizar histórico das impressões</a:t>
+            </a:r>
+          </a:p>
+          <a:p>
+            <a:pPr marL="800100" lvl="1" indent="-342900">
+              <a:buFont typeface="Arial" panose="020B0604020202020204" pitchFamily="34" charset="0"/>
+              <a:buChar char="•"/>
+            </a:pPr>
+            <a:r>
+              <a:rPr lang="pt-PT" sz="2400" dirty="0" smtClean="0"/>
+              <a:t>Visualizar imagem da câmara termográfica em tempo real</a:t>
+            </a:r>
+          </a:p>
+          <a:p>
+            <a:pPr marL="800100" lvl="1" indent="-342900">
+              <a:buFont typeface="Arial" panose="020B0604020202020204" pitchFamily="34" charset="0"/>
+              <a:buChar char="•"/>
+            </a:pPr>
+            <a:r>
+              <a:rPr lang="pt-PT" sz="2400" dirty="0" smtClean="0"/>
+              <a:t>Reconhecimento do conteúdo da imagem termográfica em tempo real</a:t>
+            </a:r>
+          </a:p>
+          <a:p>
+            <a:pPr marL="800100" lvl="1" indent="-342900">
+              <a:buFont typeface="Arial" panose="020B0604020202020204" pitchFamily="34" charset="0"/>
+              <a:buChar char="•"/>
+            </a:pPr>
+            <a:r>
+              <a:rPr lang="pt-PT" sz="2400" dirty="0" smtClean="0"/>
+              <a:t>Módulo de Realidade Aumentada para visualização das peças em impressão</a:t>
+            </a:r>
+          </a:p>
+          <a:p>
+            <a:pPr lvl="1"/>
+            <a:endParaRPr lang="pt-PT" sz="2400" dirty="0" smtClean="0"/>
+          </a:p>
+          <a:p>
+            <a:pPr marL="342900" indent="-342900">
+              <a:buFont typeface="Arial" panose="020B0604020202020204" pitchFamily="34" charset="0"/>
+              <a:buChar char="•"/>
+            </a:pPr>
+            <a:r>
+              <a:rPr lang="pt-PT" sz="2400" dirty="0" smtClean="0"/>
+              <a:t>Finalizar Relatório de Projeto de Mestrado</a:t>
+            </a:r>
+          </a:p>
+          <a:p>
+            <a:endParaRPr lang="pt-PT" sz="2400" dirty="0" smtClean="0"/>
+          </a:p>
+          <a:p>
+            <a:pPr marL="342900" indent="-342900">
+              <a:buFont typeface="Arial" panose="020B0604020202020204" pitchFamily="34" charset="0"/>
+              <a:buChar char="•"/>
+            </a:pPr>
+            <a:endParaRPr lang="pt-PT" sz="2400" dirty="0" smtClean="0"/>
           </a:p>
         </p:txBody>
       </p:sp>
     </p:spTree>
     <p:extLst>
       <p:ext uri="{BB962C8B-B14F-4D97-AF65-F5344CB8AC3E}">
-        <p14:creationId xmlns:p14="http://schemas.microsoft.com/office/powerpoint/2010/main" val="3390442020"/>
+        <p14:creationId xmlns:p14="http://schemas.microsoft.com/office/powerpoint/2010/main" val="4229771930"/>
       </p:ext>
     </p:extLst>
   </p:cSld>
   <p:clrMapOvr>
     <a:masterClrMapping/>
   </p:clrMapOvr>
+  <p:timing>
+    <p:tnLst>
+      <p:par>
+        <p:cTn id="1" dur="indefinite" restart="never" nodeType="tmRoot"/>
+      </p:par>
+    </p:tnLst>
+  </p:timing>
 </p:sld>
 </file>
 
@@ -13185,2002 +13052,6 @@
             <a:fld id="{422D536B-584E-486B-9435-086987A3D916}" type="slidenum">
               <a:rPr lang="pt-PT" smtClean="0"/>
               <a:t>24</a:t>
-            </a:fld>
-            <a:endParaRPr lang="pt-PT" dirty="0"/>
-          </a:p>
-        </p:txBody>
-      </p:sp>
-      <p:sp>
-        <p:nvSpPr>
-          <p:cNvPr id="6" name="Slide Number Placeholder 5"/>
-          <p:cNvSpPr txBox="1">
-            <a:spLocks/>
-          </p:cNvSpPr>
-          <p:nvPr/>
-        </p:nvSpPr>
-        <p:spPr>
-          <a:xfrm>
-            <a:off x="0" y="6464982"/>
-            <a:ext cx="475129" cy="365125"/>
-          </a:xfrm>
-          <a:prstGeom prst="rect">
-            <a:avLst/>
-          </a:prstGeom>
-        </p:spPr>
-        <p:txBody>
-          <a:bodyPr vert="horz" lIns="91440" tIns="45720" rIns="91440" bIns="45720" rtlCol="0" anchor="ctr"/>
-          <a:lstStyle>
-            <a:defPPr>
-              <a:defRPr lang="en-US"/>
-            </a:defPPr>
-            <a:lvl1pPr marL="0" algn="r" defTabSz="457200" rtl="0" eaLnBrk="1" latinLnBrk="0" hangingPunct="1">
-              <a:defRPr sz="1050" kern="1200">
-                <a:solidFill>
-                  <a:srgbClr val="FFFFFF"/>
-                </a:solidFill>
-                <a:latin typeface="+mn-lt"/>
-                <a:ea typeface="+mn-ea"/>
-                <a:cs typeface="+mn-cs"/>
-              </a:defRPr>
-            </a:lvl1pPr>
-            <a:lvl2pPr marL="457200" algn="l" defTabSz="457200" rtl="0" eaLnBrk="1" latinLnBrk="0" hangingPunct="1">
-              <a:defRPr sz="1800" kern="1200">
-                <a:solidFill>
-                  <a:schemeClr val="tx1"/>
-                </a:solidFill>
-                <a:latin typeface="+mn-lt"/>
-                <a:ea typeface="+mn-ea"/>
-                <a:cs typeface="+mn-cs"/>
-              </a:defRPr>
-            </a:lvl2pPr>
-            <a:lvl3pPr marL="914400" algn="l" defTabSz="457200" rtl="0" eaLnBrk="1" latinLnBrk="0" hangingPunct="1">
-              <a:defRPr sz="1800" kern="1200">
-                <a:solidFill>
-                  <a:schemeClr val="tx1"/>
-                </a:solidFill>
-                <a:latin typeface="+mn-lt"/>
-                <a:ea typeface="+mn-ea"/>
-                <a:cs typeface="+mn-cs"/>
-              </a:defRPr>
-            </a:lvl3pPr>
-            <a:lvl4pPr marL="1371600" algn="l" defTabSz="457200" rtl="0" eaLnBrk="1" latinLnBrk="0" hangingPunct="1">
-              <a:defRPr sz="1800" kern="1200">
-                <a:solidFill>
-                  <a:schemeClr val="tx1"/>
-                </a:solidFill>
-                <a:latin typeface="+mn-lt"/>
-                <a:ea typeface="+mn-ea"/>
-                <a:cs typeface="+mn-cs"/>
-              </a:defRPr>
-            </a:lvl4pPr>
-            <a:lvl5pPr marL="1828800" algn="l" defTabSz="457200" rtl="0" eaLnBrk="1" latinLnBrk="0" hangingPunct="1">
-              <a:defRPr sz="1800" kern="1200">
-                <a:solidFill>
-                  <a:schemeClr val="tx1"/>
-                </a:solidFill>
-                <a:latin typeface="+mn-lt"/>
-                <a:ea typeface="+mn-ea"/>
-                <a:cs typeface="+mn-cs"/>
-              </a:defRPr>
-            </a:lvl5pPr>
-            <a:lvl6pPr marL="2286000" algn="l" defTabSz="457200" rtl="0" eaLnBrk="1" latinLnBrk="0" hangingPunct="1">
-              <a:defRPr sz="1800" kern="1200">
-                <a:solidFill>
-                  <a:schemeClr val="tx1"/>
-                </a:solidFill>
-                <a:latin typeface="+mn-lt"/>
-                <a:ea typeface="+mn-ea"/>
-                <a:cs typeface="+mn-cs"/>
-              </a:defRPr>
-            </a:lvl6pPr>
-            <a:lvl7pPr marL="2743200" algn="l" defTabSz="457200" rtl="0" eaLnBrk="1" latinLnBrk="0" hangingPunct="1">
-              <a:defRPr sz="1800" kern="1200">
-                <a:solidFill>
-                  <a:schemeClr val="tx1"/>
-                </a:solidFill>
-                <a:latin typeface="+mn-lt"/>
-                <a:ea typeface="+mn-ea"/>
-                <a:cs typeface="+mn-cs"/>
-              </a:defRPr>
-            </a:lvl7pPr>
-            <a:lvl8pPr marL="3200400" algn="l" defTabSz="457200" rtl="0" eaLnBrk="1" latinLnBrk="0" hangingPunct="1">
-              <a:defRPr sz="1800" kern="1200">
-                <a:solidFill>
-                  <a:schemeClr val="tx1"/>
-                </a:solidFill>
-                <a:latin typeface="+mn-lt"/>
-                <a:ea typeface="+mn-ea"/>
-                <a:cs typeface="+mn-cs"/>
-              </a:defRPr>
-            </a:lvl8pPr>
-            <a:lvl9pPr marL="3657600" algn="l" defTabSz="457200" rtl="0" eaLnBrk="1" latinLnBrk="0" hangingPunct="1">
-              <a:defRPr sz="1800" kern="1200">
-                <a:solidFill>
-                  <a:schemeClr val="tx1"/>
-                </a:solidFill>
-                <a:latin typeface="+mn-lt"/>
-                <a:ea typeface="+mn-ea"/>
-                <a:cs typeface="+mn-cs"/>
-              </a:defRPr>
-            </a:lvl9pPr>
-          </a:lstStyle>
-          <a:p>
-            <a:r>
-              <a:rPr lang="pt-PT" dirty="0" smtClean="0"/>
-              <a:t>IPVC</a:t>
-            </a:r>
-            <a:endParaRPr lang="pt-PT" dirty="0"/>
-          </a:p>
-        </p:txBody>
-      </p:sp>
-      <p:pic>
-        <p:nvPicPr>
-          <p:cNvPr id="9" name="Picture 4"/>
-          <p:cNvPicPr>
-            <a:picLocks noChangeAspect="1"/>
-          </p:cNvPicPr>
-          <p:nvPr/>
-        </p:nvPicPr>
-        <p:blipFill>
-          <a:blip r:embed="rId2" cstate="print">
-            <a:extLst>
-              <a:ext uri="{28A0092B-C50C-407E-A947-70E740481C1C}">
-                <a14:useLocalDpi xmlns:a14="http://schemas.microsoft.com/office/drawing/2010/main" val="0"/>
-              </a:ext>
-            </a:extLst>
-          </a:blip>
-          <a:stretch>
-            <a:fillRect/>
-          </a:stretch>
-        </p:blipFill>
-        <p:spPr>
-          <a:xfrm>
-            <a:off x="10468855" y="300496"/>
-            <a:ext cx="1373649" cy="916911"/>
-          </a:xfrm>
-          <a:prstGeom prst="rect">
-            <a:avLst/>
-          </a:prstGeom>
-        </p:spPr>
-      </p:pic>
-      <p:sp>
-        <p:nvSpPr>
-          <p:cNvPr id="10" name="Slide Number Placeholder 5"/>
-          <p:cNvSpPr txBox="1">
-            <a:spLocks/>
-          </p:cNvSpPr>
-          <p:nvPr/>
-        </p:nvSpPr>
-        <p:spPr>
-          <a:xfrm>
-            <a:off x="3908571" y="6492875"/>
-            <a:ext cx="4435818" cy="365125"/>
-          </a:xfrm>
-          <a:prstGeom prst="rect">
-            <a:avLst/>
-          </a:prstGeom>
-        </p:spPr>
-        <p:txBody>
-          <a:bodyPr vert="horz" lIns="91440" tIns="45720" rIns="91440" bIns="45720" rtlCol="0" anchor="ctr"/>
-          <a:lstStyle>
-            <a:defPPr>
-              <a:defRPr lang="en-US"/>
-            </a:defPPr>
-            <a:lvl1pPr marL="0" algn="r" defTabSz="457200" rtl="0" eaLnBrk="1" latinLnBrk="0" hangingPunct="1">
-              <a:defRPr sz="1050" kern="1200">
-                <a:solidFill>
-                  <a:srgbClr val="FFFFFF"/>
-                </a:solidFill>
-                <a:latin typeface="+mn-lt"/>
-                <a:ea typeface="+mn-ea"/>
-                <a:cs typeface="+mn-cs"/>
-              </a:defRPr>
-            </a:lvl1pPr>
-            <a:lvl2pPr marL="457200" algn="l" defTabSz="457200" rtl="0" eaLnBrk="1" latinLnBrk="0" hangingPunct="1">
-              <a:defRPr sz="1800" kern="1200">
-                <a:solidFill>
-                  <a:schemeClr val="tx1"/>
-                </a:solidFill>
-                <a:latin typeface="+mn-lt"/>
-                <a:ea typeface="+mn-ea"/>
-                <a:cs typeface="+mn-cs"/>
-              </a:defRPr>
-            </a:lvl2pPr>
-            <a:lvl3pPr marL="914400" algn="l" defTabSz="457200" rtl="0" eaLnBrk="1" latinLnBrk="0" hangingPunct="1">
-              <a:defRPr sz="1800" kern="1200">
-                <a:solidFill>
-                  <a:schemeClr val="tx1"/>
-                </a:solidFill>
-                <a:latin typeface="+mn-lt"/>
-                <a:ea typeface="+mn-ea"/>
-                <a:cs typeface="+mn-cs"/>
-              </a:defRPr>
-            </a:lvl3pPr>
-            <a:lvl4pPr marL="1371600" algn="l" defTabSz="457200" rtl="0" eaLnBrk="1" latinLnBrk="0" hangingPunct="1">
-              <a:defRPr sz="1800" kern="1200">
-                <a:solidFill>
-                  <a:schemeClr val="tx1"/>
-                </a:solidFill>
-                <a:latin typeface="+mn-lt"/>
-                <a:ea typeface="+mn-ea"/>
-                <a:cs typeface="+mn-cs"/>
-              </a:defRPr>
-            </a:lvl4pPr>
-            <a:lvl5pPr marL="1828800" algn="l" defTabSz="457200" rtl="0" eaLnBrk="1" latinLnBrk="0" hangingPunct="1">
-              <a:defRPr sz="1800" kern="1200">
-                <a:solidFill>
-                  <a:schemeClr val="tx1"/>
-                </a:solidFill>
-                <a:latin typeface="+mn-lt"/>
-                <a:ea typeface="+mn-ea"/>
-                <a:cs typeface="+mn-cs"/>
-              </a:defRPr>
-            </a:lvl5pPr>
-            <a:lvl6pPr marL="2286000" algn="l" defTabSz="457200" rtl="0" eaLnBrk="1" latinLnBrk="0" hangingPunct="1">
-              <a:defRPr sz="1800" kern="1200">
-                <a:solidFill>
-                  <a:schemeClr val="tx1"/>
-                </a:solidFill>
-                <a:latin typeface="+mn-lt"/>
-                <a:ea typeface="+mn-ea"/>
-                <a:cs typeface="+mn-cs"/>
-              </a:defRPr>
-            </a:lvl6pPr>
-            <a:lvl7pPr marL="2743200" algn="l" defTabSz="457200" rtl="0" eaLnBrk="1" latinLnBrk="0" hangingPunct="1">
-              <a:defRPr sz="1800" kern="1200">
-                <a:solidFill>
-                  <a:schemeClr val="tx1"/>
-                </a:solidFill>
-                <a:latin typeface="+mn-lt"/>
-                <a:ea typeface="+mn-ea"/>
-                <a:cs typeface="+mn-cs"/>
-              </a:defRPr>
-            </a:lvl7pPr>
-            <a:lvl8pPr marL="3200400" algn="l" defTabSz="457200" rtl="0" eaLnBrk="1" latinLnBrk="0" hangingPunct="1">
-              <a:defRPr sz="1800" kern="1200">
-                <a:solidFill>
-                  <a:schemeClr val="tx1"/>
-                </a:solidFill>
-                <a:latin typeface="+mn-lt"/>
-                <a:ea typeface="+mn-ea"/>
-                <a:cs typeface="+mn-cs"/>
-              </a:defRPr>
-            </a:lvl8pPr>
-            <a:lvl9pPr marL="3657600" algn="l" defTabSz="457200" rtl="0" eaLnBrk="1" latinLnBrk="0" hangingPunct="1">
-              <a:defRPr sz="1800" kern="1200">
-                <a:solidFill>
-                  <a:schemeClr val="tx1"/>
-                </a:solidFill>
-                <a:latin typeface="+mn-lt"/>
-                <a:ea typeface="+mn-ea"/>
-                <a:cs typeface="+mn-cs"/>
-              </a:defRPr>
-            </a:lvl9pPr>
-          </a:lstStyle>
-          <a:p>
-            <a:pPr algn="ctr"/>
-            <a:r>
-              <a:rPr lang="pt-PT" sz="1600" b="1" dirty="0" smtClean="0"/>
-              <a:t>IHM </a:t>
-            </a:r>
-            <a:r>
-              <a:rPr lang="pt-PT" sz="1600" b="1" dirty="0" smtClean="0"/>
-              <a:t>para Fabrico Aditivo – </a:t>
-            </a:r>
-            <a:r>
-              <a:rPr lang="pt-PT" sz="1600" b="1" dirty="0" smtClean="0"/>
-              <a:t>Sistema Desenvolvido</a:t>
-            </a:r>
-            <a:endParaRPr lang="pt-PT" sz="1600" b="1" dirty="0"/>
-          </a:p>
-        </p:txBody>
-      </p:sp>
-      <p:sp>
-        <p:nvSpPr>
-          <p:cNvPr id="8" name="TextBox 6"/>
-          <p:cNvSpPr txBox="1"/>
-          <p:nvPr/>
-        </p:nvSpPr>
-        <p:spPr>
-          <a:xfrm>
-            <a:off x="252980" y="300496"/>
-            <a:ext cx="11747000" cy="4524315"/>
-          </a:xfrm>
-          <a:prstGeom prst="rect">
-            <a:avLst/>
-          </a:prstGeom>
-          <a:noFill/>
-        </p:spPr>
-        <p:txBody>
-          <a:bodyPr wrap="square" rtlCol="0">
-            <a:spAutoFit/>
-          </a:bodyPr>
-          <a:lstStyle/>
-          <a:p>
-            <a:pPr marL="342900" indent="-342900">
-              <a:buFont typeface="Arial" panose="020B0604020202020204" pitchFamily="34" charset="0"/>
-              <a:buChar char="•"/>
-            </a:pPr>
-            <a:endParaRPr lang="pt-PT" sz="2400" dirty="0" smtClean="0"/>
-          </a:p>
-          <a:p>
-            <a:pPr marL="342900" indent="-342900">
-              <a:buFont typeface="Arial" panose="020B0604020202020204" pitchFamily="34" charset="0"/>
-              <a:buChar char="•"/>
-            </a:pPr>
-            <a:r>
-              <a:rPr lang="pt-PT" sz="2400" dirty="0" smtClean="0"/>
-              <a:t>HMI Web-</a:t>
-            </a:r>
-            <a:r>
-              <a:rPr lang="pt-PT" sz="2400" dirty="0" err="1" smtClean="0"/>
-              <a:t>Based</a:t>
-            </a:r>
-            <a:endParaRPr lang="pt-PT" sz="2400" dirty="0" smtClean="0"/>
-          </a:p>
-          <a:p>
-            <a:pPr marL="342900" indent="-342900">
-              <a:buFont typeface="Arial" panose="020B0604020202020204" pitchFamily="34" charset="0"/>
-              <a:buChar char="•"/>
-            </a:pPr>
-            <a:endParaRPr lang="pt-PT" sz="2400" dirty="0" smtClean="0"/>
-          </a:p>
-          <a:p>
-            <a:pPr marL="342900" indent="-342900">
-              <a:buFont typeface="Arial" panose="020B0604020202020204" pitchFamily="34" charset="0"/>
-              <a:buChar char="•"/>
-            </a:pPr>
-            <a:r>
-              <a:rPr lang="pt-PT" sz="2400" dirty="0" smtClean="0"/>
-              <a:t>Monitorizar e Controlar equipamento de Fabrico Aditivo</a:t>
-            </a:r>
-          </a:p>
-          <a:p>
-            <a:pPr marL="342900" indent="-342900">
-              <a:buFont typeface="Arial" panose="020B0604020202020204" pitchFamily="34" charset="0"/>
-              <a:buChar char="•"/>
-            </a:pPr>
-            <a:endParaRPr lang="pt-PT" sz="2400" dirty="0"/>
-          </a:p>
-          <a:p>
-            <a:pPr marL="342900" indent="-342900">
-              <a:buFont typeface="Arial" panose="020B0604020202020204" pitchFamily="34" charset="0"/>
-              <a:buChar char="•"/>
-            </a:pPr>
-            <a:r>
-              <a:rPr lang="pt-PT" sz="2400" dirty="0" smtClean="0"/>
-              <a:t>Arquitetura:</a:t>
-            </a:r>
-            <a:endParaRPr lang="pt-PT" sz="2400" dirty="0" smtClean="0"/>
-          </a:p>
-          <a:p>
-            <a:endParaRPr lang="pt-PT" sz="2400" dirty="0" smtClean="0"/>
-          </a:p>
-          <a:p>
-            <a:endParaRPr lang="pt-PT" sz="2400" dirty="0"/>
-          </a:p>
-          <a:p>
-            <a:pPr marL="342900" indent="-342900">
-              <a:buFont typeface="Arial" panose="020B0604020202020204" pitchFamily="34" charset="0"/>
-              <a:buChar char="•"/>
-            </a:pPr>
-            <a:endParaRPr lang="pt-PT" sz="2400" dirty="0" smtClean="0"/>
-          </a:p>
-          <a:p>
-            <a:pPr marL="342900" indent="-342900">
-              <a:buFont typeface="Arial" panose="020B0604020202020204" pitchFamily="34" charset="0"/>
-              <a:buChar char="•"/>
-            </a:pPr>
-            <a:endParaRPr lang="pt-PT" sz="2400" dirty="0" smtClean="0"/>
-          </a:p>
-          <a:p>
-            <a:endParaRPr lang="pt-PT" sz="2400" dirty="0" smtClean="0"/>
-          </a:p>
-          <a:p>
-            <a:pPr marL="342900" indent="-342900">
-              <a:buFont typeface="Arial" panose="020B0604020202020204" pitchFamily="34" charset="0"/>
-              <a:buChar char="•"/>
-            </a:pPr>
-            <a:endParaRPr lang="pt-PT" sz="2400" dirty="0" smtClean="0"/>
-          </a:p>
-        </p:txBody>
-      </p:sp>
-      <p:pic>
-        <p:nvPicPr>
-          <p:cNvPr id="11" name="Picture 19"/>
-          <p:cNvPicPr/>
-          <p:nvPr/>
-        </p:nvPicPr>
-        <p:blipFill>
-          <a:blip r:embed="rId3">
-            <a:extLst>
-              <a:ext uri="{28A0092B-C50C-407E-A947-70E740481C1C}">
-                <a14:useLocalDpi xmlns:a14="http://schemas.microsoft.com/office/drawing/2010/main" val="0"/>
-              </a:ext>
-            </a:extLst>
-          </a:blip>
-          <a:stretch>
-            <a:fillRect/>
-          </a:stretch>
-        </p:blipFill>
-        <p:spPr>
-          <a:xfrm>
-            <a:off x="2387687" y="1849491"/>
-            <a:ext cx="9247265" cy="4330591"/>
-          </a:xfrm>
-          <a:prstGeom prst="rect">
-            <a:avLst/>
-          </a:prstGeom>
-        </p:spPr>
-      </p:pic>
-    </p:spTree>
-    <p:extLst>
-      <p:ext uri="{BB962C8B-B14F-4D97-AF65-F5344CB8AC3E}">
-        <p14:creationId xmlns:p14="http://schemas.microsoft.com/office/powerpoint/2010/main" val="1300417560"/>
-      </p:ext>
-    </p:extLst>
-  </p:cSld>
-  <p:clrMapOvr>
-    <a:masterClrMapping/>
-  </p:clrMapOvr>
-</p:sld>
-</file>
-
-<file path=ppt/slides/slide25.xml><?xml version="1.0" encoding="utf-8"?>
-<p:sld xmlns:a="http://schemas.openxmlformats.org/drawingml/2006/main" xmlns:r="http://schemas.openxmlformats.org/officeDocument/2006/relationships" xmlns:p="http://schemas.openxmlformats.org/presentationml/2006/main">
-  <p:cSld>
-    <p:spTree>
-      <p:nvGrpSpPr>
-        <p:cNvPr id="1" name=""/>
-        <p:cNvGrpSpPr/>
-        <p:nvPr/>
-      </p:nvGrpSpPr>
-      <p:grpSpPr>
-        <a:xfrm>
-          <a:off x="0" y="0"/>
-          <a:ext cx="0" cy="0"/>
-          <a:chOff x="0" y="0"/>
-          <a:chExt cx="0" cy="0"/>
-        </a:xfrm>
-      </p:grpSpPr>
-      <p:sp>
-        <p:nvSpPr>
-          <p:cNvPr id="2" name="Slide Number Placeholder 1"/>
-          <p:cNvSpPr>
-            <a:spLocks noGrp="1"/>
-          </p:cNvSpPr>
-          <p:nvPr>
-            <p:ph type="sldNum" sz="quarter" idx="12"/>
-          </p:nvPr>
-        </p:nvSpPr>
-        <p:spPr/>
-        <p:txBody>
-          <a:bodyPr/>
-          <a:lstStyle/>
-          <a:p>
-            <a:fld id="{422D536B-584E-486B-9435-086987A3D916}" type="slidenum">
-              <a:rPr lang="pt-PT" smtClean="0"/>
-              <a:t>25</a:t>
-            </a:fld>
-            <a:endParaRPr lang="pt-PT" dirty="0"/>
-          </a:p>
-        </p:txBody>
-      </p:sp>
-      <p:sp>
-        <p:nvSpPr>
-          <p:cNvPr id="6" name="Slide Number Placeholder 5"/>
-          <p:cNvSpPr txBox="1">
-            <a:spLocks/>
-          </p:cNvSpPr>
-          <p:nvPr/>
-        </p:nvSpPr>
-        <p:spPr>
-          <a:xfrm>
-            <a:off x="0" y="6464982"/>
-            <a:ext cx="475129" cy="365125"/>
-          </a:xfrm>
-          <a:prstGeom prst="rect">
-            <a:avLst/>
-          </a:prstGeom>
-        </p:spPr>
-        <p:txBody>
-          <a:bodyPr vert="horz" lIns="91440" tIns="45720" rIns="91440" bIns="45720" rtlCol="0" anchor="ctr"/>
-          <a:lstStyle>
-            <a:defPPr>
-              <a:defRPr lang="en-US"/>
-            </a:defPPr>
-            <a:lvl1pPr marL="0" algn="r" defTabSz="457200" rtl="0" eaLnBrk="1" latinLnBrk="0" hangingPunct="1">
-              <a:defRPr sz="1050" kern="1200">
-                <a:solidFill>
-                  <a:srgbClr val="FFFFFF"/>
-                </a:solidFill>
-                <a:latin typeface="+mn-lt"/>
-                <a:ea typeface="+mn-ea"/>
-                <a:cs typeface="+mn-cs"/>
-              </a:defRPr>
-            </a:lvl1pPr>
-            <a:lvl2pPr marL="457200" algn="l" defTabSz="457200" rtl="0" eaLnBrk="1" latinLnBrk="0" hangingPunct="1">
-              <a:defRPr sz="1800" kern="1200">
-                <a:solidFill>
-                  <a:schemeClr val="tx1"/>
-                </a:solidFill>
-                <a:latin typeface="+mn-lt"/>
-                <a:ea typeface="+mn-ea"/>
-                <a:cs typeface="+mn-cs"/>
-              </a:defRPr>
-            </a:lvl2pPr>
-            <a:lvl3pPr marL="914400" algn="l" defTabSz="457200" rtl="0" eaLnBrk="1" latinLnBrk="0" hangingPunct="1">
-              <a:defRPr sz="1800" kern="1200">
-                <a:solidFill>
-                  <a:schemeClr val="tx1"/>
-                </a:solidFill>
-                <a:latin typeface="+mn-lt"/>
-                <a:ea typeface="+mn-ea"/>
-                <a:cs typeface="+mn-cs"/>
-              </a:defRPr>
-            </a:lvl3pPr>
-            <a:lvl4pPr marL="1371600" algn="l" defTabSz="457200" rtl="0" eaLnBrk="1" latinLnBrk="0" hangingPunct="1">
-              <a:defRPr sz="1800" kern="1200">
-                <a:solidFill>
-                  <a:schemeClr val="tx1"/>
-                </a:solidFill>
-                <a:latin typeface="+mn-lt"/>
-                <a:ea typeface="+mn-ea"/>
-                <a:cs typeface="+mn-cs"/>
-              </a:defRPr>
-            </a:lvl4pPr>
-            <a:lvl5pPr marL="1828800" algn="l" defTabSz="457200" rtl="0" eaLnBrk="1" latinLnBrk="0" hangingPunct="1">
-              <a:defRPr sz="1800" kern="1200">
-                <a:solidFill>
-                  <a:schemeClr val="tx1"/>
-                </a:solidFill>
-                <a:latin typeface="+mn-lt"/>
-                <a:ea typeface="+mn-ea"/>
-                <a:cs typeface="+mn-cs"/>
-              </a:defRPr>
-            </a:lvl5pPr>
-            <a:lvl6pPr marL="2286000" algn="l" defTabSz="457200" rtl="0" eaLnBrk="1" latinLnBrk="0" hangingPunct="1">
-              <a:defRPr sz="1800" kern="1200">
-                <a:solidFill>
-                  <a:schemeClr val="tx1"/>
-                </a:solidFill>
-                <a:latin typeface="+mn-lt"/>
-                <a:ea typeface="+mn-ea"/>
-                <a:cs typeface="+mn-cs"/>
-              </a:defRPr>
-            </a:lvl6pPr>
-            <a:lvl7pPr marL="2743200" algn="l" defTabSz="457200" rtl="0" eaLnBrk="1" latinLnBrk="0" hangingPunct="1">
-              <a:defRPr sz="1800" kern="1200">
-                <a:solidFill>
-                  <a:schemeClr val="tx1"/>
-                </a:solidFill>
-                <a:latin typeface="+mn-lt"/>
-                <a:ea typeface="+mn-ea"/>
-                <a:cs typeface="+mn-cs"/>
-              </a:defRPr>
-            </a:lvl7pPr>
-            <a:lvl8pPr marL="3200400" algn="l" defTabSz="457200" rtl="0" eaLnBrk="1" latinLnBrk="0" hangingPunct="1">
-              <a:defRPr sz="1800" kern="1200">
-                <a:solidFill>
-                  <a:schemeClr val="tx1"/>
-                </a:solidFill>
-                <a:latin typeface="+mn-lt"/>
-                <a:ea typeface="+mn-ea"/>
-                <a:cs typeface="+mn-cs"/>
-              </a:defRPr>
-            </a:lvl8pPr>
-            <a:lvl9pPr marL="3657600" algn="l" defTabSz="457200" rtl="0" eaLnBrk="1" latinLnBrk="0" hangingPunct="1">
-              <a:defRPr sz="1800" kern="1200">
-                <a:solidFill>
-                  <a:schemeClr val="tx1"/>
-                </a:solidFill>
-                <a:latin typeface="+mn-lt"/>
-                <a:ea typeface="+mn-ea"/>
-                <a:cs typeface="+mn-cs"/>
-              </a:defRPr>
-            </a:lvl9pPr>
-          </a:lstStyle>
-          <a:p>
-            <a:r>
-              <a:rPr lang="pt-PT" dirty="0" smtClean="0"/>
-              <a:t>IPVC</a:t>
-            </a:r>
-            <a:endParaRPr lang="pt-PT" dirty="0"/>
-          </a:p>
-        </p:txBody>
-      </p:sp>
-      <p:pic>
-        <p:nvPicPr>
-          <p:cNvPr id="9" name="Picture 4"/>
-          <p:cNvPicPr>
-            <a:picLocks noChangeAspect="1"/>
-          </p:cNvPicPr>
-          <p:nvPr/>
-        </p:nvPicPr>
-        <p:blipFill>
-          <a:blip r:embed="rId2" cstate="print">
-            <a:extLst>
-              <a:ext uri="{28A0092B-C50C-407E-A947-70E740481C1C}">
-                <a14:useLocalDpi xmlns:a14="http://schemas.microsoft.com/office/drawing/2010/main" val="0"/>
-              </a:ext>
-            </a:extLst>
-          </a:blip>
-          <a:stretch>
-            <a:fillRect/>
-          </a:stretch>
-        </p:blipFill>
-        <p:spPr>
-          <a:xfrm>
-            <a:off x="10468855" y="300496"/>
-            <a:ext cx="1373649" cy="916911"/>
-          </a:xfrm>
-          <a:prstGeom prst="rect">
-            <a:avLst/>
-          </a:prstGeom>
-        </p:spPr>
-      </p:pic>
-      <p:sp>
-        <p:nvSpPr>
-          <p:cNvPr id="10" name="Slide Number Placeholder 5"/>
-          <p:cNvSpPr txBox="1">
-            <a:spLocks/>
-          </p:cNvSpPr>
-          <p:nvPr/>
-        </p:nvSpPr>
-        <p:spPr>
-          <a:xfrm>
-            <a:off x="3908571" y="6492875"/>
-            <a:ext cx="4435818" cy="365125"/>
-          </a:xfrm>
-          <a:prstGeom prst="rect">
-            <a:avLst/>
-          </a:prstGeom>
-        </p:spPr>
-        <p:txBody>
-          <a:bodyPr vert="horz" lIns="91440" tIns="45720" rIns="91440" bIns="45720" rtlCol="0" anchor="ctr"/>
-          <a:lstStyle>
-            <a:defPPr>
-              <a:defRPr lang="en-US"/>
-            </a:defPPr>
-            <a:lvl1pPr marL="0" algn="r" defTabSz="457200" rtl="0" eaLnBrk="1" latinLnBrk="0" hangingPunct="1">
-              <a:defRPr sz="1050" kern="1200">
-                <a:solidFill>
-                  <a:srgbClr val="FFFFFF"/>
-                </a:solidFill>
-                <a:latin typeface="+mn-lt"/>
-                <a:ea typeface="+mn-ea"/>
-                <a:cs typeface="+mn-cs"/>
-              </a:defRPr>
-            </a:lvl1pPr>
-            <a:lvl2pPr marL="457200" algn="l" defTabSz="457200" rtl="0" eaLnBrk="1" latinLnBrk="0" hangingPunct="1">
-              <a:defRPr sz="1800" kern="1200">
-                <a:solidFill>
-                  <a:schemeClr val="tx1"/>
-                </a:solidFill>
-                <a:latin typeface="+mn-lt"/>
-                <a:ea typeface="+mn-ea"/>
-                <a:cs typeface="+mn-cs"/>
-              </a:defRPr>
-            </a:lvl2pPr>
-            <a:lvl3pPr marL="914400" algn="l" defTabSz="457200" rtl="0" eaLnBrk="1" latinLnBrk="0" hangingPunct="1">
-              <a:defRPr sz="1800" kern="1200">
-                <a:solidFill>
-                  <a:schemeClr val="tx1"/>
-                </a:solidFill>
-                <a:latin typeface="+mn-lt"/>
-                <a:ea typeface="+mn-ea"/>
-                <a:cs typeface="+mn-cs"/>
-              </a:defRPr>
-            </a:lvl3pPr>
-            <a:lvl4pPr marL="1371600" algn="l" defTabSz="457200" rtl="0" eaLnBrk="1" latinLnBrk="0" hangingPunct="1">
-              <a:defRPr sz="1800" kern="1200">
-                <a:solidFill>
-                  <a:schemeClr val="tx1"/>
-                </a:solidFill>
-                <a:latin typeface="+mn-lt"/>
-                <a:ea typeface="+mn-ea"/>
-                <a:cs typeface="+mn-cs"/>
-              </a:defRPr>
-            </a:lvl4pPr>
-            <a:lvl5pPr marL="1828800" algn="l" defTabSz="457200" rtl="0" eaLnBrk="1" latinLnBrk="0" hangingPunct="1">
-              <a:defRPr sz="1800" kern="1200">
-                <a:solidFill>
-                  <a:schemeClr val="tx1"/>
-                </a:solidFill>
-                <a:latin typeface="+mn-lt"/>
-                <a:ea typeface="+mn-ea"/>
-                <a:cs typeface="+mn-cs"/>
-              </a:defRPr>
-            </a:lvl5pPr>
-            <a:lvl6pPr marL="2286000" algn="l" defTabSz="457200" rtl="0" eaLnBrk="1" latinLnBrk="0" hangingPunct="1">
-              <a:defRPr sz="1800" kern="1200">
-                <a:solidFill>
-                  <a:schemeClr val="tx1"/>
-                </a:solidFill>
-                <a:latin typeface="+mn-lt"/>
-                <a:ea typeface="+mn-ea"/>
-                <a:cs typeface="+mn-cs"/>
-              </a:defRPr>
-            </a:lvl6pPr>
-            <a:lvl7pPr marL="2743200" algn="l" defTabSz="457200" rtl="0" eaLnBrk="1" latinLnBrk="0" hangingPunct="1">
-              <a:defRPr sz="1800" kern="1200">
-                <a:solidFill>
-                  <a:schemeClr val="tx1"/>
-                </a:solidFill>
-                <a:latin typeface="+mn-lt"/>
-                <a:ea typeface="+mn-ea"/>
-                <a:cs typeface="+mn-cs"/>
-              </a:defRPr>
-            </a:lvl7pPr>
-            <a:lvl8pPr marL="3200400" algn="l" defTabSz="457200" rtl="0" eaLnBrk="1" latinLnBrk="0" hangingPunct="1">
-              <a:defRPr sz="1800" kern="1200">
-                <a:solidFill>
-                  <a:schemeClr val="tx1"/>
-                </a:solidFill>
-                <a:latin typeface="+mn-lt"/>
-                <a:ea typeface="+mn-ea"/>
-                <a:cs typeface="+mn-cs"/>
-              </a:defRPr>
-            </a:lvl8pPr>
-            <a:lvl9pPr marL="3657600" algn="l" defTabSz="457200" rtl="0" eaLnBrk="1" latinLnBrk="0" hangingPunct="1">
-              <a:defRPr sz="1800" kern="1200">
-                <a:solidFill>
-                  <a:schemeClr val="tx1"/>
-                </a:solidFill>
-                <a:latin typeface="+mn-lt"/>
-                <a:ea typeface="+mn-ea"/>
-                <a:cs typeface="+mn-cs"/>
-              </a:defRPr>
-            </a:lvl9pPr>
-          </a:lstStyle>
-          <a:p>
-            <a:pPr algn="ctr"/>
-            <a:r>
-              <a:rPr lang="pt-PT" sz="1600" b="1" dirty="0" smtClean="0"/>
-              <a:t>IHM </a:t>
-            </a:r>
-            <a:r>
-              <a:rPr lang="pt-PT" sz="1600" b="1" dirty="0" smtClean="0"/>
-              <a:t>para Fabrico Aditivo – </a:t>
-            </a:r>
-            <a:r>
-              <a:rPr lang="pt-PT" sz="1600" b="1" dirty="0" smtClean="0"/>
-              <a:t>Sistema Desenvolvido</a:t>
-            </a:r>
-            <a:endParaRPr lang="pt-PT" sz="1600" b="1" dirty="0"/>
-          </a:p>
-        </p:txBody>
-      </p:sp>
-      <p:sp>
-        <p:nvSpPr>
-          <p:cNvPr id="8" name="TextBox 6"/>
-          <p:cNvSpPr txBox="1"/>
-          <p:nvPr/>
-        </p:nvSpPr>
-        <p:spPr>
-          <a:xfrm>
-            <a:off x="252980" y="300496"/>
-            <a:ext cx="11747000" cy="7478970"/>
-          </a:xfrm>
-          <a:prstGeom prst="rect">
-            <a:avLst/>
-          </a:prstGeom>
-          <a:noFill/>
-        </p:spPr>
-        <p:txBody>
-          <a:bodyPr wrap="square" rtlCol="0">
-            <a:spAutoFit/>
-          </a:bodyPr>
-          <a:lstStyle/>
-          <a:p>
-            <a:pPr marL="342900" indent="-342900">
-              <a:buFont typeface="Arial" panose="020B0604020202020204" pitchFamily="34" charset="0"/>
-              <a:buChar char="•"/>
-            </a:pPr>
-            <a:endParaRPr lang="pt-PT" sz="2400" dirty="0" smtClean="0"/>
-          </a:p>
-          <a:p>
-            <a:pPr marL="342900" indent="-342900">
-              <a:buFont typeface="Arial" panose="020B0604020202020204" pitchFamily="34" charset="0"/>
-              <a:buChar char="•"/>
-            </a:pPr>
-            <a:r>
-              <a:rPr lang="pt-PT" sz="2400" dirty="0" smtClean="0"/>
-              <a:t>1ª versão desenvolvida valida a arquitetura e as tecnologias utili</a:t>
-            </a:r>
-            <a:r>
-              <a:rPr lang="pt-PT" sz="2400" dirty="0"/>
-              <a:t>z</a:t>
-            </a:r>
-            <a:r>
-              <a:rPr lang="pt-PT" sz="2400" dirty="0" smtClean="0"/>
-              <a:t>adas</a:t>
-            </a:r>
-            <a:endParaRPr lang="pt-PT" sz="2400" dirty="0"/>
-          </a:p>
-          <a:p>
-            <a:endParaRPr lang="pt-PT" sz="2400" b="1" u="sng" dirty="0"/>
-          </a:p>
-          <a:p>
-            <a:r>
-              <a:rPr lang="pt-PT" sz="2400" b="1" u="sng" dirty="0" smtClean="0"/>
-              <a:t>Funcionalidades</a:t>
-            </a:r>
-          </a:p>
-          <a:p>
-            <a:pPr marL="342900" indent="-342900">
-              <a:buFont typeface="Arial" panose="020B0604020202020204" pitchFamily="34" charset="0"/>
-              <a:buChar char="•"/>
-            </a:pPr>
-            <a:endParaRPr lang="pt-PT" sz="2400" dirty="0" smtClean="0"/>
-          </a:p>
-          <a:p>
-            <a:pPr marL="342900" indent="-342900">
-              <a:buFont typeface="Arial" panose="020B0604020202020204" pitchFamily="34" charset="0"/>
-              <a:buChar char="•"/>
-            </a:pPr>
-            <a:r>
-              <a:rPr lang="pt-PT" sz="2400" dirty="0" smtClean="0"/>
-              <a:t>Controlo básico do equipamento: ligar, desligar, pausar, parar, monitorizar eixos e estado geral do equipamento</a:t>
-            </a:r>
-          </a:p>
-          <a:p>
-            <a:pPr marL="342900" indent="-342900">
-              <a:buFont typeface="Arial" panose="020B0604020202020204" pitchFamily="34" charset="0"/>
-              <a:buChar char="•"/>
-            </a:pPr>
-            <a:r>
-              <a:rPr lang="pt-PT" sz="2400" dirty="0" smtClean="0"/>
-              <a:t>Modos de Operação: manual e automático</a:t>
-            </a:r>
-          </a:p>
-          <a:p>
-            <a:pPr marL="342900" indent="-342900">
-              <a:buFont typeface="Arial" panose="020B0604020202020204" pitchFamily="34" charset="0"/>
-              <a:buChar char="•"/>
-            </a:pPr>
-            <a:r>
-              <a:rPr lang="pt-PT" sz="2400" dirty="0" smtClean="0"/>
-              <a:t>Monitorização de parâmetros em tempo real</a:t>
-            </a:r>
-          </a:p>
-          <a:p>
-            <a:pPr marL="342900" indent="-342900">
-              <a:buFont typeface="Arial" panose="020B0604020202020204" pitchFamily="34" charset="0"/>
-              <a:buChar char="•"/>
-            </a:pPr>
-            <a:r>
-              <a:rPr lang="pt-PT" sz="2400" dirty="0" smtClean="0"/>
-              <a:t>Monitorização do progresso da impressão</a:t>
-            </a:r>
-          </a:p>
-          <a:p>
-            <a:pPr marL="342900" indent="-342900">
-              <a:buFont typeface="Arial" panose="020B0604020202020204" pitchFamily="34" charset="0"/>
-              <a:buChar char="•"/>
-            </a:pPr>
-            <a:r>
-              <a:rPr lang="pt-PT" sz="2400" dirty="0" smtClean="0"/>
-              <a:t>Importar remotamente e executar </a:t>
-            </a:r>
-            <a:r>
-              <a:rPr lang="pt-PT" sz="2400" dirty="0" err="1" smtClean="0"/>
-              <a:t>Gcode</a:t>
-            </a:r>
-            <a:endParaRPr lang="pt-PT" sz="2400" dirty="0" smtClean="0"/>
-          </a:p>
-          <a:p>
-            <a:pPr marL="342900" indent="-342900">
-              <a:buFont typeface="Arial" panose="020B0604020202020204" pitchFamily="34" charset="0"/>
-              <a:buChar char="•"/>
-            </a:pPr>
-            <a:r>
-              <a:rPr lang="pt-PT" sz="2400" dirty="0" smtClean="0"/>
-              <a:t>Visualizar </a:t>
-            </a:r>
-            <a:r>
-              <a:rPr lang="pt-PT" sz="2400" dirty="0" err="1" smtClean="0"/>
-              <a:t>Gcode</a:t>
-            </a:r>
-            <a:r>
-              <a:rPr lang="pt-PT" sz="2400" dirty="0" smtClean="0"/>
-              <a:t> a ser executado em tempo real</a:t>
-            </a:r>
-          </a:p>
-          <a:p>
-            <a:pPr marL="342900" indent="-342900">
-              <a:buFont typeface="Arial" panose="020B0604020202020204" pitchFamily="34" charset="0"/>
-              <a:buChar char="•"/>
-            </a:pPr>
-            <a:r>
-              <a:rPr lang="pt-PT" sz="2400" dirty="0" smtClean="0"/>
-              <a:t>Visualizar a peça em 2D e 3D através do </a:t>
-            </a:r>
-            <a:r>
-              <a:rPr lang="pt-PT" sz="2400" dirty="0" err="1" smtClean="0"/>
-              <a:t>Gcode</a:t>
-            </a:r>
-            <a:endParaRPr lang="pt-PT" sz="2400" dirty="0" smtClean="0"/>
-          </a:p>
-          <a:p>
-            <a:endParaRPr lang="pt-PT" sz="2400" dirty="0" smtClean="0"/>
-          </a:p>
-          <a:p>
-            <a:endParaRPr lang="pt-PT" sz="2400" dirty="0" smtClean="0"/>
-          </a:p>
-          <a:p>
-            <a:endParaRPr lang="pt-PT" sz="2400" dirty="0"/>
-          </a:p>
-          <a:p>
-            <a:pPr marL="342900" indent="-342900">
-              <a:buFont typeface="Arial" panose="020B0604020202020204" pitchFamily="34" charset="0"/>
-              <a:buChar char="•"/>
-            </a:pPr>
-            <a:endParaRPr lang="pt-PT" sz="2400" dirty="0" smtClean="0"/>
-          </a:p>
-          <a:p>
-            <a:pPr marL="342900" indent="-342900">
-              <a:buFont typeface="Arial" panose="020B0604020202020204" pitchFamily="34" charset="0"/>
-              <a:buChar char="•"/>
-            </a:pPr>
-            <a:endParaRPr lang="pt-PT" sz="2400" dirty="0" smtClean="0"/>
-          </a:p>
-          <a:p>
-            <a:endParaRPr lang="pt-PT" sz="2400" dirty="0" smtClean="0"/>
-          </a:p>
-          <a:p>
-            <a:pPr marL="342900" indent="-342900">
-              <a:buFont typeface="Arial" panose="020B0604020202020204" pitchFamily="34" charset="0"/>
-              <a:buChar char="•"/>
-            </a:pPr>
-            <a:endParaRPr lang="pt-PT" sz="2400" dirty="0" smtClean="0"/>
-          </a:p>
-        </p:txBody>
-      </p:sp>
-    </p:spTree>
-    <p:extLst>
-      <p:ext uri="{BB962C8B-B14F-4D97-AF65-F5344CB8AC3E}">
-        <p14:creationId xmlns:p14="http://schemas.microsoft.com/office/powerpoint/2010/main" val="1686037235"/>
-      </p:ext>
-    </p:extLst>
-  </p:cSld>
-  <p:clrMapOvr>
-    <a:masterClrMapping/>
-  </p:clrMapOvr>
-</p:sld>
-</file>
-
-<file path=ppt/slides/slide26.xml><?xml version="1.0" encoding="utf-8"?>
-<p:sld xmlns:a="http://schemas.openxmlformats.org/drawingml/2006/main" xmlns:r="http://schemas.openxmlformats.org/officeDocument/2006/relationships" xmlns:p="http://schemas.openxmlformats.org/presentationml/2006/main">
-  <p:cSld>
-    <p:spTree>
-      <p:nvGrpSpPr>
-        <p:cNvPr id="1" name=""/>
-        <p:cNvGrpSpPr/>
-        <p:nvPr/>
-      </p:nvGrpSpPr>
-      <p:grpSpPr>
-        <a:xfrm>
-          <a:off x="0" y="0"/>
-          <a:ext cx="0" cy="0"/>
-          <a:chOff x="0" y="0"/>
-          <a:chExt cx="0" cy="0"/>
-        </a:xfrm>
-      </p:grpSpPr>
-      <p:sp>
-        <p:nvSpPr>
-          <p:cNvPr id="7" name="TextBox 6"/>
-          <p:cNvSpPr txBox="1"/>
-          <p:nvPr/>
-        </p:nvSpPr>
-        <p:spPr>
-          <a:xfrm>
-            <a:off x="0" y="134494"/>
-            <a:ext cx="12192000" cy="8956298"/>
-          </a:xfrm>
-          <a:prstGeom prst="rect">
-            <a:avLst/>
-          </a:prstGeom>
-          <a:noFill/>
-        </p:spPr>
-        <p:txBody>
-          <a:bodyPr wrap="square" rtlCol="0">
-            <a:spAutoFit/>
-          </a:bodyPr>
-          <a:lstStyle/>
-          <a:p>
-            <a:pPr algn="ctr"/>
-            <a:endParaRPr lang="pt-PT" sz="3600" b="1" dirty="0" smtClean="0"/>
-          </a:p>
-          <a:p>
-            <a:pPr algn="ctr"/>
-            <a:endParaRPr lang="pt-PT" sz="3600" b="1" dirty="0"/>
-          </a:p>
-          <a:p>
-            <a:pPr algn="ctr"/>
-            <a:endParaRPr lang="pt-PT" sz="4800" b="1" dirty="0" smtClean="0"/>
-          </a:p>
-          <a:p>
-            <a:pPr algn="ctr"/>
-            <a:endParaRPr lang="pt-PT" sz="4800" b="1" dirty="0" smtClean="0"/>
-          </a:p>
-          <a:p>
-            <a:pPr algn="ctr"/>
-            <a:r>
-              <a:rPr lang="pt-PT" sz="4800" b="1" dirty="0" smtClean="0"/>
-              <a:t>Vídeo</a:t>
-            </a:r>
-            <a:endParaRPr lang="pt-PT" sz="4800" b="1" dirty="0" smtClean="0"/>
-          </a:p>
-          <a:p>
-            <a:pPr marL="342900" indent="-342900" algn="ctr">
-              <a:buFont typeface="Arial" panose="020B0604020202020204" pitchFamily="34" charset="0"/>
-              <a:buChar char="•"/>
-            </a:pPr>
-            <a:endParaRPr lang="pt-PT" sz="2400" dirty="0" smtClean="0"/>
-          </a:p>
-          <a:p>
-            <a:pPr marL="342900" indent="-342900" algn="ctr">
-              <a:buFont typeface="Arial" panose="020B0604020202020204" pitchFamily="34" charset="0"/>
-              <a:buChar char="•"/>
-            </a:pPr>
-            <a:endParaRPr lang="pt-PT" sz="2400" dirty="0"/>
-          </a:p>
-          <a:p>
-            <a:pPr marL="342900" indent="-342900" algn="ctr">
-              <a:buFont typeface="Arial" panose="020B0604020202020204" pitchFamily="34" charset="0"/>
-              <a:buChar char="•"/>
-            </a:pPr>
-            <a:endParaRPr lang="pt-PT" sz="2400" dirty="0" smtClean="0"/>
-          </a:p>
-          <a:p>
-            <a:pPr marL="342900" indent="-342900" algn="ctr">
-              <a:buFont typeface="Arial" panose="020B0604020202020204" pitchFamily="34" charset="0"/>
-              <a:buChar char="•"/>
-            </a:pPr>
-            <a:endParaRPr lang="pt-PT" sz="2400" dirty="0" smtClean="0"/>
-          </a:p>
-          <a:p>
-            <a:pPr lvl="1" algn="ctr"/>
-            <a:endParaRPr lang="pt-PT" sz="2400" dirty="0" smtClean="0"/>
-          </a:p>
-          <a:p>
-            <a:pPr algn="ctr"/>
-            <a:endParaRPr lang="pt-PT" sz="2400" dirty="0" smtClean="0"/>
-          </a:p>
-          <a:p>
-            <a:pPr marL="342900" indent="-342900" algn="ctr">
-              <a:buFont typeface="Arial" panose="020B0604020202020204" pitchFamily="34" charset="0"/>
-              <a:buChar char="•"/>
-            </a:pPr>
-            <a:endParaRPr lang="pt-PT" sz="2400" dirty="0" smtClean="0"/>
-          </a:p>
-          <a:p>
-            <a:pPr marL="342900" indent="-342900" algn="ctr">
-              <a:buFont typeface="Arial" panose="020B0604020202020204" pitchFamily="34" charset="0"/>
-              <a:buChar char="•"/>
-            </a:pPr>
-            <a:endParaRPr lang="pt-PT" sz="2400" dirty="0" smtClean="0"/>
-          </a:p>
-          <a:p>
-            <a:pPr marL="342900" indent="-342900" algn="ctr">
-              <a:buFont typeface="Arial" panose="020B0604020202020204" pitchFamily="34" charset="0"/>
-              <a:buChar char="•"/>
-            </a:pPr>
-            <a:endParaRPr lang="pt-PT" sz="2400" dirty="0"/>
-          </a:p>
-          <a:p>
-            <a:pPr marL="342900" indent="-342900" algn="ctr">
-              <a:buFont typeface="Arial" panose="020B0604020202020204" pitchFamily="34" charset="0"/>
-              <a:buChar char="•"/>
-            </a:pPr>
-            <a:endParaRPr lang="pt-PT" sz="2400" dirty="0" smtClean="0"/>
-          </a:p>
-          <a:p>
-            <a:pPr marL="342900" indent="-342900" algn="ctr">
-              <a:buFont typeface="Arial" panose="020B0604020202020204" pitchFamily="34" charset="0"/>
-              <a:buChar char="•"/>
-            </a:pPr>
-            <a:endParaRPr lang="pt-PT" sz="2400" dirty="0" smtClean="0"/>
-          </a:p>
-          <a:p>
-            <a:pPr marL="342900" indent="-342900" algn="ctr">
-              <a:buFont typeface="Arial" panose="020B0604020202020204" pitchFamily="34" charset="0"/>
-              <a:buChar char="•"/>
-            </a:pPr>
-            <a:endParaRPr lang="pt-PT" sz="2400" dirty="0" smtClean="0"/>
-          </a:p>
-          <a:p>
-            <a:pPr marL="342900" indent="-342900" algn="ctr">
-              <a:buFont typeface="Arial" panose="020B0604020202020204" pitchFamily="34" charset="0"/>
-              <a:buChar char="•"/>
-            </a:pPr>
-            <a:endParaRPr lang="pt-PT" sz="2400" dirty="0" smtClean="0"/>
-          </a:p>
-          <a:p>
-            <a:pPr marL="342900" indent="-342900" algn="ctr">
-              <a:buFont typeface="Arial" panose="020B0604020202020204" pitchFamily="34" charset="0"/>
-              <a:buChar char="•"/>
-            </a:pPr>
-            <a:endParaRPr lang="pt-PT" sz="2400" dirty="0"/>
-          </a:p>
-          <a:p>
-            <a:pPr marL="342900" indent="-342900" algn="ctr">
-              <a:buFont typeface="Arial" panose="020B0604020202020204" pitchFamily="34" charset="0"/>
-              <a:buChar char="•"/>
-            </a:pPr>
-            <a:endParaRPr lang="pt-PT" sz="2400" dirty="0" smtClean="0"/>
-          </a:p>
-        </p:txBody>
-      </p:sp>
-      <p:sp>
-        <p:nvSpPr>
-          <p:cNvPr id="2" name="Slide Number Placeholder 1"/>
-          <p:cNvSpPr>
-            <a:spLocks noGrp="1"/>
-          </p:cNvSpPr>
-          <p:nvPr>
-            <p:ph type="sldNum" sz="quarter" idx="12"/>
-          </p:nvPr>
-        </p:nvSpPr>
-        <p:spPr/>
-        <p:txBody>
-          <a:bodyPr/>
-          <a:lstStyle/>
-          <a:p>
-            <a:fld id="{422D536B-584E-486B-9435-086987A3D916}" type="slidenum">
-              <a:rPr lang="pt-PT" smtClean="0"/>
-              <a:t>26</a:t>
-            </a:fld>
-            <a:endParaRPr lang="pt-PT" dirty="0"/>
-          </a:p>
-        </p:txBody>
-      </p:sp>
-      <p:sp>
-        <p:nvSpPr>
-          <p:cNvPr id="6" name="Slide Number Placeholder 5"/>
-          <p:cNvSpPr txBox="1">
-            <a:spLocks/>
-          </p:cNvSpPr>
-          <p:nvPr/>
-        </p:nvSpPr>
-        <p:spPr>
-          <a:xfrm>
-            <a:off x="0" y="6464982"/>
-            <a:ext cx="475129" cy="365125"/>
-          </a:xfrm>
-          <a:prstGeom prst="rect">
-            <a:avLst/>
-          </a:prstGeom>
-        </p:spPr>
-        <p:txBody>
-          <a:bodyPr vert="horz" lIns="91440" tIns="45720" rIns="91440" bIns="45720" rtlCol="0" anchor="ctr"/>
-          <a:lstStyle>
-            <a:defPPr>
-              <a:defRPr lang="en-US"/>
-            </a:defPPr>
-            <a:lvl1pPr marL="0" algn="r" defTabSz="457200" rtl="0" eaLnBrk="1" latinLnBrk="0" hangingPunct="1">
-              <a:defRPr sz="1050" kern="1200">
-                <a:solidFill>
-                  <a:srgbClr val="FFFFFF"/>
-                </a:solidFill>
-                <a:latin typeface="+mn-lt"/>
-                <a:ea typeface="+mn-ea"/>
-                <a:cs typeface="+mn-cs"/>
-              </a:defRPr>
-            </a:lvl1pPr>
-            <a:lvl2pPr marL="457200" algn="l" defTabSz="457200" rtl="0" eaLnBrk="1" latinLnBrk="0" hangingPunct="1">
-              <a:defRPr sz="1800" kern="1200">
-                <a:solidFill>
-                  <a:schemeClr val="tx1"/>
-                </a:solidFill>
-                <a:latin typeface="+mn-lt"/>
-                <a:ea typeface="+mn-ea"/>
-                <a:cs typeface="+mn-cs"/>
-              </a:defRPr>
-            </a:lvl2pPr>
-            <a:lvl3pPr marL="914400" algn="l" defTabSz="457200" rtl="0" eaLnBrk="1" latinLnBrk="0" hangingPunct="1">
-              <a:defRPr sz="1800" kern="1200">
-                <a:solidFill>
-                  <a:schemeClr val="tx1"/>
-                </a:solidFill>
-                <a:latin typeface="+mn-lt"/>
-                <a:ea typeface="+mn-ea"/>
-                <a:cs typeface="+mn-cs"/>
-              </a:defRPr>
-            </a:lvl3pPr>
-            <a:lvl4pPr marL="1371600" algn="l" defTabSz="457200" rtl="0" eaLnBrk="1" latinLnBrk="0" hangingPunct="1">
-              <a:defRPr sz="1800" kern="1200">
-                <a:solidFill>
-                  <a:schemeClr val="tx1"/>
-                </a:solidFill>
-                <a:latin typeface="+mn-lt"/>
-                <a:ea typeface="+mn-ea"/>
-                <a:cs typeface="+mn-cs"/>
-              </a:defRPr>
-            </a:lvl4pPr>
-            <a:lvl5pPr marL="1828800" algn="l" defTabSz="457200" rtl="0" eaLnBrk="1" latinLnBrk="0" hangingPunct="1">
-              <a:defRPr sz="1800" kern="1200">
-                <a:solidFill>
-                  <a:schemeClr val="tx1"/>
-                </a:solidFill>
-                <a:latin typeface="+mn-lt"/>
-                <a:ea typeface="+mn-ea"/>
-                <a:cs typeface="+mn-cs"/>
-              </a:defRPr>
-            </a:lvl5pPr>
-            <a:lvl6pPr marL="2286000" algn="l" defTabSz="457200" rtl="0" eaLnBrk="1" latinLnBrk="0" hangingPunct="1">
-              <a:defRPr sz="1800" kern="1200">
-                <a:solidFill>
-                  <a:schemeClr val="tx1"/>
-                </a:solidFill>
-                <a:latin typeface="+mn-lt"/>
-                <a:ea typeface="+mn-ea"/>
-                <a:cs typeface="+mn-cs"/>
-              </a:defRPr>
-            </a:lvl6pPr>
-            <a:lvl7pPr marL="2743200" algn="l" defTabSz="457200" rtl="0" eaLnBrk="1" latinLnBrk="0" hangingPunct="1">
-              <a:defRPr sz="1800" kern="1200">
-                <a:solidFill>
-                  <a:schemeClr val="tx1"/>
-                </a:solidFill>
-                <a:latin typeface="+mn-lt"/>
-                <a:ea typeface="+mn-ea"/>
-                <a:cs typeface="+mn-cs"/>
-              </a:defRPr>
-            </a:lvl7pPr>
-            <a:lvl8pPr marL="3200400" algn="l" defTabSz="457200" rtl="0" eaLnBrk="1" latinLnBrk="0" hangingPunct="1">
-              <a:defRPr sz="1800" kern="1200">
-                <a:solidFill>
-                  <a:schemeClr val="tx1"/>
-                </a:solidFill>
-                <a:latin typeface="+mn-lt"/>
-                <a:ea typeface="+mn-ea"/>
-                <a:cs typeface="+mn-cs"/>
-              </a:defRPr>
-            </a:lvl8pPr>
-            <a:lvl9pPr marL="3657600" algn="l" defTabSz="457200" rtl="0" eaLnBrk="1" latinLnBrk="0" hangingPunct="1">
-              <a:defRPr sz="1800" kern="1200">
-                <a:solidFill>
-                  <a:schemeClr val="tx1"/>
-                </a:solidFill>
-                <a:latin typeface="+mn-lt"/>
-                <a:ea typeface="+mn-ea"/>
-                <a:cs typeface="+mn-cs"/>
-              </a:defRPr>
-            </a:lvl9pPr>
-          </a:lstStyle>
-          <a:p>
-            <a:r>
-              <a:rPr lang="pt-PT" dirty="0" smtClean="0"/>
-              <a:t>IPVC</a:t>
-            </a:r>
-            <a:endParaRPr lang="pt-PT" dirty="0"/>
-          </a:p>
-        </p:txBody>
-      </p:sp>
-      <p:pic>
-        <p:nvPicPr>
-          <p:cNvPr id="9" name="Picture 4"/>
-          <p:cNvPicPr>
-            <a:picLocks noChangeAspect="1"/>
-          </p:cNvPicPr>
-          <p:nvPr/>
-        </p:nvPicPr>
-        <p:blipFill>
-          <a:blip r:embed="rId2" cstate="print">
-            <a:extLst>
-              <a:ext uri="{28A0092B-C50C-407E-A947-70E740481C1C}">
-                <a14:useLocalDpi xmlns:a14="http://schemas.microsoft.com/office/drawing/2010/main" val="0"/>
-              </a:ext>
-            </a:extLst>
-          </a:blip>
-          <a:stretch>
-            <a:fillRect/>
-          </a:stretch>
-        </p:blipFill>
-        <p:spPr>
-          <a:xfrm>
-            <a:off x="10468855" y="300496"/>
-            <a:ext cx="1373649" cy="916911"/>
-          </a:xfrm>
-          <a:prstGeom prst="rect">
-            <a:avLst/>
-          </a:prstGeom>
-        </p:spPr>
-      </p:pic>
-      <p:sp>
-        <p:nvSpPr>
-          <p:cNvPr id="10" name="Slide Number Placeholder 5"/>
-          <p:cNvSpPr txBox="1">
-            <a:spLocks/>
-          </p:cNvSpPr>
-          <p:nvPr/>
-        </p:nvSpPr>
-        <p:spPr>
-          <a:xfrm>
-            <a:off x="3908571" y="6492875"/>
-            <a:ext cx="4435818" cy="365125"/>
-          </a:xfrm>
-          <a:prstGeom prst="rect">
-            <a:avLst/>
-          </a:prstGeom>
-        </p:spPr>
-        <p:txBody>
-          <a:bodyPr vert="horz" lIns="91440" tIns="45720" rIns="91440" bIns="45720" rtlCol="0" anchor="ctr"/>
-          <a:lstStyle>
-            <a:defPPr>
-              <a:defRPr lang="en-US"/>
-            </a:defPPr>
-            <a:lvl1pPr marL="0" algn="r" defTabSz="457200" rtl="0" eaLnBrk="1" latinLnBrk="0" hangingPunct="1">
-              <a:defRPr sz="1050" kern="1200">
-                <a:solidFill>
-                  <a:srgbClr val="FFFFFF"/>
-                </a:solidFill>
-                <a:latin typeface="+mn-lt"/>
-                <a:ea typeface="+mn-ea"/>
-                <a:cs typeface="+mn-cs"/>
-              </a:defRPr>
-            </a:lvl1pPr>
-            <a:lvl2pPr marL="457200" algn="l" defTabSz="457200" rtl="0" eaLnBrk="1" latinLnBrk="0" hangingPunct="1">
-              <a:defRPr sz="1800" kern="1200">
-                <a:solidFill>
-                  <a:schemeClr val="tx1"/>
-                </a:solidFill>
-                <a:latin typeface="+mn-lt"/>
-                <a:ea typeface="+mn-ea"/>
-                <a:cs typeface="+mn-cs"/>
-              </a:defRPr>
-            </a:lvl2pPr>
-            <a:lvl3pPr marL="914400" algn="l" defTabSz="457200" rtl="0" eaLnBrk="1" latinLnBrk="0" hangingPunct="1">
-              <a:defRPr sz="1800" kern="1200">
-                <a:solidFill>
-                  <a:schemeClr val="tx1"/>
-                </a:solidFill>
-                <a:latin typeface="+mn-lt"/>
-                <a:ea typeface="+mn-ea"/>
-                <a:cs typeface="+mn-cs"/>
-              </a:defRPr>
-            </a:lvl3pPr>
-            <a:lvl4pPr marL="1371600" algn="l" defTabSz="457200" rtl="0" eaLnBrk="1" latinLnBrk="0" hangingPunct="1">
-              <a:defRPr sz="1800" kern="1200">
-                <a:solidFill>
-                  <a:schemeClr val="tx1"/>
-                </a:solidFill>
-                <a:latin typeface="+mn-lt"/>
-                <a:ea typeface="+mn-ea"/>
-                <a:cs typeface="+mn-cs"/>
-              </a:defRPr>
-            </a:lvl4pPr>
-            <a:lvl5pPr marL="1828800" algn="l" defTabSz="457200" rtl="0" eaLnBrk="1" latinLnBrk="0" hangingPunct="1">
-              <a:defRPr sz="1800" kern="1200">
-                <a:solidFill>
-                  <a:schemeClr val="tx1"/>
-                </a:solidFill>
-                <a:latin typeface="+mn-lt"/>
-                <a:ea typeface="+mn-ea"/>
-                <a:cs typeface="+mn-cs"/>
-              </a:defRPr>
-            </a:lvl5pPr>
-            <a:lvl6pPr marL="2286000" algn="l" defTabSz="457200" rtl="0" eaLnBrk="1" latinLnBrk="0" hangingPunct="1">
-              <a:defRPr sz="1800" kern="1200">
-                <a:solidFill>
-                  <a:schemeClr val="tx1"/>
-                </a:solidFill>
-                <a:latin typeface="+mn-lt"/>
-                <a:ea typeface="+mn-ea"/>
-                <a:cs typeface="+mn-cs"/>
-              </a:defRPr>
-            </a:lvl6pPr>
-            <a:lvl7pPr marL="2743200" algn="l" defTabSz="457200" rtl="0" eaLnBrk="1" latinLnBrk="0" hangingPunct="1">
-              <a:defRPr sz="1800" kern="1200">
-                <a:solidFill>
-                  <a:schemeClr val="tx1"/>
-                </a:solidFill>
-                <a:latin typeface="+mn-lt"/>
-                <a:ea typeface="+mn-ea"/>
-                <a:cs typeface="+mn-cs"/>
-              </a:defRPr>
-            </a:lvl7pPr>
-            <a:lvl8pPr marL="3200400" algn="l" defTabSz="457200" rtl="0" eaLnBrk="1" latinLnBrk="0" hangingPunct="1">
-              <a:defRPr sz="1800" kern="1200">
-                <a:solidFill>
-                  <a:schemeClr val="tx1"/>
-                </a:solidFill>
-                <a:latin typeface="+mn-lt"/>
-                <a:ea typeface="+mn-ea"/>
-                <a:cs typeface="+mn-cs"/>
-              </a:defRPr>
-            </a:lvl8pPr>
-            <a:lvl9pPr marL="3657600" algn="l" defTabSz="457200" rtl="0" eaLnBrk="1" latinLnBrk="0" hangingPunct="1">
-              <a:defRPr sz="1800" kern="1200">
-                <a:solidFill>
-                  <a:schemeClr val="tx1"/>
-                </a:solidFill>
-                <a:latin typeface="+mn-lt"/>
-                <a:ea typeface="+mn-ea"/>
-                <a:cs typeface="+mn-cs"/>
-              </a:defRPr>
-            </a:lvl9pPr>
-          </a:lstStyle>
-          <a:p>
-            <a:pPr algn="ctr"/>
-            <a:r>
-              <a:rPr lang="pt-PT" sz="1600" b="1" dirty="0" smtClean="0"/>
-              <a:t>IHM </a:t>
-            </a:r>
-            <a:r>
-              <a:rPr lang="pt-PT" sz="1600" b="1" dirty="0" smtClean="0"/>
-              <a:t>para Fabrico Aditivo </a:t>
-            </a:r>
-            <a:r>
-              <a:rPr lang="pt-PT" sz="1600" b="1" dirty="0" smtClean="0"/>
-              <a:t>– Sistema Desenvolvido</a:t>
-            </a:r>
-            <a:endParaRPr lang="pt-PT" sz="1600" b="1" dirty="0"/>
-          </a:p>
-        </p:txBody>
-      </p:sp>
-    </p:spTree>
-    <p:extLst>
-      <p:ext uri="{BB962C8B-B14F-4D97-AF65-F5344CB8AC3E}">
-        <p14:creationId xmlns:p14="http://schemas.microsoft.com/office/powerpoint/2010/main" val="3287543768"/>
-      </p:ext>
-    </p:extLst>
-  </p:cSld>
-  <p:clrMapOvr>
-    <a:masterClrMapping/>
-  </p:clrMapOvr>
-</p:sld>
-</file>
-
-<file path=ppt/slides/slide27.xml><?xml version="1.0" encoding="utf-8"?>
-<p:sld xmlns:a="http://schemas.openxmlformats.org/drawingml/2006/main" xmlns:r="http://schemas.openxmlformats.org/officeDocument/2006/relationships" xmlns:p="http://schemas.openxmlformats.org/presentationml/2006/main">
-  <p:cSld>
-    <p:spTree>
-      <p:nvGrpSpPr>
-        <p:cNvPr id="1" name=""/>
-        <p:cNvGrpSpPr/>
-        <p:nvPr/>
-      </p:nvGrpSpPr>
-      <p:grpSpPr>
-        <a:xfrm>
-          <a:off x="0" y="0"/>
-          <a:ext cx="0" cy="0"/>
-          <a:chOff x="0" y="0"/>
-          <a:chExt cx="0" cy="0"/>
-        </a:xfrm>
-      </p:grpSpPr>
-      <p:sp>
-        <p:nvSpPr>
-          <p:cNvPr id="2" name="Slide Number Placeholder 1"/>
-          <p:cNvSpPr>
-            <a:spLocks noGrp="1"/>
-          </p:cNvSpPr>
-          <p:nvPr>
-            <p:ph type="sldNum" sz="quarter" idx="12"/>
-          </p:nvPr>
-        </p:nvSpPr>
-        <p:spPr/>
-        <p:txBody>
-          <a:bodyPr/>
-          <a:lstStyle/>
-          <a:p>
-            <a:fld id="{422D536B-584E-486B-9435-086987A3D916}" type="slidenum">
-              <a:rPr lang="pt-PT" smtClean="0"/>
-              <a:t>27</a:t>
-            </a:fld>
-            <a:endParaRPr lang="pt-PT" dirty="0"/>
-          </a:p>
-        </p:txBody>
-      </p:sp>
-      <p:sp>
-        <p:nvSpPr>
-          <p:cNvPr id="6" name="Slide Number Placeholder 5"/>
-          <p:cNvSpPr txBox="1">
-            <a:spLocks/>
-          </p:cNvSpPr>
-          <p:nvPr/>
-        </p:nvSpPr>
-        <p:spPr>
-          <a:xfrm>
-            <a:off x="0" y="6464982"/>
-            <a:ext cx="475129" cy="365125"/>
-          </a:xfrm>
-          <a:prstGeom prst="rect">
-            <a:avLst/>
-          </a:prstGeom>
-        </p:spPr>
-        <p:txBody>
-          <a:bodyPr vert="horz" lIns="91440" tIns="45720" rIns="91440" bIns="45720" rtlCol="0" anchor="ctr"/>
-          <a:lstStyle>
-            <a:defPPr>
-              <a:defRPr lang="en-US"/>
-            </a:defPPr>
-            <a:lvl1pPr marL="0" algn="r" defTabSz="457200" rtl="0" eaLnBrk="1" latinLnBrk="0" hangingPunct="1">
-              <a:defRPr sz="1050" kern="1200">
-                <a:solidFill>
-                  <a:srgbClr val="FFFFFF"/>
-                </a:solidFill>
-                <a:latin typeface="+mn-lt"/>
-                <a:ea typeface="+mn-ea"/>
-                <a:cs typeface="+mn-cs"/>
-              </a:defRPr>
-            </a:lvl1pPr>
-            <a:lvl2pPr marL="457200" algn="l" defTabSz="457200" rtl="0" eaLnBrk="1" latinLnBrk="0" hangingPunct="1">
-              <a:defRPr sz="1800" kern="1200">
-                <a:solidFill>
-                  <a:schemeClr val="tx1"/>
-                </a:solidFill>
-                <a:latin typeface="+mn-lt"/>
-                <a:ea typeface="+mn-ea"/>
-                <a:cs typeface="+mn-cs"/>
-              </a:defRPr>
-            </a:lvl2pPr>
-            <a:lvl3pPr marL="914400" algn="l" defTabSz="457200" rtl="0" eaLnBrk="1" latinLnBrk="0" hangingPunct="1">
-              <a:defRPr sz="1800" kern="1200">
-                <a:solidFill>
-                  <a:schemeClr val="tx1"/>
-                </a:solidFill>
-                <a:latin typeface="+mn-lt"/>
-                <a:ea typeface="+mn-ea"/>
-                <a:cs typeface="+mn-cs"/>
-              </a:defRPr>
-            </a:lvl3pPr>
-            <a:lvl4pPr marL="1371600" algn="l" defTabSz="457200" rtl="0" eaLnBrk="1" latinLnBrk="0" hangingPunct="1">
-              <a:defRPr sz="1800" kern="1200">
-                <a:solidFill>
-                  <a:schemeClr val="tx1"/>
-                </a:solidFill>
-                <a:latin typeface="+mn-lt"/>
-                <a:ea typeface="+mn-ea"/>
-                <a:cs typeface="+mn-cs"/>
-              </a:defRPr>
-            </a:lvl4pPr>
-            <a:lvl5pPr marL="1828800" algn="l" defTabSz="457200" rtl="0" eaLnBrk="1" latinLnBrk="0" hangingPunct="1">
-              <a:defRPr sz="1800" kern="1200">
-                <a:solidFill>
-                  <a:schemeClr val="tx1"/>
-                </a:solidFill>
-                <a:latin typeface="+mn-lt"/>
-                <a:ea typeface="+mn-ea"/>
-                <a:cs typeface="+mn-cs"/>
-              </a:defRPr>
-            </a:lvl5pPr>
-            <a:lvl6pPr marL="2286000" algn="l" defTabSz="457200" rtl="0" eaLnBrk="1" latinLnBrk="0" hangingPunct="1">
-              <a:defRPr sz="1800" kern="1200">
-                <a:solidFill>
-                  <a:schemeClr val="tx1"/>
-                </a:solidFill>
-                <a:latin typeface="+mn-lt"/>
-                <a:ea typeface="+mn-ea"/>
-                <a:cs typeface="+mn-cs"/>
-              </a:defRPr>
-            </a:lvl6pPr>
-            <a:lvl7pPr marL="2743200" algn="l" defTabSz="457200" rtl="0" eaLnBrk="1" latinLnBrk="0" hangingPunct="1">
-              <a:defRPr sz="1800" kern="1200">
-                <a:solidFill>
-                  <a:schemeClr val="tx1"/>
-                </a:solidFill>
-                <a:latin typeface="+mn-lt"/>
-                <a:ea typeface="+mn-ea"/>
-                <a:cs typeface="+mn-cs"/>
-              </a:defRPr>
-            </a:lvl7pPr>
-            <a:lvl8pPr marL="3200400" algn="l" defTabSz="457200" rtl="0" eaLnBrk="1" latinLnBrk="0" hangingPunct="1">
-              <a:defRPr sz="1800" kern="1200">
-                <a:solidFill>
-                  <a:schemeClr val="tx1"/>
-                </a:solidFill>
-                <a:latin typeface="+mn-lt"/>
-                <a:ea typeface="+mn-ea"/>
-                <a:cs typeface="+mn-cs"/>
-              </a:defRPr>
-            </a:lvl8pPr>
-            <a:lvl9pPr marL="3657600" algn="l" defTabSz="457200" rtl="0" eaLnBrk="1" latinLnBrk="0" hangingPunct="1">
-              <a:defRPr sz="1800" kern="1200">
-                <a:solidFill>
-                  <a:schemeClr val="tx1"/>
-                </a:solidFill>
-                <a:latin typeface="+mn-lt"/>
-                <a:ea typeface="+mn-ea"/>
-                <a:cs typeface="+mn-cs"/>
-              </a:defRPr>
-            </a:lvl9pPr>
-          </a:lstStyle>
-          <a:p>
-            <a:r>
-              <a:rPr lang="pt-PT" dirty="0" smtClean="0"/>
-              <a:t>IPVC</a:t>
-            </a:r>
-            <a:endParaRPr lang="pt-PT" dirty="0"/>
-          </a:p>
-        </p:txBody>
-      </p:sp>
-      <p:pic>
-        <p:nvPicPr>
-          <p:cNvPr id="9" name="Picture 4"/>
-          <p:cNvPicPr>
-            <a:picLocks noChangeAspect="1"/>
-          </p:cNvPicPr>
-          <p:nvPr/>
-        </p:nvPicPr>
-        <p:blipFill>
-          <a:blip r:embed="rId2" cstate="print">
-            <a:extLst>
-              <a:ext uri="{28A0092B-C50C-407E-A947-70E740481C1C}">
-                <a14:useLocalDpi xmlns:a14="http://schemas.microsoft.com/office/drawing/2010/main" val="0"/>
-              </a:ext>
-            </a:extLst>
-          </a:blip>
-          <a:stretch>
-            <a:fillRect/>
-          </a:stretch>
-        </p:blipFill>
-        <p:spPr>
-          <a:xfrm>
-            <a:off x="10468855" y="300496"/>
-            <a:ext cx="1373649" cy="916911"/>
-          </a:xfrm>
-          <a:prstGeom prst="rect">
-            <a:avLst/>
-          </a:prstGeom>
-        </p:spPr>
-      </p:pic>
-      <p:sp>
-        <p:nvSpPr>
-          <p:cNvPr id="10" name="Slide Number Placeholder 5"/>
-          <p:cNvSpPr txBox="1">
-            <a:spLocks/>
-          </p:cNvSpPr>
-          <p:nvPr/>
-        </p:nvSpPr>
-        <p:spPr>
-          <a:xfrm>
-            <a:off x="3908571" y="6492875"/>
-            <a:ext cx="4435818" cy="365125"/>
-          </a:xfrm>
-          <a:prstGeom prst="rect">
-            <a:avLst/>
-          </a:prstGeom>
-        </p:spPr>
-        <p:txBody>
-          <a:bodyPr vert="horz" lIns="91440" tIns="45720" rIns="91440" bIns="45720" rtlCol="0" anchor="ctr"/>
-          <a:lstStyle>
-            <a:defPPr>
-              <a:defRPr lang="en-US"/>
-            </a:defPPr>
-            <a:lvl1pPr marL="0" algn="r" defTabSz="457200" rtl="0" eaLnBrk="1" latinLnBrk="0" hangingPunct="1">
-              <a:defRPr sz="1050" kern="1200">
-                <a:solidFill>
-                  <a:srgbClr val="FFFFFF"/>
-                </a:solidFill>
-                <a:latin typeface="+mn-lt"/>
-                <a:ea typeface="+mn-ea"/>
-                <a:cs typeface="+mn-cs"/>
-              </a:defRPr>
-            </a:lvl1pPr>
-            <a:lvl2pPr marL="457200" algn="l" defTabSz="457200" rtl="0" eaLnBrk="1" latinLnBrk="0" hangingPunct="1">
-              <a:defRPr sz="1800" kern="1200">
-                <a:solidFill>
-                  <a:schemeClr val="tx1"/>
-                </a:solidFill>
-                <a:latin typeface="+mn-lt"/>
-                <a:ea typeface="+mn-ea"/>
-                <a:cs typeface="+mn-cs"/>
-              </a:defRPr>
-            </a:lvl2pPr>
-            <a:lvl3pPr marL="914400" algn="l" defTabSz="457200" rtl="0" eaLnBrk="1" latinLnBrk="0" hangingPunct="1">
-              <a:defRPr sz="1800" kern="1200">
-                <a:solidFill>
-                  <a:schemeClr val="tx1"/>
-                </a:solidFill>
-                <a:latin typeface="+mn-lt"/>
-                <a:ea typeface="+mn-ea"/>
-                <a:cs typeface="+mn-cs"/>
-              </a:defRPr>
-            </a:lvl3pPr>
-            <a:lvl4pPr marL="1371600" algn="l" defTabSz="457200" rtl="0" eaLnBrk="1" latinLnBrk="0" hangingPunct="1">
-              <a:defRPr sz="1800" kern="1200">
-                <a:solidFill>
-                  <a:schemeClr val="tx1"/>
-                </a:solidFill>
-                <a:latin typeface="+mn-lt"/>
-                <a:ea typeface="+mn-ea"/>
-                <a:cs typeface="+mn-cs"/>
-              </a:defRPr>
-            </a:lvl4pPr>
-            <a:lvl5pPr marL="1828800" algn="l" defTabSz="457200" rtl="0" eaLnBrk="1" latinLnBrk="0" hangingPunct="1">
-              <a:defRPr sz="1800" kern="1200">
-                <a:solidFill>
-                  <a:schemeClr val="tx1"/>
-                </a:solidFill>
-                <a:latin typeface="+mn-lt"/>
-                <a:ea typeface="+mn-ea"/>
-                <a:cs typeface="+mn-cs"/>
-              </a:defRPr>
-            </a:lvl5pPr>
-            <a:lvl6pPr marL="2286000" algn="l" defTabSz="457200" rtl="0" eaLnBrk="1" latinLnBrk="0" hangingPunct="1">
-              <a:defRPr sz="1800" kern="1200">
-                <a:solidFill>
-                  <a:schemeClr val="tx1"/>
-                </a:solidFill>
-                <a:latin typeface="+mn-lt"/>
-                <a:ea typeface="+mn-ea"/>
-                <a:cs typeface="+mn-cs"/>
-              </a:defRPr>
-            </a:lvl6pPr>
-            <a:lvl7pPr marL="2743200" algn="l" defTabSz="457200" rtl="0" eaLnBrk="1" latinLnBrk="0" hangingPunct="1">
-              <a:defRPr sz="1800" kern="1200">
-                <a:solidFill>
-                  <a:schemeClr val="tx1"/>
-                </a:solidFill>
-                <a:latin typeface="+mn-lt"/>
-                <a:ea typeface="+mn-ea"/>
-                <a:cs typeface="+mn-cs"/>
-              </a:defRPr>
-            </a:lvl7pPr>
-            <a:lvl8pPr marL="3200400" algn="l" defTabSz="457200" rtl="0" eaLnBrk="1" latinLnBrk="0" hangingPunct="1">
-              <a:defRPr sz="1800" kern="1200">
-                <a:solidFill>
-                  <a:schemeClr val="tx1"/>
-                </a:solidFill>
-                <a:latin typeface="+mn-lt"/>
-                <a:ea typeface="+mn-ea"/>
-                <a:cs typeface="+mn-cs"/>
-              </a:defRPr>
-            </a:lvl8pPr>
-            <a:lvl9pPr marL="3657600" algn="l" defTabSz="457200" rtl="0" eaLnBrk="1" latinLnBrk="0" hangingPunct="1">
-              <a:defRPr sz="1800" kern="1200">
-                <a:solidFill>
-                  <a:schemeClr val="tx1"/>
-                </a:solidFill>
-                <a:latin typeface="+mn-lt"/>
-                <a:ea typeface="+mn-ea"/>
-                <a:cs typeface="+mn-cs"/>
-              </a:defRPr>
-            </a:lvl9pPr>
-          </a:lstStyle>
-          <a:p>
-            <a:pPr algn="ctr"/>
-            <a:r>
-              <a:rPr lang="pt-PT" sz="1600" b="1" dirty="0" smtClean="0"/>
-              <a:t>IHM </a:t>
-            </a:r>
-            <a:r>
-              <a:rPr lang="pt-PT" sz="1600" b="1" dirty="0" smtClean="0"/>
-              <a:t>para Fabrico Aditivo – </a:t>
-            </a:r>
-            <a:r>
-              <a:rPr lang="pt-PT" sz="1600" b="1" dirty="0" smtClean="0"/>
-              <a:t>Trabalho Futuro</a:t>
-            </a:r>
-            <a:endParaRPr lang="pt-PT" sz="1600" b="1" dirty="0"/>
-          </a:p>
-        </p:txBody>
-      </p:sp>
-      <p:sp>
-        <p:nvSpPr>
-          <p:cNvPr id="8" name="TextBox 6"/>
-          <p:cNvSpPr txBox="1"/>
-          <p:nvPr/>
-        </p:nvSpPr>
-        <p:spPr>
-          <a:xfrm>
-            <a:off x="252980" y="300496"/>
-            <a:ext cx="11747000" cy="6740307"/>
-          </a:xfrm>
-          <a:prstGeom prst="rect">
-            <a:avLst/>
-          </a:prstGeom>
-          <a:noFill/>
-        </p:spPr>
-        <p:txBody>
-          <a:bodyPr wrap="square" rtlCol="0">
-            <a:spAutoFit/>
-          </a:bodyPr>
-          <a:lstStyle/>
-          <a:p>
-            <a:r>
-              <a:rPr lang="pt-PT" sz="2400" b="1" u="sng" dirty="0" smtClean="0"/>
-              <a:t>Trabalho Futuro</a:t>
-            </a:r>
-            <a:endParaRPr lang="pt-PT" sz="2400" b="1" u="sng" dirty="0"/>
-          </a:p>
-          <a:p>
-            <a:pPr marL="342900" indent="-342900">
-              <a:buFont typeface="Arial" panose="020B0604020202020204" pitchFamily="34" charset="0"/>
-              <a:buChar char="•"/>
-            </a:pPr>
-            <a:endParaRPr lang="pt-PT" sz="2400" dirty="0" smtClean="0"/>
-          </a:p>
-          <a:p>
-            <a:pPr marL="342900" indent="-342900">
-              <a:buFont typeface="Arial" panose="020B0604020202020204" pitchFamily="34" charset="0"/>
-              <a:buChar char="•"/>
-            </a:pPr>
-            <a:r>
-              <a:rPr lang="pt-PT" sz="2400" dirty="0" smtClean="0"/>
-              <a:t>Levantar requisitos para novo equipamento</a:t>
-            </a:r>
-          </a:p>
-          <a:p>
-            <a:pPr marL="342900" indent="-342900">
-              <a:buFont typeface="Arial" panose="020B0604020202020204" pitchFamily="34" charset="0"/>
-              <a:buChar char="•"/>
-            </a:pPr>
-            <a:endParaRPr lang="pt-PT" sz="2400" dirty="0" smtClean="0"/>
-          </a:p>
-          <a:p>
-            <a:pPr marL="342900" indent="-342900">
-              <a:buFont typeface="Arial" panose="020B0604020202020204" pitchFamily="34" charset="0"/>
-              <a:buChar char="•"/>
-            </a:pPr>
-            <a:r>
-              <a:rPr lang="pt-PT" sz="2400" dirty="0" smtClean="0"/>
-              <a:t>Readaptar sistema ao novo equipamento</a:t>
-            </a:r>
-          </a:p>
-          <a:p>
-            <a:pPr marL="342900" indent="-342900">
-              <a:buFont typeface="Arial" panose="020B0604020202020204" pitchFamily="34" charset="0"/>
-              <a:buChar char="•"/>
-            </a:pPr>
-            <a:endParaRPr lang="pt-PT" sz="2400" dirty="0" smtClean="0"/>
-          </a:p>
-          <a:p>
-            <a:pPr marL="342900" indent="-342900">
-              <a:buFont typeface="Arial" panose="020B0604020202020204" pitchFamily="34" charset="0"/>
-              <a:buChar char="•"/>
-            </a:pPr>
-            <a:r>
-              <a:rPr lang="pt-PT" sz="2400" dirty="0" smtClean="0"/>
-              <a:t>Desenvolver funcionalidades e módulos identificados em falta:</a:t>
-            </a:r>
-          </a:p>
-          <a:p>
-            <a:pPr marL="800100" lvl="1" indent="-342900">
-              <a:buFont typeface="Arial" panose="020B0604020202020204" pitchFamily="34" charset="0"/>
-              <a:buChar char="•"/>
-            </a:pPr>
-            <a:r>
-              <a:rPr lang="pt-PT" sz="2400" dirty="0" smtClean="0"/>
-              <a:t>Monitorizar parâmetros do equipamento e do processo em tempo real (pontos de medição de temperatura, </a:t>
-            </a:r>
-            <a:r>
-              <a:rPr lang="pt-PT" sz="2400" dirty="0" err="1" smtClean="0"/>
-              <a:t>etc</a:t>
-            </a:r>
-            <a:r>
-              <a:rPr lang="pt-PT" sz="2400" dirty="0" smtClean="0"/>
-              <a:t>)</a:t>
-            </a:r>
-          </a:p>
-          <a:p>
-            <a:pPr marL="800100" lvl="1" indent="-342900">
-              <a:buFont typeface="Arial" panose="020B0604020202020204" pitchFamily="34" charset="0"/>
-              <a:buChar char="•"/>
-            </a:pPr>
-            <a:r>
-              <a:rPr lang="pt-PT" sz="2400" dirty="0" smtClean="0"/>
-              <a:t>Recolha e armazenamento de dados das impressões</a:t>
-            </a:r>
-          </a:p>
-          <a:p>
-            <a:pPr marL="800100" lvl="1" indent="-342900">
-              <a:buFont typeface="Arial" panose="020B0604020202020204" pitchFamily="34" charset="0"/>
-              <a:buChar char="•"/>
-            </a:pPr>
-            <a:r>
-              <a:rPr lang="pt-PT" sz="2400" dirty="0" smtClean="0"/>
-              <a:t>Visualizar histórico das impressões</a:t>
-            </a:r>
-          </a:p>
-          <a:p>
-            <a:pPr marL="800100" lvl="1" indent="-342900">
-              <a:buFont typeface="Arial" panose="020B0604020202020204" pitchFamily="34" charset="0"/>
-              <a:buChar char="•"/>
-            </a:pPr>
-            <a:r>
-              <a:rPr lang="pt-PT" sz="2400" dirty="0" smtClean="0"/>
-              <a:t>Visualizar imagem da câmara termográfica em tempo real</a:t>
-            </a:r>
-          </a:p>
-          <a:p>
-            <a:pPr marL="800100" lvl="1" indent="-342900">
-              <a:buFont typeface="Arial" panose="020B0604020202020204" pitchFamily="34" charset="0"/>
-              <a:buChar char="•"/>
-            </a:pPr>
-            <a:r>
-              <a:rPr lang="pt-PT" sz="2400" dirty="0" smtClean="0"/>
-              <a:t>Reconhecimento do conteúdo da imagem termográfica em tempo real</a:t>
-            </a:r>
-          </a:p>
-          <a:p>
-            <a:pPr marL="800100" lvl="1" indent="-342900">
-              <a:buFont typeface="Arial" panose="020B0604020202020204" pitchFamily="34" charset="0"/>
-              <a:buChar char="•"/>
-            </a:pPr>
-            <a:r>
-              <a:rPr lang="pt-PT" sz="2400" dirty="0" smtClean="0"/>
-              <a:t>Módulo de Realidade Aumentada para visualização das peças em impressão</a:t>
-            </a:r>
-          </a:p>
-          <a:p>
-            <a:pPr lvl="1"/>
-            <a:endParaRPr lang="pt-PT" sz="2400" dirty="0" smtClean="0"/>
-          </a:p>
-          <a:p>
-            <a:pPr marL="342900" indent="-342900">
-              <a:buFont typeface="Arial" panose="020B0604020202020204" pitchFamily="34" charset="0"/>
-              <a:buChar char="•"/>
-            </a:pPr>
-            <a:r>
-              <a:rPr lang="pt-PT" sz="2400" dirty="0" smtClean="0"/>
-              <a:t>Finalizar Relatório de Projeto de Mestrado</a:t>
-            </a:r>
-            <a:endParaRPr lang="pt-PT" sz="2400" dirty="0" smtClean="0"/>
-          </a:p>
-          <a:p>
-            <a:endParaRPr lang="pt-PT" sz="2400" dirty="0" smtClean="0"/>
-          </a:p>
-          <a:p>
-            <a:pPr marL="342900" indent="-342900">
-              <a:buFont typeface="Arial" panose="020B0604020202020204" pitchFamily="34" charset="0"/>
-              <a:buChar char="•"/>
-            </a:pPr>
-            <a:endParaRPr lang="pt-PT" sz="2400" dirty="0" smtClean="0"/>
-          </a:p>
-        </p:txBody>
-      </p:sp>
-    </p:spTree>
-    <p:extLst>
-      <p:ext uri="{BB962C8B-B14F-4D97-AF65-F5344CB8AC3E}">
-        <p14:creationId xmlns:p14="http://schemas.microsoft.com/office/powerpoint/2010/main" val="4229771930"/>
-      </p:ext>
-    </p:extLst>
-  </p:cSld>
-  <p:clrMapOvr>
-    <a:masterClrMapping/>
-  </p:clrMapOvr>
-</p:sld>
-</file>
-
-<file path=ppt/slides/slide28.xml><?xml version="1.0" encoding="utf-8"?>
-<p:sld xmlns:a="http://schemas.openxmlformats.org/drawingml/2006/main" xmlns:r="http://schemas.openxmlformats.org/officeDocument/2006/relationships" xmlns:p="http://schemas.openxmlformats.org/presentationml/2006/main">
-  <p:cSld>
-    <p:spTree>
-      <p:nvGrpSpPr>
-        <p:cNvPr id="1" name=""/>
-        <p:cNvGrpSpPr/>
-        <p:nvPr/>
-      </p:nvGrpSpPr>
-      <p:grpSpPr>
-        <a:xfrm>
-          <a:off x="0" y="0"/>
-          <a:ext cx="0" cy="0"/>
-          <a:chOff x="0" y="0"/>
-          <a:chExt cx="0" cy="0"/>
-        </a:xfrm>
-      </p:grpSpPr>
-      <p:sp>
-        <p:nvSpPr>
-          <p:cNvPr id="2" name="Slide Number Placeholder 1"/>
-          <p:cNvSpPr>
-            <a:spLocks noGrp="1"/>
-          </p:cNvSpPr>
-          <p:nvPr>
-            <p:ph type="sldNum" sz="quarter" idx="12"/>
-          </p:nvPr>
-        </p:nvSpPr>
-        <p:spPr/>
-        <p:txBody>
-          <a:bodyPr/>
-          <a:lstStyle/>
-          <a:p>
-            <a:fld id="{422D536B-584E-486B-9435-086987A3D916}" type="slidenum">
-              <a:rPr lang="pt-PT" smtClean="0"/>
-              <a:t>28</a:t>
             </a:fld>
             <a:endParaRPr lang="pt-PT" dirty="0"/>
           </a:p>
@@ -15457,15 +13328,7 @@
             <a:pPr algn="ctr"/>
             <a:r>
               <a:rPr lang="pt-PT" sz="1600" b="1" dirty="0" smtClean="0"/>
-              <a:t>IHM </a:t>
-            </a:r>
-            <a:r>
-              <a:rPr lang="pt-PT" sz="1600" b="1" dirty="0" smtClean="0"/>
-              <a:t>para Fabrico Aditivo – </a:t>
-            </a:r>
-            <a:r>
-              <a:rPr lang="pt-PT" sz="1600" b="1" dirty="0" smtClean="0"/>
-              <a:t>Conclusões Preliminares</a:t>
+              <a:t>IHM para Fabrico Aditivo – Conclusões Preliminares</a:t>
             </a:r>
             <a:endParaRPr lang="pt-PT" sz="1600" b="1" dirty="0"/>
           </a:p>
@@ -15589,10 +13452,17 @@
   <p:clrMapOvr>
     <a:masterClrMapping/>
   </p:clrMapOvr>
+  <p:timing>
+    <p:tnLst>
+      <p:par>
+        <p:cTn id="1" dur="indefinite" restart="never" nodeType="tmRoot"/>
+      </p:par>
+    </p:tnLst>
+  </p:timing>
 </p:sld>
 </file>
 
-<file path=ppt/slides/slide29.xml><?xml version="1.0" encoding="utf-8"?>
+<file path=ppt/slides/slide25.xml><?xml version="1.0" encoding="utf-8"?>
 <p:sld xmlns:a="http://schemas.openxmlformats.org/drawingml/2006/main" xmlns:r="http://schemas.openxmlformats.org/officeDocument/2006/relationships" xmlns:p="http://schemas.openxmlformats.org/presentationml/2006/main">
   <p:cSld>
     <p:spTree>
@@ -15746,7 +13616,7 @@
           <a:p>
             <a:fld id="{422D536B-584E-486B-9435-086987A3D916}" type="slidenum">
               <a:rPr lang="pt-PT" smtClean="0"/>
-              <a:t>29</a:t>
+              <a:t>25</a:t>
             </a:fld>
             <a:endParaRPr lang="pt-PT" dirty="0"/>
           </a:p>
@@ -16023,15 +13893,7 @@
             <a:pPr algn="ctr"/>
             <a:r>
               <a:rPr lang="pt-PT" sz="1600" b="1" dirty="0" smtClean="0"/>
-              <a:t>IHM </a:t>
-            </a:r>
-            <a:r>
-              <a:rPr lang="pt-PT" sz="1600" b="1" dirty="0" smtClean="0"/>
-              <a:t>para Fabrico Aditivo – </a:t>
-            </a:r>
-            <a:r>
-              <a:rPr lang="pt-PT" sz="1600" b="1" dirty="0" smtClean="0"/>
-              <a:t>Fim</a:t>
+              <a:t>IHM para Fabrico Aditivo – Fim</a:t>
             </a:r>
             <a:endParaRPr lang="pt-PT" sz="1600" b="1" dirty="0"/>
           </a:p>
@@ -16047,6 +13909,13 @@
   <p:clrMapOvr>
     <a:masterClrMapping/>
   </p:clrMapOvr>
+  <p:timing>
+    <p:tnLst>
+      <p:par>
+        <p:cTn id="1" dur="indefinite" restart="never" nodeType="tmRoot"/>
+      </p:par>
+    </p:tnLst>
+  </p:timing>
 </p:sld>
 </file>
 
@@ -16602,11 +14471,7 @@
             <a:pPr algn="ctr"/>
             <a:r>
               <a:rPr lang="pt-PT" sz="1600" b="1" dirty="0" smtClean="0"/>
-              <a:t>IHM </a:t>
-            </a:r>
-            <a:r>
-              <a:rPr lang="pt-PT" sz="1600" b="1" dirty="0" smtClean="0"/>
-              <a:t>para Fabrico Aditivo - Introdução</a:t>
+              <a:t>IHM para Fabrico Aditivo - Introdução</a:t>
             </a:r>
             <a:endParaRPr lang="pt-PT" sz="1600" b="1" dirty="0"/>
           </a:p>
@@ -16622,6 +14487,13 @@
   <p:clrMapOvr>
     <a:masterClrMapping/>
   </p:clrMapOvr>
+  <p:timing>
+    <p:tnLst>
+      <p:par>
+        <p:cTn id="1" dur="indefinite" restart="never" nodeType="tmRoot"/>
+      </p:par>
+    </p:tnLst>
+  </p:timing>
 </p:sld>
 </file>
 
@@ -16713,11 +14585,7 @@
             </a:pPr>
             <a:r>
               <a:rPr lang="pt-PT" sz="2400" dirty="0" smtClean="0"/>
-              <a:t>HMI </a:t>
-            </a:r>
-            <a:r>
-              <a:rPr lang="pt-PT" sz="2400" dirty="0" smtClean="0"/>
-              <a:t>(</a:t>
+              <a:t>HMI (</a:t>
             </a:r>
             <a:r>
               <a:rPr lang="pt-PT" sz="2400" dirty="0" err="1" smtClean="0"/>
@@ -16725,34 +14593,17 @@
             </a:r>
             <a:r>
               <a:rPr lang="pt-PT" sz="2400" dirty="0" smtClean="0"/>
-              <a:t> Interface) </a:t>
-            </a:r>
+              <a:t> Interface) especificamente adaptada ao processo de Fabrico Aditivo</a:t>
+            </a:r>
+          </a:p>
+          <a:p>
+            <a:pPr marL="800100" lvl="1" indent="-342900">
+              <a:buFont typeface="Arial" panose="020B0604020202020204" pitchFamily="34" charset="0"/>
+              <a:buChar char="•"/>
+            </a:pPr>
             <a:r>
               <a:rPr lang="pt-PT" sz="2400" dirty="0" smtClean="0"/>
-              <a:t>especificamente adaptada </a:t>
-            </a:r>
-            <a:r>
-              <a:rPr lang="pt-PT" sz="2400" dirty="0" smtClean="0"/>
-              <a:t>ao processo de Fabrico </a:t>
-            </a:r>
-            <a:r>
-              <a:rPr lang="pt-PT" sz="2400" dirty="0" smtClean="0"/>
-              <a:t>Aditivo</a:t>
-            </a:r>
-            <a:endParaRPr lang="pt-PT" sz="2400" dirty="0" smtClean="0"/>
-          </a:p>
-          <a:p>
-            <a:pPr marL="800100" lvl="1" indent="-342900">
-              <a:buFont typeface="Arial" panose="020B0604020202020204" pitchFamily="34" charset="0"/>
-              <a:buChar char="•"/>
-            </a:pPr>
-            <a:r>
-              <a:rPr lang="pt-PT" sz="2400" dirty="0" smtClean="0"/>
-              <a:t>Monitorizar </a:t>
-            </a:r>
-            <a:r>
-              <a:rPr lang="pt-PT" sz="2400" dirty="0" smtClean="0"/>
-              <a:t>parâmetros do equipamento e do processo em tempo real</a:t>
+              <a:t>Monitorizar parâmetros do equipamento e do processo em tempo real</a:t>
             </a:r>
           </a:p>
           <a:p>
@@ -17174,11 +15025,7 @@
             <a:pPr algn="ctr"/>
             <a:r>
               <a:rPr lang="pt-PT" sz="1600" b="1" dirty="0" smtClean="0"/>
-              <a:t>IHM </a:t>
-            </a:r>
-            <a:r>
-              <a:rPr lang="pt-PT" sz="1600" b="1" dirty="0" smtClean="0"/>
-              <a:t>para Fabrico Aditivo - Introdução</a:t>
+              <a:t>IHM para Fabrico Aditivo - Introdução</a:t>
             </a:r>
             <a:endParaRPr lang="pt-PT" sz="1600" b="1" dirty="0"/>
           </a:p>
@@ -17284,6 +15131,13 @@
   <p:clrMapOvr>
     <a:masterClrMapping/>
   </p:clrMapOvr>
+  <p:timing>
+    <p:tnLst>
+      <p:par>
+        <p:cTn id="1" dur="indefinite" restart="never" nodeType="tmRoot"/>
+      </p:par>
+    </p:tnLst>
+  </p:timing>
 </p:sld>
 </file>
 
@@ -17360,15 +15214,7 @@
             </a:pPr>
             <a:r>
               <a:rPr lang="pt-PT" sz="2400" dirty="0" smtClean="0"/>
-              <a:t>Controlar e Monitorizar </a:t>
-            </a:r>
-            <a:r>
-              <a:rPr lang="pt-PT" sz="2400" dirty="0" smtClean="0"/>
-              <a:t>parâmetros do equipamento e do processo em tempo </a:t>
-            </a:r>
-            <a:r>
-              <a:rPr lang="pt-PT" sz="2400" dirty="0" smtClean="0"/>
-              <a:t>real</a:t>
+              <a:t>Controlar e Monitorizar parâmetros do equipamento e do processo em tempo real</a:t>
             </a:r>
           </a:p>
           <a:p>
@@ -17387,7 +15233,6 @@
               <a:rPr lang="pt-PT" sz="2400" dirty="0" smtClean="0"/>
               <a:t>:</a:t>
             </a:r>
-            <a:endParaRPr lang="pt-PT" sz="2400" dirty="0" smtClean="0"/>
           </a:p>
           <a:p>
             <a:pPr marL="800100" lvl="1" indent="-342900">
@@ -17414,7 +15259,6 @@
               <a:rPr lang="pt-PT" sz="2000" dirty="0" smtClean="0"/>
               <a:t>, pausar, parar, monitorizar eixos e estado geral</a:t>
             </a:r>
-            <a:endParaRPr lang="pt-PT" sz="2000" dirty="0" smtClean="0"/>
           </a:p>
           <a:p>
             <a:pPr marL="800100" lvl="1" indent="-342900">
@@ -17423,11 +15267,7 @@
             </a:pPr>
             <a:r>
               <a:rPr lang="pt-PT" sz="2000" dirty="0" smtClean="0"/>
-              <a:t>Fornecer vários modos de operação no </a:t>
-            </a:r>
-            <a:r>
-              <a:rPr lang="pt-PT" sz="2000" dirty="0" smtClean="0"/>
-              <a:t>equipamento: manual, automático, bloco a bloco</a:t>
+              <a:t>Fornecer vários modos de operação no equipamento: manual, automático, bloco a bloco</a:t>
             </a:r>
           </a:p>
           <a:p>
@@ -17439,7 +15279,6 @@
               <a:rPr lang="pt-PT" sz="2000" dirty="0" smtClean="0"/>
               <a:t>Monitorizar parâmetros do processo em tempo real</a:t>
             </a:r>
-            <a:endParaRPr lang="pt-PT" sz="2000" dirty="0" smtClean="0"/>
           </a:p>
           <a:p>
             <a:pPr marL="800100" lvl="1" indent="-342900">
@@ -17448,11 +15287,7 @@
             </a:pPr>
             <a:r>
               <a:rPr lang="pt-PT" sz="2000" dirty="0" smtClean="0"/>
-              <a:t>Importar </a:t>
-            </a:r>
-            <a:r>
-              <a:rPr lang="pt-PT" sz="2000" dirty="0" smtClean="0"/>
-              <a:t>remotamente e executar </a:t>
+              <a:t>Importar remotamente e executar </a:t>
             </a:r>
             <a:r>
               <a:rPr lang="pt-PT" sz="2000" dirty="0" err="1" smtClean="0"/>
@@ -17500,28 +15335,18 @@
             </a:pPr>
             <a:r>
               <a:rPr lang="pt-PT" sz="2000" dirty="0" smtClean="0"/>
-              <a:t>Recolha e armazenamento de </a:t>
-            </a:r>
+              <a:t>Recolha e armazenamento de dados das impressões</a:t>
+            </a:r>
+          </a:p>
+          <a:p>
+            <a:pPr marL="800100" lvl="1" indent="-342900">
+              <a:buFont typeface="Arial" panose="020B0604020202020204" pitchFamily="34" charset="0"/>
+              <a:buChar char="•"/>
+            </a:pPr>
             <a:r>
               <a:rPr lang="pt-PT" sz="2000" dirty="0" smtClean="0"/>
-              <a:t>dados das impressões</a:t>
-            </a:r>
-            <a:endParaRPr lang="pt-PT" sz="2000" dirty="0" smtClean="0"/>
-          </a:p>
-          <a:p>
-            <a:pPr marL="800100" lvl="1" indent="-342900">
-              <a:buFont typeface="Arial" panose="020B0604020202020204" pitchFamily="34" charset="0"/>
-              <a:buChar char="•"/>
-            </a:pPr>
-            <a:r>
-              <a:rPr lang="pt-PT" sz="2000" dirty="0" smtClean="0"/>
-              <a:t>Visualizar </a:t>
-            </a:r>
-            <a:r>
-              <a:rPr lang="pt-PT" sz="2000" dirty="0" smtClean="0"/>
-              <a:t>histórico de impressões</a:t>
-            </a:r>
-            <a:endParaRPr lang="pt-PT" sz="2000" dirty="0" smtClean="0"/>
+              <a:t>Visualizar histórico de impressões</a:t>
+            </a:r>
           </a:p>
           <a:p>
             <a:pPr marL="800100" lvl="1" indent="-342900">
@@ -17552,7 +15377,6 @@
               <a:rPr lang="pt-PT" sz="2000" dirty="0" smtClean="0"/>
               <a:t>Módulo de Realidade Aumentada para visualização da peça a ser impressa</a:t>
             </a:r>
-            <a:endParaRPr lang="pt-PT" sz="2000" dirty="0" smtClean="0"/>
           </a:p>
           <a:p>
             <a:pPr marL="342900" indent="-342900">
@@ -17934,11 +15758,7 @@
             <a:pPr algn="ctr"/>
             <a:r>
               <a:rPr lang="pt-PT" sz="1600" b="1" dirty="0" smtClean="0"/>
-              <a:t>IHM </a:t>
-            </a:r>
-            <a:r>
-              <a:rPr lang="pt-PT" sz="1600" b="1" dirty="0" smtClean="0"/>
-              <a:t>para Fabrico Aditivo - Introdução</a:t>
+              <a:t>IHM para Fabrico Aditivo - Introdução</a:t>
             </a:r>
             <a:endParaRPr lang="pt-PT" sz="1600" b="1" dirty="0"/>
           </a:p>
@@ -18284,6 +16104,13 @@
   <p:clrMapOvr>
     <a:masterClrMapping/>
   </p:clrMapOvr>
+  <p:timing>
+    <p:tnLst>
+      <p:par>
+        <p:cTn id="1" dur="indefinite" restart="never" nodeType="tmRoot"/>
+      </p:par>
+    </p:tnLst>
+  </p:timing>
 </p:sld>
 </file>
 
@@ -18338,11 +16165,7 @@
             </a:pPr>
             <a:r>
               <a:rPr lang="pt-PT" sz="2000" dirty="0" smtClean="0"/>
-              <a:t>Até </a:t>
-            </a:r>
-            <a:r>
-              <a:rPr lang="pt-PT" sz="2000" dirty="0" smtClean="0"/>
-              <a:t>31/05 – Especificação do Projeto</a:t>
+              <a:t>Até 31/05 – Especificação do Projeto</a:t>
             </a:r>
           </a:p>
           <a:p>
@@ -18362,19 +16185,7 @@
             </a:pPr>
             <a:r>
               <a:rPr lang="pt-PT" sz="2000" dirty="0" smtClean="0"/>
-              <a:t>16/06 a </a:t>
-            </a:r>
-            <a:r>
-              <a:rPr lang="pt-PT" sz="2000" dirty="0" smtClean="0"/>
-              <a:t>09/07 </a:t>
-            </a:r>
-            <a:r>
-              <a:rPr lang="pt-PT" sz="2000" dirty="0" smtClean="0"/>
-              <a:t>– Desenvolvimento do Projeto (1ª versão</a:t>
-            </a:r>
-            <a:r>
-              <a:rPr lang="pt-PT" sz="2000" dirty="0" smtClean="0"/>
-              <a:t>)</a:t>
+              <a:t>16/06 a 09/07 – Desenvolvimento do Projeto (1ª versão)</a:t>
             </a:r>
           </a:p>
           <a:p>
@@ -18428,11 +16239,7 @@
             </a:pPr>
             <a:r>
               <a:rPr lang="pt-PT" sz="2000" dirty="0"/>
-              <a:t>Comunicação </a:t>
-            </a:r>
-            <a:r>
-              <a:rPr lang="pt-PT" sz="2000" dirty="0"/>
-              <a:t>Servidor-</a:t>
+              <a:t>Comunicação Servidor-</a:t>
             </a:r>
             <a:r>
               <a:rPr lang="pt-PT" sz="2000" dirty="0" err="1"/>
@@ -18447,66 +16254,28 @@
             </a:pPr>
             <a:r>
               <a:rPr lang="pt-PT" sz="2000" dirty="0" smtClean="0"/>
-              <a:t>10/07 </a:t>
-            </a:r>
+              <a:t>10/07 a 19/07 – Relatório</a:t>
+            </a:r>
+          </a:p>
+          <a:p>
+            <a:pPr marL="342900" indent="-342900">
+              <a:buFont typeface="Arial" panose="020B0604020202020204" pitchFamily="34" charset="0"/>
+              <a:buChar char="•"/>
+            </a:pPr>
             <a:r>
               <a:rPr lang="pt-PT" sz="2000" dirty="0" smtClean="0"/>
-              <a:t>a </a:t>
-            </a:r>
+              <a:t>01/09 a 31/12 – Desenvolvimento do Projeto Final</a:t>
+            </a:r>
+          </a:p>
+          <a:p>
+            <a:pPr marL="342900" indent="-342900">
+              <a:buFont typeface="Arial" panose="020B0604020202020204" pitchFamily="34" charset="0"/>
+              <a:buChar char="•"/>
+            </a:pPr>
             <a:r>
               <a:rPr lang="pt-PT" sz="2000" dirty="0" smtClean="0"/>
-              <a:t>19/07 </a:t>
-            </a:r>
-            <a:r>
-              <a:rPr lang="pt-PT" sz="2000" dirty="0" smtClean="0"/>
-              <a:t>– </a:t>
-            </a:r>
-            <a:r>
-              <a:rPr lang="pt-PT" sz="2000" dirty="0" smtClean="0"/>
-              <a:t>Relatório</a:t>
-            </a:r>
-            <a:endParaRPr lang="pt-PT" sz="2000" dirty="0" smtClean="0"/>
-          </a:p>
-          <a:p>
-            <a:pPr marL="342900" indent="-342900">
-              <a:buFont typeface="Arial" panose="020B0604020202020204" pitchFamily="34" charset="0"/>
-              <a:buChar char="•"/>
-            </a:pPr>
-            <a:r>
-              <a:rPr lang="pt-PT" sz="2000" dirty="0" smtClean="0"/>
-              <a:t>01/09 </a:t>
-            </a:r>
-            <a:r>
-              <a:rPr lang="pt-PT" sz="2000" dirty="0" smtClean="0"/>
-              <a:t>a </a:t>
-            </a:r>
-            <a:r>
-              <a:rPr lang="pt-PT" sz="2000" dirty="0" smtClean="0"/>
-              <a:t>31/12 </a:t>
-            </a:r>
-            <a:r>
-              <a:rPr lang="pt-PT" sz="2000" dirty="0" smtClean="0"/>
-              <a:t>– Desenvolvimento do Projeto Final</a:t>
-            </a:r>
-          </a:p>
-          <a:p>
-            <a:pPr marL="342900" indent="-342900">
-              <a:buFont typeface="Arial" panose="020B0604020202020204" pitchFamily="34" charset="0"/>
-              <a:buChar char="•"/>
-            </a:pPr>
-            <a:r>
-              <a:rPr lang="pt-PT" sz="2000" dirty="0" smtClean="0"/>
-              <a:t>01/01 </a:t>
-            </a:r>
-            <a:r>
-              <a:rPr lang="pt-PT" sz="2000" dirty="0" smtClean="0"/>
-              <a:t>a 01/02 – Relatório </a:t>
-            </a:r>
-            <a:r>
-              <a:rPr lang="pt-PT" sz="2000" dirty="0" smtClean="0"/>
-              <a:t>Final</a:t>
-            </a:r>
-            <a:endParaRPr lang="pt-PT" sz="2000" dirty="0" smtClean="0"/>
+              <a:t>01/01 a 01/02 – Relatório Final</a:t>
+            </a:r>
           </a:p>
           <a:p>
             <a:pPr marL="342900" indent="-342900">
@@ -18877,11 +16646,7 @@
             <a:pPr algn="ctr"/>
             <a:r>
               <a:rPr lang="pt-PT" sz="1600" b="1" dirty="0" smtClean="0"/>
-              <a:t>IHM </a:t>
-            </a:r>
-            <a:r>
-              <a:rPr lang="pt-PT" sz="1600" b="1" dirty="0" smtClean="0"/>
-              <a:t>para Fabrico Aditivo – Planeamento</a:t>
+              <a:t>IHM para Fabrico Aditivo – Planeamento</a:t>
             </a:r>
             <a:endParaRPr lang="pt-PT" sz="1600" b="1" dirty="0"/>
           </a:p>
@@ -18925,6 +16690,13 @@
   <p:clrMapOvr>
     <a:masterClrMapping/>
   </p:clrMapOvr>
+  <p:timing>
+    <p:tnLst>
+      <p:par>
+        <p:cTn id="1" dur="indefinite" restart="never" nodeType="tmRoot"/>
+      </p:par>
+    </p:tnLst>
+  </p:timing>
 </p:sld>
 </file>
 
@@ -18980,7 +16752,6 @@
               <a:rPr lang="pt-PT" sz="4800" b="1" dirty="0" smtClean="0"/>
               <a:t>Estado da Arte</a:t>
             </a:r>
-            <a:endParaRPr lang="pt-PT" sz="4800" b="1" dirty="0" smtClean="0"/>
           </a:p>
           <a:p>
             <a:pPr marL="342900" indent="-342900" algn="ctr">
@@ -19377,11 +17148,7 @@
             <a:pPr algn="ctr"/>
             <a:r>
               <a:rPr lang="pt-PT" sz="1600" b="1" dirty="0" smtClean="0"/>
-              <a:t>IHM </a:t>
-            </a:r>
-            <a:r>
-              <a:rPr lang="pt-PT" sz="1600" b="1" dirty="0" smtClean="0"/>
-              <a:t>para Fabrico Aditivo – Estado da Arte</a:t>
+              <a:t>IHM para Fabrico Aditivo – Estado da Arte</a:t>
             </a:r>
             <a:endParaRPr lang="pt-PT" sz="1600" b="1" dirty="0"/>
           </a:p>
@@ -19427,6 +17194,13 @@
   <p:clrMapOvr>
     <a:masterClrMapping/>
   </p:clrMapOvr>
+  <p:timing>
+    <p:tnLst>
+      <p:par>
+        <p:cTn id="1" dur="indefinite" restart="never" nodeType="tmRoot"/>
+      </p:par>
+    </p:tnLst>
+  </p:timing>
 </p:sld>
 </file>
 
@@ -19513,7 +17287,7 @@
             </a:pPr>
             <a:r>
               <a:rPr lang="pt-PT" sz="2400" dirty="0" smtClean="0"/>
-              <a:t>Implementação </a:t>
+              <a:t>Com implementação </a:t>
             </a:r>
             <a:r>
               <a:rPr lang="pt-PT" sz="2400" dirty="0"/>
@@ -19525,23 +17299,7 @@
             </a:r>
             <a:r>
               <a:rPr lang="pt-PT" sz="2400" dirty="0"/>
-              <a:t>, a intervenção humana por sistemas automáticos (</a:t>
-            </a:r>
-            <a:r>
-              <a:rPr lang="pt-PT" sz="2400" dirty="0" err="1"/>
-              <a:t>Dorf</a:t>
-            </a:r>
-            <a:r>
-              <a:rPr lang="pt-PT" sz="2400" dirty="0"/>
-              <a:t> &amp; </a:t>
-            </a:r>
-            <a:r>
-              <a:rPr lang="pt-PT" sz="2400" dirty="0" err="1"/>
-              <a:t>Bishop</a:t>
-            </a:r>
-            <a:r>
-              <a:rPr lang="pt-PT" sz="2400" dirty="0"/>
-              <a:t>, 2010, p. 7)</a:t>
+              <a:t>, a intervenção humana por sistemas automáticos (Dorf &amp; Bishop, 2010, p. 7)</a:t>
             </a:r>
           </a:p>
           <a:p>
@@ -20027,11 +17785,7 @@
             <a:pPr algn="ctr"/>
             <a:r>
               <a:rPr lang="pt-PT" sz="1600" b="1" dirty="0" smtClean="0"/>
-              <a:t>IHM </a:t>
-            </a:r>
-            <a:r>
-              <a:rPr lang="pt-PT" sz="1600" b="1" dirty="0" smtClean="0"/>
-              <a:t>para Fabrico Aditivo – Estado da Arte</a:t>
+              <a:t>IHM para Fabrico Aditivo – Estado da Arte</a:t>
             </a:r>
             <a:endParaRPr lang="pt-PT" sz="1600" b="1" dirty="0"/>
           </a:p>
@@ -20047,6 +17801,13 @@
   <p:clrMapOvr>
     <a:masterClrMapping/>
   </p:clrMapOvr>
+  <p:timing>
+    <p:tnLst>
+      <p:par>
+        <p:cTn id="1" dur="indefinite" restart="never" nodeType="tmRoot"/>
+      </p:par>
+    </p:tnLst>
+  </p:timing>
 </p:sld>
 </file>
 
@@ -20093,7 +17854,6 @@
               <a:rPr lang="pt-PT" sz="3200" b="1" dirty="0" smtClean="0"/>
               <a:t>Software Para Automação</a:t>
             </a:r>
-            <a:endParaRPr lang="pt-PT" sz="3200" b="1" dirty="0" smtClean="0"/>
           </a:p>
           <a:p>
             <a:pPr marL="342900" indent="-342900">
@@ -20540,11 +18300,7 @@
             <a:pPr algn="ctr"/>
             <a:r>
               <a:rPr lang="pt-PT" sz="1600" b="1" dirty="0" smtClean="0"/>
-              <a:t>IHM </a:t>
-            </a:r>
-            <a:r>
-              <a:rPr lang="pt-PT" sz="1600" b="1" dirty="0" smtClean="0"/>
-              <a:t>para Fabrico Aditivo – Estado da Arte</a:t>
+              <a:t>IHM para Fabrico Aditivo – Estado da Arte</a:t>
             </a:r>
             <a:endParaRPr lang="pt-PT" sz="1600" b="1" dirty="0"/>
           </a:p>
@@ -20560,6 +18316,13 @@
   <p:clrMapOvr>
     <a:masterClrMapping/>
   </p:clrMapOvr>
+  <p:timing>
+    <p:tnLst>
+      <p:par>
+        <p:cTn id="1" dur="indefinite" restart="never" nodeType="tmRoot"/>
+      </p:par>
+    </p:tnLst>
+  </p:timing>
 </p:sld>
 </file>
 

--- a/Apresentacao_LPII_PE_MarcoRodrigues4652.pptx
+++ b/Apresentacao_LPII_PE_MarcoRodrigues4652.pptx
@@ -221,7 +221,7 @@
           <a:p>
             <a:fld id="{6CB5A5B5-1B7C-493B-BEA9-B04B9AF1EC94}" type="datetimeFigureOut">
               <a:rPr lang="pt-PT" smtClean="0"/>
-              <a:t>20/07/2017</a:t>
+              <a:t>21/07/2017</a:t>
             </a:fld>
             <a:endParaRPr lang="pt-PT"/>
           </a:p>
@@ -380,7 +380,7 @@
           <a:p>
             <a:fld id="{3AAACB8F-4718-497B-9A35-224BBBB1AF80}" type="slidenum">
               <a:rPr lang="pt-PT" smtClean="0"/>
-              <a:t>‹#›</a:t>
+              <a:t>‹nº›</a:t>
             </a:fld>
             <a:endParaRPr lang="pt-PT"/>
           </a:p>
@@ -715,7 +715,7 @@
           <a:p>
             <a:fld id="{A0083D08-FD67-44B3-8536-5A75C98273AA}" type="datetime1">
               <a:rPr lang="pt-PT" smtClean="0"/>
-              <a:t>20/07/2017</a:t>
+              <a:t>21/07/2017</a:t>
             </a:fld>
             <a:endParaRPr lang="pt-PT"/>
           </a:p>
@@ -757,7 +757,7 @@
           <a:p>
             <a:fld id="{422D536B-584E-486B-9435-086987A3D916}" type="slidenum">
               <a:rPr lang="pt-PT" smtClean="0"/>
-              <a:t>‹#›</a:t>
+              <a:t>‹nº›</a:t>
             </a:fld>
             <a:endParaRPr lang="pt-PT"/>
           </a:p>
@@ -923,7 +923,7 @@
           <a:p>
             <a:fld id="{BF30FC89-4E20-4F82-94CC-7A0B490014A9}" type="datetime1">
               <a:rPr lang="pt-PT" smtClean="0"/>
-              <a:t>20/07/2017</a:t>
+              <a:t>21/07/2017</a:t>
             </a:fld>
             <a:endParaRPr lang="pt-PT"/>
           </a:p>
@@ -965,7 +965,7 @@
           <a:p>
             <a:fld id="{422D536B-584E-486B-9435-086987A3D916}" type="slidenum">
               <a:rPr lang="pt-PT" smtClean="0"/>
-              <a:t>‹#›</a:t>
+              <a:t>‹nº›</a:t>
             </a:fld>
             <a:endParaRPr lang="pt-PT"/>
           </a:p>
@@ -1179,7 +1179,7 @@
           <a:p>
             <a:fld id="{1524E4FF-162B-4E62-8C13-B067390AF403}" type="datetime1">
               <a:rPr lang="pt-PT" smtClean="0"/>
-              <a:t>20/07/2017</a:t>
+              <a:t>21/07/2017</a:t>
             </a:fld>
             <a:endParaRPr lang="pt-PT"/>
           </a:p>
@@ -1221,7 +1221,7 @@
           <a:p>
             <a:fld id="{422D536B-584E-486B-9435-086987A3D916}" type="slidenum">
               <a:rPr lang="pt-PT" smtClean="0"/>
-              <a:t>‹#›</a:t>
+              <a:t>‹nº›</a:t>
             </a:fld>
             <a:endParaRPr lang="pt-PT"/>
           </a:p>
@@ -1353,7 +1353,7 @@
           <a:p>
             <a:fld id="{B6A0BBBF-4B9F-4CC1-BA01-A44B1A6EDF03}" type="datetime1">
               <a:rPr lang="pt-PT" smtClean="0"/>
-              <a:t>20/07/2017</a:t>
+              <a:t>21/07/2017</a:t>
             </a:fld>
             <a:endParaRPr lang="pt-PT"/>
           </a:p>
@@ -1395,7 +1395,7 @@
           <a:p>
             <a:fld id="{422D536B-584E-486B-9435-086987A3D916}" type="slidenum">
               <a:rPr lang="pt-PT" smtClean="0"/>
-              <a:t>‹#›</a:t>
+              <a:t>‹nº›</a:t>
             </a:fld>
             <a:endParaRPr lang="pt-PT"/>
           </a:p>
@@ -1696,7 +1696,7 @@
           <a:p>
             <a:fld id="{BE139743-3392-4C87-AC94-289E3CB69E10}" type="datetime1">
               <a:rPr lang="pt-PT" smtClean="0"/>
-              <a:t>20/07/2017</a:t>
+              <a:t>21/07/2017</a:t>
             </a:fld>
             <a:endParaRPr lang="pt-PT"/>
           </a:p>
@@ -1738,7 +1738,7 @@
           <a:p>
             <a:fld id="{422D536B-584E-486B-9435-086987A3D916}" type="slidenum">
               <a:rPr lang="pt-PT" smtClean="0"/>
-              <a:t>‹#›</a:t>
+              <a:t>‹nº›</a:t>
             </a:fld>
             <a:endParaRPr lang="pt-PT"/>
           </a:p>
@@ -1971,7 +1971,7 @@
           <a:p>
             <a:fld id="{10E54368-472F-4004-9BF2-652DF4E1D694}" type="datetime1">
               <a:rPr lang="pt-PT" smtClean="0"/>
-              <a:t>20/07/2017</a:t>
+              <a:t>21/07/2017</a:t>
             </a:fld>
             <a:endParaRPr lang="pt-PT"/>
           </a:p>
@@ -2013,7 +2013,7 @@
           <a:p>
             <a:fld id="{422D536B-584E-486B-9435-086987A3D916}" type="slidenum">
               <a:rPr lang="pt-PT" smtClean="0"/>
-              <a:t>‹#›</a:t>
+              <a:t>‹nº›</a:t>
             </a:fld>
             <a:endParaRPr lang="pt-PT"/>
           </a:p>
@@ -2350,7 +2350,7 @@
           <a:p>
             <a:fld id="{4A41B1F8-CD6E-4AC7-A381-6A8415EFB578}" type="datetime1">
               <a:rPr lang="pt-PT" smtClean="0"/>
-              <a:t>20/07/2017</a:t>
+              <a:t>21/07/2017</a:t>
             </a:fld>
             <a:endParaRPr lang="pt-PT"/>
           </a:p>
@@ -2392,7 +2392,7 @@
           <a:p>
             <a:fld id="{422D536B-584E-486B-9435-086987A3D916}" type="slidenum">
               <a:rPr lang="pt-PT" smtClean="0"/>
-              <a:t>‹#›</a:t>
+              <a:t>‹nº›</a:t>
             </a:fld>
             <a:endParaRPr lang="pt-PT"/>
           </a:p>
@@ -2468,7 +2468,7 @@
           <a:p>
             <a:fld id="{4189860D-16F1-46DC-8A79-3E3C18B197C5}" type="datetime1">
               <a:rPr lang="pt-PT" smtClean="0"/>
-              <a:t>20/07/2017</a:t>
+              <a:t>21/07/2017</a:t>
             </a:fld>
             <a:endParaRPr lang="pt-PT"/>
           </a:p>
@@ -2510,7 +2510,7 @@
           <a:p>
             <a:fld id="{422D536B-584E-486B-9435-086987A3D916}" type="slidenum">
               <a:rPr lang="pt-PT" smtClean="0"/>
-              <a:t>‹#›</a:t>
+              <a:t>‹nº›</a:t>
             </a:fld>
             <a:endParaRPr lang="pt-PT"/>
           </a:p>
@@ -2639,7 +2639,7 @@
           <a:p>
             <a:fld id="{5086A0AB-3E78-4279-A25F-8B66A23831F2}" type="datetime1">
               <a:rPr lang="pt-PT" smtClean="0"/>
-              <a:t>20/07/2017</a:t>
+              <a:t>21/07/2017</a:t>
             </a:fld>
             <a:endParaRPr lang="pt-PT"/>
           </a:p>
@@ -2689,7 +2689,7 @@
           <a:p>
             <a:fld id="{422D536B-584E-486B-9435-086987A3D916}" type="slidenum">
               <a:rPr lang="pt-PT" smtClean="0"/>
-              <a:t>‹#›</a:t>
+              <a:t>‹nº›</a:t>
             </a:fld>
             <a:endParaRPr lang="pt-PT"/>
           </a:p>
@@ -2993,7 +2993,7 @@
           <a:p>
             <a:fld id="{4ABA9473-AC19-4C64-9BE3-A35C1472D40C}" type="datetime1">
               <a:rPr lang="pt-PT" smtClean="0"/>
-              <a:t>20/07/2017</a:t>
+              <a:t>21/07/2017</a:t>
             </a:fld>
             <a:endParaRPr lang="pt-PT"/>
           </a:p>
@@ -3056,7 +3056,7 @@
           <a:p>
             <a:fld id="{422D536B-584E-486B-9435-086987A3D916}" type="slidenum">
               <a:rPr lang="pt-PT" smtClean="0"/>
-              <a:t>‹#›</a:t>
+              <a:t>‹nº›</a:t>
             </a:fld>
             <a:endParaRPr lang="pt-PT"/>
           </a:p>
@@ -3375,7 +3375,7 @@
           <a:p>
             <a:fld id="{9D79879D-ACE8-4CD7-811D-1E9CD9972304}" type="datetime1">
               <a:rPr lang="pt-PT" smtClean="0"/>
-              <a:t>20/07/2017</a:t>
+              <a:t>21/07/2017</a:t>
             </a:fld>
             <a:endParaRPr lang="pt-PT"/>
           </a:p>
@@ -3417,7 +3417,7 @@
           <a:p>
             <a:fld id="{422D536B-584E-486B-9435-086987A3D916}" type="slidenum">
               <a:rPr lang="pt-PT" smtClean="0"/>
-              <a:t>‹#›</a:t>
+              <a:t>‹nº›</a:t>
             </a:fld>
             <a:endParaRPr lang="pt-PT"/>
           </a:p>
@@ -3662,7 +3662,7 @@
           <a:p>
             <a:fld id="{D0966B32-2EDE-4658-A6AA-7FE6BBDCB583}" type="datetime1">
               <a:rPr lang="pt-PT" smtClean="0"/>
-              <a:t>20/07/2017</a:t>
+              <a:t>21/07/2017</a:t>
             </a:fld>
             <a:endParaRPr lang="pt-PT"/>
           </a:p>
@@ -3736,7 +3736,7 @@
           <a:p>
             <a:fld id="{422D536B-584E-486B-9435-086987A3D916}" type="slidenum">
               <a:rPr lang="pt-PT" smtClean="0"/>
-              <a:t>‹#›</a:t>
+              <a:t>‹nº›</a:t>
             </a:fld>
             <a:endParaRPr lang="pt-PT"/>
           </a:p>
@@ -4794,13 +4794,8 @@
           <a:p>
             <a:r>
               <a:rPr lang="pt-PT" dirty="0" smtClean="0"/>
-              <a:t>Eng.º João Paulo </a:t>
-            </a:r>
-            <a:r>
-              <a:rPr lang="pt-PT" dirty="0" smtClean="0"/>
-              <a:t>pereira (INEGI)</a:t>
-            </a:r>
-            <a:endParaRPr lang="pt-PT" dirty="0" smtClean="0"/>
+              <a:t>Eng.º João Paulo pereira (INEGI)</a:t>
+            </a:r>
           </a:p>
           <a:p>
             <a:endParaRPr lang="pt-PT" dirty="0" smtClean="0"/>
@@ -8051,13 +8046,8 @@
             </a:r>
             <a:r>
               <a:rPr lang="en-US" sz="2400" b="1" u="sng" dirty="0"/>
-              <a:t> </a:t>
-            </a:r>
-            <a:r>
-              <a:rPr lang="en-US" sz="2400" b="1" u="sng" dirty="0"/>
-              <a:t>1</a:t>
-            </a:r>
-            <a:endParaRPr lang="en-US" sz="2400" b="1" u="sng" dirty="0"/>
+              <a:t> 1</a:t>
+            </a:r>
           </a:p>
           <a:p>
             <a:pPr marL="342900" indent="-342900">
@@ -8097,11 +8087,7 @@
             </a:pPr>
             <a:r>
               <a:rPr lang="pt-PT" sz="2400" dirty="0" smtClean="0"/>
-              <a:t>Sucesso na disponibilização de experiências de controlo </a:t>
-            </a:r>
-            <a:r>
-              <a:rPr lang="pt-PT" sz="2400" dirty="0" smtClean="0"/>
-              <a:t>remotamente, que significa que esta arquitetura pode ser estendida a outras experiências de controlo</a:t>
+              <a:t>Sucesso na disponibilização de experiências de controlo remotamente, que significa que esta arquitetura pode ser estendida a outras experiências de controlo</a:t>
             </a:r>
             <a:endParaRPr lang="pt-PT" sz="2400" dirty="0"/>
           </a:p>
@@ -8590,15 +8576,7 @@
             </a:pPr>
             <a:r>
               <a:rPr lang="pt-PT" sz="2400" dirty="0" smtClean="0"/>
-              <a:t>Caso Real -&gt; </a:t>
-            </a:r>
-            <a:r>
-              <a:rPr lang="pt-PT" sz="2400" dirty="0" smtClean="0"/>
-              <a:t>Markforged</a:t>
-            </a:r>
-            <a:r>
-              <a:rPr lang="pt-PT" sz="2400" dirty="0" smtClean="0"/>
-              <a:t>: Marca de impressoras 3D</a:t>
+              <a:t>Caso Real -&gt; Markforged: Marca de impressoras 3D</a:t>
             </a:r>
           </a:p>
           <a:p>
@@ -10544,7 +10522,7 @@
         <p:spPr>
           <a:xfrm>
             <a:off x="445000" y="166025"/>
-            <a:ext cx="9455458" cy="6494085"/>
+            <a:ext cx="9455458" cy="5509200"/>
           </a:xfrm>
           <a:prstGeom prst="rect">
             <a:avLst/>
@@ -10563,21 +10541,18 @@
             </a:r>
           </a:p>
           <a:p>
-            <a:pPr marL="342900" indent="-342900">
-              <a:buFont typeface="Arial" panose="020B0604020202020204" pitchFamily="34" charset="0"/>
-              <a:buChar char="•"/>
-            </a:pPr>
-            <a:endParaRPr lang="pt-PT" sz="2400" dirty="0" smtClean="0"/>
-          </a:p>
-          <a:p>
-            <a:pPr marL="342900" indent="-342900">
-              <a:buFont typeface="Arial" panose="020B0604020202020204" pitchFamily="34" charset="0"/>
-              <a:buChar char="•"/>
-            </a:pPr>
-            <a:r>
-              <a:rPr lang="pt-PT" sz="2400" dirty="0"/>
+            <a:endParaRPr lang="pt-PT" sz="3200" b="1" dirty="0" smtClean="0"/>
+          </a:p>
+          <a:p>
+            <a:pPr marL="342900" indent="-342900">
+              <a:buFont typeface="Arial" panose="020B0604020202020204" pitchFamily="34" charset="0"/>
+              <a:buChar char="•"/>
+            </a:pPr>
+            <a:r>
+              <a:rPr lang="pt-PT" sz="2400" dirty="0" smtClean="0"/>
               <a:t>Introdução</a:t>
             </a:r>
+            <a:endParaRPr lang="pt-PT" sz="2400" dirty="0"/>
           </a:p>
           <a:p>
             <a:pPr marL="800100" lvl="1" indent="-342900">
@@ -10614,20 +10589,10 @@
               <a:buFont typeface="Arial" panose="020B0604020202020204" pitchFamily="34" charset="0"/>
               <a:buChar char="•"/>
             </a:pPr>
-            <a:endParaRPr lang="pt-PT" sz="2400" dirty="0" smtClean="0"/>
-          </a:p>
-          <a:p>
-            <a:pPr marL="342900" indent="-342900">
-              <a:buFont typeface="Arial" panose="020B0604020202020204" pitchFamily="34" charset="0"/>
-              <a:buChar char="•"/>
-            </a:pPr>
             <a:r>
               <a:rPr lang="pt-PT" sz="2400" dirty="0" smtClean="0"/>
               <a:t>Planeamento</a:t>
             </a:r>
-          </a:p>
-          <a:p>
-            <a:pPr lvl="1"/>
             <a:endParaRPr lang="pt-PT" sz="2400" dirty="0" smtClean="0"/>
           </a:p>
           <a:p>
@@ -10637,7 +10602,11 @@
             </a:pPr>
             <a:r>
               <a:rPr lang="pt-PT" sz="2400" dirty="0" smtClean="0"/>
-              <a:t>Estado da Arte</a:t>
+              <a:t>Estado </a:t>
+            </a:r>
+            <a:r>
+              <a:rPr lang="pt-PT" sz="2400" dirty="0" smtClean="0"/>
+              <a:t>da Arte</a:t>
             </a:r>
           </a:p>
           <a:p>
@@ -10686,16 +10655,13 @@
               <a:buFont typeface="Arial" panose="020B0604020202020204" pitchFamily="34" charset="0"/>
               <a:buChar char="•"/>
             </a:pPr>
-            <a:endParaRPr lang="pt-PT" sz="2400" dirty="0" smtClean="0"/>
-          </a:p>
-          <a:p>
-            <a:pPr marL="342900" indent="-342900">
-              <a:buFont typeface="Arial" panose="020B0604020202020204" pitchFamily="34" charset="0"/>
-              <a:buChar char="•"/>
-            </a:pPr>
             <a:r>
               <a:rPr lang="pt-PT" sz="2400" dirty="0" smtClean="0"/>
-              <a:t>Sistema Desenvolvido</a:t>
+              <a:t>Sistema </a:t>
+            </a:r>
+            <a:r>
+              <a:rPr lang="pt-PT" sz="2400" dirty="0" smtClean="0"/>
+              <a:t>Desenvolvido</a:t>
             </a:r>
             <a:endParaRPr lang="pt-PT" sz="2400" dirty="0"/>
           </a:p>
@@ -10704,6 +10670,10 @@
               <a:buFont typeface="Arial" panose="020B0604020202020204" pitchFamily="34" charset="0"/>
               <a:buChar char="•"/>
             </a:pPr>
+            <a:r>
+              <a:rPr lang="pt-PT" sz="2400" dirty="0" smtClean="0"/>
+              <a:t>Demonstração</a:t>
+            </a:r>
             <a:endParaRPr lang="pt-PT" sz="2400" dirty="0" smtClean="0"/>
           </a:p>
         </p:txBody>
@@ -11889,7 +11859,15 @@
             </a:pPr>
             <a:r>
               <a:rPr lang="pt-PT" sz="2400" dirty="0" smtClean="0"/>
-              <a:t>Controlo básico do equipamento: ligar, desligar, pausar, parar, monitorizar eixos e estado geral do equipamento</a:t>
+              <a:t>Controlo básico do equipamento: ligar, desligar, pausar, parar, monitorizar </a:t>
+            </a:r>
+            <a:r>
+              <a:rPr lang="pt-PT" sz="2400" dirty="0" smtClean="0"/>
+              <a:t>posições e movimentos dos eixos </a:t>
+            </a:r>
+            <a:r>
+              <a:rPr lang="pt-PT" sz="2400" dirty="0" smtClean="0"/>
+              <a:t>e estado geral do equipamento</a:t>
             </a:r>
           </a:p>
           <a:p>
@@ -13945,7 +13923,7 @@
         <p:spPr>
           <a:xfrm>
             <a:off x="445000" y="166025"/>
-            <a:ext cx="9455458" cy="8340745"/>
+            <a:ext cx="9455458" cy="7971413"/>
           </a:xfrm>
           <a:prstGeom prst="rect">
             <a:avLst/>
@@ -13964,17 +13942,6 @@
             </a:r>
           </a:p>
           <a:p>
-            <a:pPr marL="342900" indent="-342900">
-              <a:buFont typeface="Arial" panose="020B0604020202020204" pitchFamily="34" charset="0"/>
-              <a:buChar char="•"/>
-            </a:pPr>
-            <a:endParaRPr lang="pt-PT" sz="2400" dirty="0" smtClean="0"/>
-          </a:p>
-          <a:p>
-            <a:pPr marL="342900" indent="-342900">
-              <a:buFont typeface="Arial" panose="020B0604020202020204" pitchFamily="34" charset="0"/>
-              <a:buChar char="•"/>
-            </a:pPr>
             <a:endParaRPr lang="pt-PT" sz="2400" dirty="0" smtClean="0"/>
           </a:p>
           <a:p>
@@ -13984,86 +13951,86 @@
             </a:pPr>
             <a:r>
               <a:rPr lang="pt-PT" sz="2400" dirty="0" smtClean="0"/>
+              <a:t>INEGI tem vasta experiência </a:t>
+            </a:r>
+          </a:p>
+          <a:p>
+            <a:pPr marL="800100" lvl="1" indent="-342900">
+              <a:buFont typeface="Arial" panose="020B0604020202020204" pitchFamily="34" charset="0"/>
+              <a:buChar char="•"/>
+            </a:pPr>
+            <a:r>
+              <a:rPr lang="pt-PT" sz="2400" dirty="0" smtClean="0"/>
+              <a:t>desenvolvimento do produto </a:t>
+            </a:r>
+          </a:p>
+          <a:p>
+            <a:pPr marL="800100" lvl="1" indent="-342900">
+              <a:buFont typeface="Arial" panose="020B0604020202020204" pitchFamily="34" charset="0"/>
+              <a:buChar char="•"/>
+            </a:pPr>
+            <a:r>
+              <a:rPr lang="pt-PT" sz="2400" dirty="0" smtClean="0"/>
+              <a:t>fabrico aditivo </a:t>
+            </a:r>
+          </a:p>
+          <a:p>
+            <a:pPr marL="800100" lvl="1" indent="-342900">
+              <a:buFont typeface="Arial" panose="020B0604020202020204" pitchFamily="34" charset="0"/>
+              <a:buChar char="•"/>
+            </a:pPr>
+            <a:r>
+              <a:rPr lang="pt-PT" sz="2400" dirty="0" smtClean="0"/>
+              <a:t>indústria 4.0 </a:t>
+            </a:r>
+          </a:p>
+          <a:p>
+            <a:pPr marL="800100" lvl="1" indent="-342900">
+              <a:buFont typeface="Arial" panose="020B0604020202020204" pitchFamily="34" charset="0"/>
+              <a:buChar char="•"/>
+            </a:pPr>
+            <a:r>
+              <a:rPr lang="pt-PT" sz="2400" dirty="0" smtClean="0"/>
+              <a:t>engenharia industrial</a:t>
+            </a:r>
+          </a:p>
+          <a:p>
+            <a:pPr marL="800100" lvl="1" indent="-342900">
+              <a:buFont typeface="Arial" panose="020B0604020202020204" pitchFamily="34" charset="0"/>
+              <a:buChar char="•"/>
+            </a:pPr>
+            <a:r>
+              <a:rPr lang="pt-PT" sz="2400" dirty="0" err="1" smtClean="0"/>
+              <a:t>etc</a:t>
+            </a:r>
+            <a:endParaRPr lang="pt-PT" sz="2400" dirty="0" smtClean="0"/>
+          </a:p>
+          <a:p>
+            <a:pPr marL="342900" indent="-342900">
+              <a:buFont typeface="Arial" panose="020B0604020202020204" pitchFamily="34" charset="0"/>
+              <a:buChar char="•"/>
+            </a:pPr>
+            <a:endParaRPr lang="pt-PT" sz="2400" dirty="0" smtClean="0"/>
+          </a:p>
+          <a:p>
+            <a:pPr marL="342900" indent="-342900">
+              <a:buFont typeface="Arial" panose="020B0604020202020204" pitchFamily="34" charset="0"/>
+              <a:buChar char="•"/>
+            </a:pPr>
+            <a:r>
+              <a:rPr lang="pt-PT" sz="2400" dirty="0"/>
               <a:t>Projeto de investigação no INEGI (</a:t>
             </a:r>
             <a:r>
-              <a:rPr lang="pt-PT" sz="2400" dirty="0" smtClean="0">
+              <a:rPr lang="pt-PT" sz="2400" dirty="0">
                 <a:hlinkClick r:id="rId2"/>
               </a:rPr>
               <a:t>http://www.inegi.pt</a:t>
             </a:r>
             <a:r>
-              <a:rPr lang="pt-PT" sz="2400" dirty="0" smtClean="0"/>
+              <a:rPr lang="pt-PT" sz="2400" dirty="0"/>
               <a:t>): FIBR3D</a:t>
             </a:r>
-          </a:p>
-          <a:p>
-            <a:pPr marL="342900" indent="-342900">
-              <a:buFont typeface="Arial" panose="020B0604020202020204" pitchFamily="34" charset="0"/>
-              <a:buChar char="•"/>
-            </a:pPr>
-            <a:endParaRPr lang="pt-PT" sz="2400" dirty="0" smtClean="0"/>
-          </a:p>
-          <a:p>
-            <a:pPr marL="342900" indent="-342900">
-              <a:buFont typeface="Arial" panose="020B0604020202020204" pitchFamily="34" charset="0"/>
-              <a:buChar char="•"/>
-            </a:pPr>
-            <a:r>
-              <a:rPr lang="pt-PT" sz="2400" dirty="0" smtClean="0"/>
-              <a:t>INEGI tem vasta experiência </a:t>
-            </a:r>
-          </a:p>
-          <a:p>
-            <a:pPr marL="800100" lvl="1" indent="-342900">
-              <a:buFont typeface="Arial" panose="020B0604020202020204" pitchFamily="34" charset="0"/>
-              <a:buChar char="•"/>
-            </a:pPr>
-            <a:r>
-              <a:rPr lang="pt-PT" sz="2400" dirty="0" smtClean="0"/>
-              <a:t>desenvolvimento do produto </a:t>
-            </a:r>
-          </a:p>
-          <a:p>
-            <a:pPr marL="800100" lvl="1" indent="-342900">
-              <a:buFont typeface="Arial" panose="020B0604020202020204" pitchFamily="34" charset="0"/>
-              <a:buChar char="•"/>
-            </a:pPr>
-            <a:r>
-              <a:rPr lang="pt-PT" sz="2400" dirty="0" smtClean="0"/>
-              <a:t>fabrico aditivo </a:t>
-            </a:r>
-          </a:p>
-          <a:p>
-            <a:pPr marL="800100" lvl="1" indent="-342900">
-              <a:buFont typeface="Arial" panose="020B0604020202020204" pitchFamily="34" charset="0"/>
-              <a:buChar char="•"/>
-            </a:pPr>
-            <a:r>
-              <a:rPr lang="pt-PT" sz="2400" dirty="0" smtClean="0"/>
-              <a:t>indústria 4.0 </a:t>
-            </a:r>
-          </a:p>
-          <a:p>
-            <a:pPr marL="800100" lvl="1" indent="-342900">
-              <a:buFont typeface="Arial" panose="020B0604020202020204" pitchFamily="34" charset="0"/>
-              <a:buChar char="•"/>
-            </a:pPr>
-            <a:r>
-              <a:rPr lang="pt-PT" sz="2400" dirty="0" smtClean="0"/>
-              <a:t>engenharia industrial</a:t>
-            </a:r>
-          </a:p>
-          <a:p>
-            <a:pPr marL="800100" lvl="1" indent="-342900">
-              <a:buFont typeface="Arial" panose="020B0604020202020204" pitchFamily="34" charset="0"/>
-              <a:buChar char="•"/>
-            </a:pPr>
-            <a:r>
-              <a:rPr lang="pt-PT" sz="2400" dirty="0" err="1" smtClean="0"/>
-              <a:t>etc</a:t>
-            </a:r>
-            <a:endParaRPr lang="pt-PT" sz="2400" dirty="0" smtClean="0"/>
           </a:p>
           <a:p>
             <a:pPr marL="342900" indent="-342900">
@@ -14345,7 +14312,7 @@
         </p:blipFill>
         <p:spPr>
           <a:xfrm>
-            <a:off x="5447021" y="2779059"/>
+            <a:off x="5715962" y="1506071"/>
             <a:ext cx="3406300" cy="708693"/>
           </a:xfrm>
           <a:prstGeom prst="rect">
@@ -16165,27 +16132,59 @@
             </a:pPr>
             <a:r>
               <a:rPr lang="pt-PT" sz="2000" dirty="0" smtClean="0"/>
-              <a:t>Até 31/05 – Especificação do Projeto</a:t>
-            </a:r>
-          </a:p>
-          <a:p>
-            <a:pPr marL="342900" indent="-342900">
-              <a:buFont typeface="Arial" panose="020B0604020202020204" pitchFamily="34" charset="0"/>
-              <a:buChar char="•"/>
-            </a:pPr>
+              <a:t>Até </a:t>
+            </a:r>
             <a:r>
               <a:rPr lang="pt-PT" sz="2000" dirty="0" smtClean="0"/>
-              <a:t>01/06 a 15/06 – Estudo do Estado da Arte</a:t>
-            </a:r>
-          </a:p>
-          <a:p>
-            <a:pPr marL="342900" indent="-342900">
-              <a:buFont typeface="Arial" panose="020B0604020202020204" pitchFamily="34" charset="0"/>
-              <a:buChar char="•"/>
-            </a:pPr>
+              <a:t>31/05/2017 </a:t>
+            </a:r>
             <a:r>
               <a:rPr lang="pt-PT" sz="2000" dirty="0" smtClean="0"/>
-              <a:t>16/06 a 09/07 – Desenvolvimento do Projeto (1ª versão)</a:t>
+              <a:t>– Especificação do Projeto</a:t>
+            </a:r>
+          </a:p>
+          <a:p>
+            <a:pPr marL="342900" indent="-342900">
+              <a:buFont typeface="Arial" panose="020B0604020202020204" pitchFamily="34" charset="0"/>
+              <a:buChar char="•"/>
+            </a:pPr>
+            <a:r>
+              <a:rPr lang="pt-PT" sz="2000" dirty="0" smtClean="0"/>
+              <a:t>01/06/2017 </a:t>
+            </a:r>
+            <a:r>
+              <a:rPr lang="pt-PT" sz="2000" dirty="0" smtClean="0"/>
+              <a:t>a </a:t>
+            </a:r>
+            <a:r>
+              <a:rPr lang="pt-PT" sz="2000" dirty="0" smtClean="0"/>
+              <a:t>15/06/2017 </a:t>
+            </a:r>
+            <a:r>
+              <a:rPr lang="pt-PT" sz="2000" dirty="0" smtClean="0"/>
+              <a:t>– Estudo do Estado da Arte</a:t>
+            </a:r>
+          </a:p>
+          <a:p>
+            <a:pPr marL="342900" indent="-342900">
+              <a:buFont typeface="Arial" panose="020B0604020202020204" pitchFamily="34" charset="0"/>
+              <a:buChar char="•"/>
+            </a:pPr>
+            <a:r>
+              <a:rPr lang="pt-PT" sz="2000" dirty="0" smtClean="0"/>
+              <a:t>16/06/2017 </a:t>
+            </a:r>
+            <a:r>
+              <a:rPr lang="pt-PT" sz="2000" dirty="0" smtClean="0"/>
+              <a:t>a </a:t>
+            </a:r>
+            <a:r>
+              <a:rPr lang="pt-PT" sz="2000" dirty="0" smtClean="0"/>
+              <a:t>09/07/2017 </a:t>
+            </a:r>
+            <a:r>
+              <a:rPr lang="pt-PT" sz="2000" dirty="0" smtClean="0"/>
+              <a:t>– Desenvolvimento do Projeto (1ª versão)</a:t>
             </a:r>
           </a:p>
           <a:p>
@@ -16254,27 +16253,63 @@
             </a:pPr>
             <a:r>
               <a:rPr lang="pt-PT" sz="2000" dirty="0" smtClean="0"/>
-              <a:t>10/07 a 19/07 – Relatório</a:t>
-            </a:r>
-          </a:p>
-          <a:p>
-            <a:pPr marL="342900" indent="-342900">
-              <a:buFont typeface="Arial" panose="020B0604020202020204" pitchFamily="34" charset="0"/>
-              <a:buChar char="•"/>
-            </a:pPr>
+              <a:t>10/07/2017 </a:t>
+            </a:r>
             <a:r>
               <a:rPr lang="pt-PT" sz="2000" dirty="0" smtClean="0"/>
-              <a:t>01/09 a 31/12 – Desenvolvimento do Projeto Final</a:t>
-            </a:r>
-          </a:p>
-          <a:p>
-            <a:pPr marL="342900" indent="-342900">
-              <a:buFont typeface="Arial" panose="020B0604020202020204" pitchFamily="34" charset="0"/>
-              <a:buChar char="•"/>
-            </a:pPr>
+              <a:t>a </a:t>
+            </a:r>
             <a:r>
               <a:rPr lang="pt-PT" sz="2000" dirty="0" smtClean="0"/>
-              <a:t>01/01 a 01/02 – Relatório Final</a:t>
+              <a:t>19/07/2017 </a:t>
+            </a:r>
+            <a:r>
+              <a:rPr lang="pt-PT" sz="2000" dirty="0" smtClean="0"/>
+              <a:t>– Relatório</a:t>
+            </a:r>
+          </a:p>
+          <a:p>
+            <a:pPr marL="342900" indent="-342900">
+              <a:buFont typeface="Arial" panose="020B0604020202020204" pitchFamily="34" charset="0"/>
+              <a:buChar char="•"/>
+            </a:pPr>
+            <a:r>
+              <a:rPr lang="pt-PT" sz="2000" dirty="0" smtClean="0"/>
+              <a:t>01/09/2017 </a:t>
+            </a:r>
+            <a:r>
+              <a:rPr lang="pt-PT" sz="2000" dirty="0" smtClean="0"/>
+              <a:t>a </a:t>
+            </a:r>
+            <a:r>
+              <a:rPr lang="pt-PT" sz="2000" dirty="0" smtClean="0"/>
+              <a:t>31/12/2017 </a:t>
+            </a:r>
+            <a:r>
+              <a:rPr lang="pt-PT" sz="2000" dirty="0" smtClean="0"/>
+              <a:t>– Desenvolvimento do Projeto Final</a:t>
+            </a:r>
+          </a:p>
+          <a:p>
+            <a:pPr marL="342900" indent="-342900">
+              <a:buFont typeface="Arial" panose="020B0604020202020204" pitchFamily="34" charset="0"/>
+              <a:buChar char="•"/>
+            </a:pPr>
+            <a:r>
+              <a:rPr lang="pt-PT" sz="2000" dirty="0" smtClean="0"/>
+              <a:t>01/01/2018 </a:t>
+            </a:r>
+            <a:r>
+              <a:rPr lang="pt-PT" sz="2000" dirty="0" smtClean="0"/>
+              <a:t>a </a:t>
+            </a:r>
+            <a:r>
+              <a:rPr lang="pt-PT" sz="2000" dirty="0" smtClean="0"/>
+              <a:t>01/02/2018 </a:t>
+            </a:r>
+            <a:r>
+              <a:rPr lang="pt-PT" sz="2000" dirty="0" smtClean="0"/>
+              <a:t>– Relatório Final</a:t>
             </a:r>
           </a:p>
           <a:p>
